--- a/laptop_regression.pptx
+++ b/laptop_regression.pptx
@@ -5,21 +5,24 @@
     <p:sldMasterId id="2147483832" r:id="rId4"/>
   </p:sldMasterIdLst>
   <p:notesMasterIdLst>
-    <p:notesMasterId r:id="rId14"/>
+    <p:notesMasterId r:id="rId17"/>
   </p:notesMasterIdLst>
   <p:handoutMasterIdLst>
-    <p:handoutMasterId r:id="rId15"/>
+    <p:handoutMasterId r:id="rId18"/>
   </p:handoutMasterIdLst>
   <p:sldIdLst>
     <p:sldId id="256" r:id="rId5"/>
     <p:sldId id="257" r:id="rId6"/>
     <p:sldId id="258" r:id="rId7"/>
-    <p:sldId id="259" r:id="rId8"/>
-    <p:sldId id="260" r:id="rId9"/>
-    <p:sldId id="261" r:id="rId10"/>
-    <p:sldId id="262" r:id="rId11"/>
-    <p:sldId id="263" r:id="rId12"/>
-    <p:sldId id="264" r:id="rId13"/>
+    <p:sldId id="266" r:id="rId8"/>
+    <p:sldId id="267" r:id="rId9"/>
+    <p:sldId id="259" r:id="rId10"/>
+    <p:sldId id="260" r:id="rId11"/>
+    <p:sldId id="261" r:id="rId12"/>
+    <p:sldId id="262" r:id="rId13"/>
+    <p:sldId id="263" r:id="rId14"/>
+    <p:sldId id="264" r:id="rId15"/>
+    <p:sldId id="265" r:id="rId16"/>
   </p:sldIdLst>
   <p:sldSz cx="9144000" cy="6858000" type="screen4x3"/>
   <p:notesSz cx="6858000" cy="9144000"/>
@@ -718,7 +721,7 @@
           <a:p>
             <a:fld id="{E286FD15-60BD-448E-93F3-E9C0354025CB}" type="datetimeFigureOut">
               <a:rPr lang="hu-HU" smtClean="0"/>
-              <a:t>2024. 12. 09.</a:t>
+              <a:t>2024. 12. 10.</a:t>
             </a:fld>
             <a:endParaRPr lang="hu-HU"/>
           </a:p>
@@ -884,7 +887,7 @@
           <a:p>
             <a:fld id="{945779A9-2F62-41F1-8D39-20DA253901A2}" type="datetimeFigureOut">
               <a:rPr lang="hu-HU" smtClean="0"/>
-              <a:t>2024. 12. 09.</a:t>
+              <a:t>2024. 12. 10.</a:t>
             </a:fld>
             <a:endParaRPr lang="hu-HU"/>
           </a:p>
@@ -1666,7 +1669,7 @@
             <a:pPr algn="l"/>
             <a:fld id="{2508C36B-3B60-4C26-ADB5-50C5F67D672E}" type="datetime4">
               <a:rPr lang="hu-HU" smtClean="0"/>
-              <a:t>2024. december 9.</a:t>
+              <a:t>2024. december 10.</a:t>
             </a:fld>
             <a:endParaRPr lang="hu-HU">
               <a:solidFill>
@@ -2109,7 +2112,7 @@
             <a:pPr algn="l"/>
             <a:fld id="{2508C36B-3B60-4C26-ADB5-50C5F67D672E}" type="datetime4">
               <a:rPr lang="hu-HU" smtClean="0"/>
-              <a:t>2024. december 9.</a:t>
+              <a:t>2024. december 10.</a:t>
             </a:fld>
             <a:endParaRPr lang="hu-HU">
               <a:solidFill>
@@ -2555,7 +2558,7 @@
             <a:pPr algn="l"/>
             <a:fld id="{2508C36B-3B60-4C26-ADB5-50C5F67D672E}" type="datetime4">
               <a:rPr lang="hu-HU" smtClean="0"/>
-              <a:t>2024. december 9.</a:t>
+              <a:t>2024. december 10.</a:t>
             </a:fld>
             <a:endParaRPr lang="hu-HU">
               <a:solidFill>
@@ -3001,7 +3004,7 @@
             <a:pPr algn="l"/>
             <a:fld id="{2508C36B-3B60-4C26-ADB5-50C5F67D672E}" type="datetime4">
               <a:rPr lang="hu-HU" smtClean="0"/>
-              <a:t>2024. december 9.</a:t>
+              <a:t>2024. december 10.</a:t>
             </a:fld>
             <a:endParaRPr lang="hu-HU">
               <a:solidFill>
@@ -3434,7 +3437,7 @@
             <a:pPr algn="l"/>
             <a:fld id="{2508C36B-3B60-4C26-ADB5-50C5F67D672E}" type="datetime4">
               <a:rPr lang="hu-HU" smtClean="0"/>
-              <a:t>2024. december 9.</a:t>
+              <a:t>2024. december 10.</a:t>
             </a:fld>
             <a:endParaRPr lang="hu-HU">
               <a:solidFill>
@@ -3867,7 +3870,7 @@
             <a:pPr algn="l"/>
             <a:fld id="{2508C36B-3B60-4C26-ADB5-50C5F67D672E}" type="datetime4">
               <a:rPr lang="hu-HU" smtClean="0"/>
-              <a:t>2024. december 9.</a:t>
+              <a:t>2024. december 10.</a:t>
             </a:fld>
             <a:endParaRPr lang="hu-HU">
               <a:solidFill>
@@ -4292,7 +4295,7 @@
             <a:pPr algn="l"/>
             <a:fld id="{2508C36B-3B60-4C26-ADB5-50C5F67D672E}" type="datetime4">
               <a:rPr lang="hu-HU" smtClean="0"/>
-              <a:t>2024. december 9.</a:t>
+              <a:t>2024. december 10.</a:t>
             </a:fld>
             <a:endParaRPr lang="hu-HU">
               <a:solidFill>
@@ -4879,7 +4882,7 @@
             <a:pPr algn="l"/>
             <a:fld id="{2508C36B-3B60-4C26-ADB5-50C5F67D672E}" type="datetime4">
               <a:rPr lang="hu-HU" smtClean="0"/>
-              <a:t>2024. december 9.</a:t>
+              <a:t>2024. december 10.</a:t>
             </a:fld>
             <a:endParaRPr lang="hu-HU">
               <a:solidFill>
@@ -5472,7 +5475,7 @@
             <a:pPr algn="l"/>
             <a:fld id="{2508C36B-3B60-4C26-ADB5-50C5F67D672E}" type="datetime4">
               <a:rPr lang="hu-HU" smtClean="0"/>
-              <a:t>2024. december 9.</a:t>
+              <a:t>2024. december 10.</a:t>
             </a:fld>
             <a:endParaRPr lang="hu-HU">
               <a:solidFill>
@@ -6073,7 +6076,7 @@
             <a:pPr algn="l"/>
             <a:fld id="{2508C36B-3B60-4C26-ADB5-50C5F67D672E}" type="datetime4">
               <a:rPr lang="hu-HU" smtClean="0"/>
-              <a:t>2024. december 9.</a:t>
+              <a:t>2024. december 10.</a:t>
             </a:fld>
             <a:endParaRPr lang="hu-HU">
               <a:solidFill>
@@ -6530,7 +6533,7 @@
             <a:pPr algn="l"/>
             <a:fld id="{2508C36B-3B60-4C26-ADB5-50C5F67D672E}" type="datetime4">
               <a:rPr lang="hu-HU" smtClean="0"/>
-              <a:t>2024. december 9.</a:t>
+              <a:t>2024. december 10.</a:t>
             </a:fld>
             <a:endParaRPr lang="hu-HU">
               <a:solidFill>
@@ -6956,7 +6959,7 @@
             <a:pPr algn="l"/>
             <a:fld id="{2508C36B-3B60-4C26-ADB5-50C5F67D672E}" type="datetime4">
               <a:rPr lang="hu-HU" smtClean="0"/>
-              <a:t>2024. december 9.</a:t>
+              <a:t>2024. december 10.</a:t>
             </a:fld>
             <a:endParaRPr lang="hu-HU">
               <a:solidFill>
@@ -7385,7 +7388,7 @@
             <a:pPr algn="l"/>
             <a:fld id="{2508C36B-3B60-4C26-ADB5-50C5F67D672E}" type="datetime4">
               <a:rPr lang="hu-HU" smtClean="0"/>
-              <a:t>2024. december 9.</a:t>
+              <a:t>2024. december 10.</a:t>
             </a:fld>
             <a:endParaRPr lang="hu-HU">
               <a:solidFill>
@@ -7814,7 +7817,7 @@
             <a:pPr algn="l"/>
             <a:fld id="{2508C36B-3B60-4C26-ADB5-50C5F67D672E}" type="datetime4">
               <a:rPr lang="hu-HU" smtClean="0"/>
-              <a:t>2024. december 9.</a:t>
+              <a:t>2024. december 10.</a:t>
             </a:fld>
             <a:endParaRPr lang="hu-HU">
               <a:solidFill>
@@ -8132,7 +8135,7 @@
             <a:pPr algn="l"/>
             <a:fld id="{2508C36B-3B60-4C26-ADB5-50C5F67D672E}" type="datetime4">
               <a:rPr lang="hu-HU" smtClean="0"/>
-              <a:t>2024. december 9.</a:t>
+              <a:t>2024. december 10.</a:t>
             </a:fld>
             <a:endParaRPr lang="hu-HU">
               <a:solidFill>
@@ -8408,7 +8411,7 @@
             <a:pPr algn="l"/>
             <a:fld id="{2508C36B-3B60-4C26-ADB5-50C5F67D672E}" type="datetime4">
               <a:rPr lang="hu-HU" smtClean="0"/>
-              <a:t>2024. december 9.</a:t>
+              <a:t>2024. december 10.</a:t>
             </a:fld>
             <a:endParaRPr lang="hu-HU">
               <a:solidFill>
@@ -8819,7 +8822,7 @@
             <a:pPr algn="l"/>
             <a:fld id="{2508C36B-3B60-4C26-ADB5-50C5F67D672E}" type="datetime4">
               <a:rPr lang="hu-HU" smtClean="0"/>
-              <a:t>2024. december 9.</a:t>
+              <a:t>2024. december 10.</a:t>
             </a:fld>
             <a:endParaRPr lang="hu-HU">
               <a:solidFill>
@@ -9170,7 +9173,7 @@
             <a:pPr algn="l"/>
             <a:fld id="{2508C36B-3B60-4C26-ADB5-50C5F67D672E}" type="datetime4">
               <a:rPr lang="hu-HU" smtClean="0"/>
-              <a:t>2024. december 9.</a:t>
+              <a:t>2024. december 10.</a:t>
             </a:fld>
             <a:endParaRPr lang="hu-HU">
               <a:solidFill>
@@ -9644,7 +9647,7 @@
             <a:pPr algn="l"/>
             <a:fld id="{2508C36B-3B60-4C26-ADB5-50C5F67D672E}" type="datetime4">
               <a:rPr lang="hu-HU" smtClean="0"/>
-              <a:t>2024. december 9.</a:t>
+              <a:t>2024. december 10.</a:t>
             </a:fld>
             <a:endParaRPr lang="hu-HU">
               <a:solidFill>
@@ -10037,7 +10040,7 @@
             <a:pPr algn="l"/>
             <a:fld id="{2508C36B-3B60-4C26-ADB5-50C5F67D672E}" type="datetime4">
               <a:rPr lang="hu-HU" smtClean="0"/>
-              <a:t>2024. december 9.</a:t>
+              <a:t>2024. december 10.</a:t>
             </a:fld>
             <a:endParaRPr lang="hu-HU">
               <a:solidFill>
@@ -10443,7 +10446,7 @@
             <a:pPr algn="l"/>
             <a:fld id="{2508C36B-3B60-4C26-ADB5-50C5F67D672E}" type="datetime4">
               <a:rPr lang="hu-HU" smtClean="0"/>
-              <a:t>2024. december 9.</a:t>
+              <a:t>2024. december 10.</a:t>
             </a:fld>
             <a:endParaRPr lang="hu-HU">
               <a:solidFill>
@@ -10900,7 +10903,7 @@
             <a:pPr algn="l"/>
             <a:fld id="{2508C36B-3B60-4C26-ADB5-50C5F67D672E}" type="datetime4">
               <a:rPr lang="hu-HU" smtClean="0"/>
-              <a:t>2024. december 9.</a:t>
+              <a:t>2024. december 10.</a:t>
             </a:fld>
             <a:endParaRPr lang="hu-HU">
               <a:solidFill>
@@ -11401,7 +11404,7 @@
             <a:pPr algn="l"/>
             <a:fld id="{2508C36B-3B60-4C26-ADB5-50C5F67D672E}" type="datetime4">
               <a:rPr lang="hu-HU" smtClean="0"/>
-              <a:t>2024. december 9.</a:t>
+              <a:t>2024. december 10.</a:t>
             </a:fld>
             <a:endParaRPr lang="hu-HU">
               <a:solidFill>
@@ -11950,7 +11953,7 @@
             <a:pPr algn="l"/>
             <a:fld id="{2508C36B-3B60-4C26-ADB5-50C5F67D672E}" type="datetime4">
               <a:rPr lang="hu-HU" smtClean="0"/>
-              <a:t>2024. december 9.</a:t>
+              <a:t>2024. december 10.</a:t>
             </a:fld>
             <a:endParaRPr lang="hu-HU">
               <a:solidFill>
@@ -12498,7 +12501,7 @@
             <a:pPr algn="l"/>
             <a:fld id="{2508C36B-3B60-4C26-ADB5-50C5F67D672E}" type="datetime4">
               <a:rPr lang="hu-HU" smtClean="0"/>
-              <a:t>2024. december 9.</a:t>
+              <a:t>2024. december 10.</a:t>
             </a:fld>
             <a:endParaRPr lang="hu-HU">
               <a:solidFill>
@@ -13046,7 +13049,7 @@
             <a:pPr algn="l"/>
             <a:fld id="{2508C36B-3B60-4C26-ADB5-50C5F67D672E}" type="datetime4">
               <a:rPr lang="hu-HU" smtClean="0"/>
-              <a:t>2024. december 9.</a:t>
+              <a:t>2024. december 10.</a:t>
             </a:fld>
             <a:endParaRPr lang="hu-HU">
               <a:solidFill>
@@ -13567,7 +13570,7 @@
             <a:pPr algn="l"/>
             <a:fld id="{2508C36B-3B60-4C26-ADB5-50C5F67D672E}" type="datetime4">
               <a:rPr lang="hu-HU" smtClean="0"/>
-              <a:t>2024. december 9.</a:t>
+              <a:t>2024. december 10.</a:t>
             </a:fld>
             <a:endParaRPr lang="hu-HU">
               <a:solidFill>
@@ -14121,7 +14124,7 @@
             <a:pPr algn="l"/>
             <a:fld id="{2508C36B-3B60-4C26-ADB5-50C5F67D672E}" type="datetime4">
               <a:rPr lang="hu-HU" smtClean="0"/>
-              <a:t>2024. december 9.</a:t>
+              <a:t>2024. december 10.</a:t>
             </a:fld>
             <a:endParaRPr lang="hu-HU">
               <a:solidFill>
@@ -14583,7 +14586,7 @@
             <a:pPr algn="l"/>
             <a:fld id="{2508C36B-3B60-4C26-ADB5-50C5F67D672E}" type="datetime4">
               <a:rPr lang="hu-HU" smtClean="0"/>
-              <a:t>2024. december 9.</a:t>
+              <a:t>2024. december 10.</a:t>
             </a:fld>
             <a:endParaRPr lang="hu-HU">
               <a:solidFill>
@@ -15032,7 +15035,7 @@
             <a:pPr algn="l"/>
             <a:fld id="{2508C36B-3B60-4C26-ADB5-50C5F67D672E}" type="datetime4">
               <a:rPr lang="hu-HU" smtClean="0"/>
-              <a:t>2024. december 9.</a:t>
+              <a:t>2024. december 10.</a:t>
             </a:fld>
             <a:endParaRPr lang="hu-HU">
               <a:solidFill>
@@ -15442,7 +15445,7 @@
             <a:pPr algn="l"/>
             <a:fld id="{2508C36B-3B60-4C26-ADB5-50C5F67D672E}" type="datetime4">
               <a:rPr lang="hu-HU" smtClean="0"/>
-              <a:t>2024. december 9.</a:t>
+              <a:t>2024. december 10.</a:t>
             </a:fld>
             <a:endParaRPr lang="hu-HU">
               <a:solidFill>
@@ -15776,7 +15779,7 @@
             <a:pPr algn="l"/>
             <a:fld id="{2508C36B-3B60-4C26-ADB5-50C5F67D672E}" type="datetime4">
               <a:rPr lang="hu-HU" smtClean="0"/>
-              <a:t>2024. december 9.</a:t>
+              <a:t>2024. december 10.</a:t>
             </a:fld>
             <a:endParaRPr lang="hu-HU">
               <a:solidFill>
@@ -16215,13 +16218,18 @@
             <p:ph type="ctrTitle"/>
           </p:nvPr>
         </p:nvSpPr>
-        <p:spPr/>
+        <p:spPr>
+          <a:xfrm>
+            <a:off x="183213" y="1903926"/>
+            <a:ext cx="8777574" cy="1799244"/>
+          </a:xfrm>
+        </p:spPr>
         <p:txBody>
           <a:bodyPr/>
           <a:lstStyle/>
           <a:p>
             <a:r>
-              <a:rPr lang="hu-HU" dirty="0"/>
+              <a:rPr lang="hu-HU" sz="4800" dirty="0"/>
               <a:t>Laptop ár regresszió</a:t>
             </a:r>
           </a:p>
@@ -16243,7 +16251,12 @@
             <p:ph type="body" sz="quarter" idx="13"/>
           </p:nvPr>
         </p:nvSpPr>
-        <p:spPr/>
+        <p:spPr>
+          <a:xfrm>
+            <a:off x="156519" y="3703170"/>
+            <a:ext cx="8777575" cy="515325"/>
+          </a:xfrm>
+        </p:spPr>
         <p:txBody>
           <a:bodyPr/>
           <a:lstStyle/>
@@ -16271,7 +16284,12 @@
             <p:ph type="body" sz="quarter" idx="14"/>
           </p:nvPr>
         </p:nvSpPr>
-        <p:spPr/>
+        <p:spPr>
+          <a:xfrm>
+            <a:off x="5272782" y="6433472"/>
+            <a:ext cx="4333104" cy="849055"/>
+          </a:xfrm>
+        </p:spPr>
         <p:txBody>
           <a:bodyPr/>
           <a:lstStyle/>
@@ -16287,6 +16305,808 @@
     <p:extLst>
       <p:ext uri="{BB962C8B-B14F-4D97-AF65-F5344CB8AC3E}">
         <p14:creationId xmlns:p14="http://schemas.microsoft.com/office/powerpoint/2010/main" val="1470092710"/>
+      </p:ext>
+    </p:extLst>
+  </p:cSld>
+  <p:clrMapOvr>
+    <a:masterClrMapping/>
+  </p:clrMapOvr>
+</p:sld>
+</file>
+
+<file path=ppt/slides/slide10.xml><?xml version="1.0" encoding="utf-8"?>
+<p:sld xmlns:a="http://schemas.openxmlformats.org/drawingml/2006/main" xmlns:r="http://schemas.openxmlformats.org/officeDocument/2006/relationships" xmlns:p="http://schemas.openxmlformats.org/presentationml/2006/main">
+  <p:cSld>
+    <p:spTree>
+      <p:nvGrpSpPr>
+        <p:cNvPr id="1" name=""/>
+        <p:cNvGrpSpPr/>
+        <p:nvPr/>
+      </p:nvGrpSpPr>
+      <p:grpSpPr>
+        <a:xfrm>
+          <a:off x="0" y="0"/>
+          <a:ext cx="0" cy="0"/>
+          <a:chOff x="0" y="0"/>
+          <a:chExt cx="0" cy="0"/>
+        </a:xfrm>
+      </p:grpSpPr>
+      <p:sp>
+        <p:nvSpPr>
+          <p:cNvPr id="3" name="Cím 2">
+            <a:extLst>
+              <a:ext uri="{FF2B5EF4-FFF2-40B4-BE49-F238E27FC236}">
+                <a16:creationId xmlns:a16="http://schemas.microsoft.com/office/drawing/2014/main" id="{9B98F97B-64AB-0EA4-FB17-EF0EA85D913D}"/>
+              </a:ext>
+            </a:extLst>
+          </p:cNvPr>
+          <p:cNvSpPr>
+            <a:spLocks noGrp="1"/>
+          </p:cNvSpPr>
+          <p:nvPr>
+            <p:ph type="ctrTitle"/>
+          </p:nvPr>
+        </p:nvSpPr>
+        <p:spPr/>
+        <p:txBody>
+          <a:bodyPr/>
+          <a:lstStyle/>
+          <a:p>
+            <a:r>
+              <a:rPr lang="hu-HU" dirty="0" err="1"/>
+              <a:t>Sequential</a:t>
+            </a:r>
+            <a:r>
+              <a:rPr lang="hu-HU" dirty="0"/>
+              <a:t> Model</a:t>
+            </a:r>
+          </a:p>
+        </p:txBody>
+      </p:sp>
+      <p:pic>
+        <p:nvPicPr>
+          <p:cNvPr id="7" name="Tartalom helye 6">
+            <a:extLst>
+              <a:ext uri="{FF2B5EF4-FFF2-40B4-BE49-F238E27FC236}">
+                <a16:creationId xmlns:a16="http://schemas.microsoft.com/office/drawing/2014/main" id="{A6F93291-E71C-0E04-77DE-2275229D2A56}"/>
+              </a:ext>
+            </a:extLst>
+          </p:cNvPr>
+          <p:cNvPicPr>
+            <a:picLocks noGrp="1" noChangeAspect="1"/>
+          </p:cNvPicPr>
+          <p:nvPr>
+            <p:ph idx="13"/>
+          </p:nvPr>
+        </p:nvPicPr>
+        <p:blipFill>
+          <a:blip r:embed="rId2"/>
+          <a:stretch>
+            <a:fillRect/>
+          </a:stretch>
+        </p:blipFill>
+        <p:spPr>
+          <a:xfrm>
+            <a:off x="1390165" y="1585655"/>
+            <a:ext cx="6310282" cy="4432084"/>
+          </a:xfrm>
+        </p:spPr>
+      </p:pic>
+      <p:sp>
+        <p:nvSpPr>
+          <p:cNvPr id="5" name="Dia számának helye 4">
+            <a:extLst>
+              <a:ext uri="{FF2B5EF4-FFF2-40B4-BE49-F238E27FC236}">
+                <a16:creationId xmlns:a16="http://schemas.microsoft.com/office/drawing/2014/main" id="{44094F34-CAE7-9B3E-1E29-E2B243AE3614}"/>
+              </a:ext>
+            </a:extLst>
+          </p:cNvPr>
+          <p:cNvSpPr>
+            <a:spLocks noGrp="1"/>
+          </p:cNvSpPr>
+          <p:nvPr>
+            <p:ph type="sldNum" sz="quarter" idx="12"/>
+          </p:nvPr>
+        </p:nvSpPr>
+        <p:spPr/>
+        <p:txBody>
+          <a:bodyPr/>
+          <a:lstStyle/>
+          <a:p>
+            <a:fld id="{C7F6CC59-61C1-4407-B4E9-D5A9FC9455DF}" type="slidenum">
+              <a:rPr lang="hu-HU" smtClean="0"/>
+              <a:pPr/>
+              <a:t>10</a:t>
+            </a:fld>
+            <a:r>
+              <a:rPr lang="hu-HU"/>
+              <a:t>/34</a:t>
+            </a:r>
+          </a:p>
+        </p:txBody>
+      </p:sp>
+    </p:spTree>
+    <p:extLst>
+      <p:ext uri="{BB962C8B-B14F-4D97-AF65-F5344CB8AC3E}">
+        <p14:creationId xmlns:p14="http://schemas.microsoft.com/office/powerpoint/2010/main" val="2397978824"/>
+      </p:ext>
+    </p:extLst>
+  </p:cSld>
+  <p:clrMapOvr>
+    <a:masterClrMapping/>
+  </p:clrMapOvr>
+</p:sld>
+</file>
+
+<file path=ppt/slides/slide11.xml><?xml version="1.0" encoding="utf-8"?>
+<p:sld xmlns:a="http://schemas.openxmlformats.org/drawingml/2006/main" xmlns:r="http://schemas.openxmlformats.org/officeDocument/2006/relationships" xmlns:p="http://schemas.openxmlformats.org/presentationml/2006/main">
+  <p:cSld>
+    <p:spTree>
+      <p:nvGrpSpPr>
+        <p:cNvPr id="1" name=""/>
+        <p:cNvGrpSpPr/>
+        <p:nvPr/>
+      </p:nvGrpSpPr>
+      <p:grpSpPr>
+        <a:xfrm>
+          <a:off x="0" y="0"/>
+          <a:ext cx="0" cy="0"/>
+          <a:chOff x="0" y="0"/>
+          <a:chExt cx="0" cy="0"/>
+        </a:xfrm>
+      </p:grpSpPr>
+      <p:sp>
+        <p:nvSpPr>
+          <p:cNvPr id="3" name="Cím 2">
+            <a:extLst>
+              <a:ext uri="{FF2B5EF4-FFF2-40B4-BE49-F238E27FC236}">
+                <a16:creationId xmlns:a16="http://schemas.microsoft.com/office/drawing/2014/main" id="{2D89E994-9126-E411-EA54-363189BFC79A}"/>
+              </a:ext>
+            </a:extLst>
+          </p:cNvPr>
+          <p:cNvSpPr>
+            <a:spLocks noGrp="1"/>
+          </p:cNvSpPr>
+          <p:nvPr>
+            <p:ph type="ctrTitle"/>
+          </p:nvPr>
+        </p:nvSpPr>
+        <p:spPr/>
+        <p:txBody>
+          <a:bodyPr/>
+          <a:lstStyle/>
+          <a:p>
+            <a:r>
+              <a:rPr lang="hu-HU" dirty="0"/>
+              <a:t>Modellek teljesítménye</a:t>
+            </a:r>
+          </a:p>
+        </p:txBody>
+      </p:sp>
+      <p:sp>
+        <p:nvSpPr>
+          <p:cNvPr id="5" name="Dia számának helye 4">
+            <a:extLst>
+              <a:ext uri="{FF2B5EF4-FFF2-40B4-BE49-F238E27FC236}">
+                <a16:creationId xmlns:a16="http://schemas.microsoft.com/office/drawing/2014/main" id="{7728F7DB-F7D1-F3A2-5524-72DDCDB83BB4}"/>
+              </a:ext>
+            </a:extLst>
+          </p:cNvPr>
+          <p:cNvSpPr>
+            <a:spLocks noGrp="1"/>
+          </p:cNvSpPr>
+          <p:nvPr>
+            <p:ph type="sldNum" sz="quarter" idx="12"/>
+          </p:nvPr>
+        </p:nvSpPr>
+        <p:spPr/>
+        <p:txBody>
+          <a:bodyPr/>
+          <a:lstStyle/>
+          <a:p>
+            <a:fld id="{C7F6CC59-61C1-4407-B4E9-D5A9FC9455DF}" type="slidenum">
+              <a:rPr lang="hu-HU" smtClean="0"/>
+              <a:pPr/>
+              <a:t>11</a:t>
+            </a:fld>
+            <a:r>
+              <a:rPr lang="hu-HU"/>
+              <a:t>/34</a:t>
+            </a:r>
+          </a:p>
+        </p:txBody>
+      </p:sp>
+      <p:pic>
+        <p:nvPicPr>
+          <p:cNvPr id="3074" name="Picture 2">
+            <a:extLst>
+              <a:ext uri="{FF2B5EF4-FFF2-40B4-BE49-F238E27FC236}">
+                <a16:creationId xmlns:a16="http://schemas.microsoft.com/office/drawing/2014/main" id="{A9EE71E4-DE5A-97DD-0186-2162B1524CFE}"/>
+              </a:ext>
+            </a:extLst>
+          </p:cNvPr>
+          <p:cNvPicPr>
+            <a:picLocks noGrp="1" noChangeAspect="1" noChangeArrowheads="1"/>
+          </p:cNvPicPr>
+          <p:nvPr>
+            <p:ph idx="13"/>
+          </p:nvPr>
+        </p:nvPicPr>
+        <p:blipFill>
+          <a:blip r:embed="rId2" cstate="print">
+            <a:extLst>
+              <a:ext uri="{28A0092B-C50C-407E-A947-70E740481C1C}">
+                <a14:useLocalDpi xmlns:a14="http://schemas.microsoft.com/office/drawing/2010/main" val="0"/>
+              </a:ext>
+            </a:extLst>
+          </a:blip>
+          <a:srcRect/>
+          <a:stretch>
+            <a:fillRect/>
+          </a:stretch>
+        </p:blipFill>
+        <p:spPr bwMode="auto">
+          <a:xfrm>
+            <a:off x="73905" y="2093824"/>
+            <a:ext cx="2916117" cy="2835227"/>
+          </a:xfrm>
+          <a:prstGeom prst="rect">
+            <a:avLst/>
+          </a:prstGeom>
+          <a:noFill/>
+          <a:extLst>
+            <a:ext uri="{909E8E84-426E-40DD-AFC4-6F175D3DCCD1}">
+              <a14:hiddenFill xmlns:a14="http://schemas.microsoft.com/office/drawing/2010/main">
+                <a:solidFill>
+                  <a:srgbClr val="FFFFFF"/>
+                </a:solidFill>
+              </a14:hiddenFill>
+            </a:ext>
+          </a:extLst>
+        </p:spPr>
+      </p:pic>
+      <p:pic>
+        <p:nvPicPr>
+          <p:cNvPr id="3076" name="Picture 4">
+            <a:extLst>
+              <a:ext uri="{FF2B5EF4-FFF2-40B4-BE49-F238E27FC236}">
+                <a16:creationId xmlns:a16="http://schemas.microsoft.com/office/drawing/2014/main" id="{50010493-6AE5-B4C4-0127-8484C0D9CF08}"/>
+              </a:ext>
+            </a:extLst>
+          </p:cNvPr>
+          <p:cNvPicPr>
+            <a:picLocks noChangeAspect="1" noChangeArrowheads="1"/>
+          </p:cNvPicPr>
+          <p:nvPr/>
+        </p:nvPicPr>
+        <p:blipFill>
+          <a:blip r:embed="rId2" cstate="print">
+            <a:extLst>
+              <a:ext uri="{28A0092B-C50C-407E-A947-70E740481C1C}">
+                <a14:useLocalDpi xmlns:a14="http://schemas.microsoft.com/office/drawing/2010/main" val="0"/>
+              </a:ext>
+            </a:extLst>
+          </a:blip>
+          <a:srcRect/>
+          <a:stretch>
+            <a:fillRect/>
+          </a:stretch>
+        </p:blipFill>
+        <p:spPr bwMode="auto">
+          <a:xfrm>
+            <a:off x="3113942" y="2093823"/>
+            <a:ext cx="2916117" cy="2835227"/>
+          </a:xfrm>
+          <a:prstGeom prst="rect">
+            <a:avLst/>
+          </a:prstGeom>
+          <a:noFill/>
+          <a:extLst>
+            <a:ext uri="{909E8E84-426E-40DD-AFC4-6F175D3DCCD1}">
+              <a14:hiddenFill xmlns:a14="http://schemas.microsoft.com/office/drawing/2010/main">
+                <a:solidFill>
+                  <a:srgbClr val="FFFFFF"/>
+                </a:solidFill>
+              </a14:hiddenFill>
+            </a:ext>
+          </a:extLst>
+        </p:spPr>
+      </p:pic>
+      <p:pic>
+        <p:nvPicPr>
+          <p:cNvPr id="3078" name="Picture 6">
+            <a:extLst>
+              <a:ext uri="{FF2B5EF4-FFF2-40B4-BE49-F238E27FC236}">
+                <a16:creationId xmlns:a16="http://schemas.microsoft.com/office/drawing/2014/main" id="{249DAB28-1495-F3FF-CF5B-0D47A552BCAE}"/>
+              </a:ext>
+            </a:extLst>
+          </p:cNvPr>
+          <p:cNvPicPr>
+            <a:picLocks noChangeAspect="1" noChangeArrowheads="1"/>
+          </p:cNvPicPr>
+          <p:nvPr/>
+        </p:nvPicPr>
+        <p:blipFill>
+          <a:blip r:embed="rId3" cstate="print">
+            <a:extLst>
+              <a:ext uri="{28A0092B-C50C-407E-A947-70E740481C1C}">
+                <a14:useLocalDpi xmlns:a14="http://schemas.microsoft.com/office/drawing/2010/main" val="0"/>
+              </a:ext>
+            </a:extLst>
+          </a:blip>
+          <a:srcRect/>
+          <a:stretch>
+            <a:fillRect/>
+          </a:stretch>
+        </p:blipFill>
+        <p:spPr bwMode="auto">
+          <a:xfrm>
+            <a:off x="6153979" y="2093824"/>
+            <a:ext cx="2920163" cy="2835227"/>
+          </a:xfrm>
+          <a:prstGeom prst="rect">
+            <a:avLst/>
+          </a:prstGeom>
+          <a:noFill/>
+          <a:extLst>
+            <a:ext uri="{909E8E84-426E-40DD-AFC4-6F175D3DCCD1}">
+              <a14:hiddenFill xmlns:a14="http://schemas.microsoft.com/office/drawing/2010/main">
+                <a:solidFill>
+                  <a:srgbClr val="FFFFFF"/>
+                </a:solidFill>
+              </a14:hiddenFill>
+            </a:ext>
+          </a:extLst>
+        </p:spPr>
+      </p:pic>
+      <p:sp>
+        <p:nvSpPr>
+          <p:cNvPr id="4" name="Szövegdoboz 3">
+            <a:extLst>
+              <a:ext uri="{FF2B5EF4-FFF2-40B4-BE49-F238E27FC236}">
+                <a16:creationId xmlns:a16="http://schemas.microsoft.com/office/drawing/2014/main" id="{26676BA8-ECB3-2B32-6569-C23469361DB6}"/>
+              </a:ext>
+            </a:extLst>
+          </p:cNvPr>
+          <p:cNvSpPr txBox="1"/>
+          <p:nvPr/>
+        </p:nvSpPr>
+        <p:spPr>
+          <a:xfrm>
+            <a:off x="69858" y="1583057"/>
+            <a:ext cx="2920164" cy="369332"/>
+          </a:xfrm>
+          <a:prstGeom prst="rect">
+            <a:avLst/>
+          </a:prstGeom>
+          <a:noFill/>
+        </p:spPr>
+        <p:txBody>
+          <a:bodyPr wrap="square" rtlCol="0">
+            <a:spAutoFit/>
+          </a:bodyPr>
+          <a:lstStyle/>
+          <a:p>
+            <a:pPr algn="ctr"/>
+            <a:r>
+              <a:rPr lang="hu-HU" dirty="0" err="1">
+                <a:solidFill>
+                  <a:schemeClr val="bg1"/>
+                </a:solidFill>
+              </a:rPr>
+              <a:t>RandomForestRegressor</a:t>
+            </a:r>
+            <a:endParaRPr lang="hu-HU" dirty="0">
+              <a:solidFill>
+                <a:schemeClr val="bg1"/>
+              </a:solidFill>
+            </a:endParaRPr>
+          </a:p>
+        </p:txBody>
+      </p:sp>
+      <p:sp>
+        <p:nvSpPr>
+          <p:cNvPr id="6" name="Szövegdoboz 5">
+            <a:extLst>
+              <a:ext uri="{FF2B5EF4-FFF2-40B4-BE49-F238E27FC236}">
+                <a16:creationId xmlns:a16="http://schemas.microsoft.com/office/drawing/2014/main" id="{A8466C3A-EE85-AD61-60DB-90747233C103}"/>
+              </a:ext>
+            </a:extLst>
+          </p:cNvPr>
+          <p:cNvSpPr txBox="1"/>
+          <p:nvPr/>
+        </p:nvSpPr>
+        <p:spPr>
+          <a:xfrm>
+            <a:off x="3113942" y="1583057"/>
+            <a:ext cx="2920163" cy="369332"/>
+          </a:xfrm>
+          <a:prstGeom prst="rect">
+            <a:avLst/>
+          </a:prstGeom>
+          <a:noFill/>
+        </p:spPr>
+        <p:txBody>
+          <a:bodyPr wrap="square" rtlCol="0">
+            <a:spAutoFit/>
+          </a:bodyPr>
+          <a:lstStyle/>
+          <a:p>
+            <a:pPr algn="ctr"/>
+            <a:r>
+              <a:rPr lang="hu-HU" dirty="0">
+                <a:solidFill>
+                  <a:schemeClr val="bg1"/>
+                </a:solidFill>
+              </a:rPr>
+              <a:t>Linear Regression</a:t>
+            </a:r>
+          </a:p>
+        </p:txBody>
+      </p:sp>
+      <p:sp>
+        <p:nvSpPr>
+          <p:cNvPr id="7" name="Szövegdoboz 6">
+            <a:extLst>
+              <a:ext uri="{FF2B5EF4-FFF2-40B4-BE49-F238E27FC236}">
+                <a16:creationId xmlns:a16="http://schemas.microsoft.com/office/drawing/2014/main" id="{A14368AE-6024-99EE-D98B-D4727BDAA1AB}"/>
+              </a:ext>
+            </a:extLst>
+          </p:cNvPr>
+          <p:cNvSpPr txBox="1"/>
+          <p:nvPr/>
+        </p:nvSpPr>
+        <p:spPr>
+          <a:xfrm>
+            <a:off x="6153979" y="1583057"/>
+            <a:ext cx="2920163" cy="369332"/>
+          </a:xfrm>
+          <a:prstGeom prst="rect">
+            <a:avLst/>
+          </a:prstGeom>
+          <a:noFill/>
+        </p:spPr>
+        <p:txBody>
+          <a:bodyPr wrap="square" rtlCol="0">
+            <a:spAutoFit/>
+          </a:bodyPr>
+          <a:lstStyle/>
+          <a:p>
+            <a:pPr algn="ctr"/>
+            <a:r>
+              <a:rPr lang="hu-HU" dirty="0" err="1">
+                <a:solidFill>
+                  <a:schemeClr val="bg1"/>
+                </a:solidFill>
+              </a:rPr>
+              <a:t>Sequential</a:t>
+            </a:r>
+            <a:r>
+              <a:rPr lang="hu-HU" dirty="0">
+                <a:solidFill>
+                  <a:schemeClr val="bg1"/>
+                </a:solidFill>
+              </a:rPr>
+              <a:t> Model</a:t>
+            </a:r>
+          </a:p>
+        </p:txBody>
+      </p:sp>
+      <p:pic>
+        <p:nvPicPr>
+          <p:cNvPr id="9" name="Kép 8">
+            <a:extLst>
+              <a:ext uri="{FF2B5EF4-FFF2-40B4-BE49-F238E27FC236}">
+                <a16:creationId xmlns:a16="http://schemas.microsoft.com/office/drawing/2014/main" id="{0F84A483-BD6B-51B9-6ADA-639E109D0C3B}"/>
+              </a:ext>
+            </a:extLst>
+          </p:cNvPr>
+          <p:cNvPicPr>
+            <a:picLocks noChangeAspect="1"/>
+          </p:cNvPicPr>
+          <p:nvPr/>
+        </p:nvPicPr>
+        <p:blipFill>
+          <a:blip r:embed="rId4"/>
+          <a:stretch>
+            <a:fillRect/>
+          </a:stretch>
+        </p:blipFill>
+        <p:spPr>
+          <a:xfrm>
+            <a:off x="6563910" y="5070485"/>
+            <a:ext cx="2100299" cy="840119"/>
+          </a:xfrm>
+          <a:prstGeom prst="rect">
+            <a:avLst/>
+          </a:prstGeom>
+        </p:spPr>
+      </p:pic>
+      <p:pic>
+        <p:nvPicPr>
+          <p:cNvPr id="11" name="Kép 10">
+            <a:extLst>
+              <a:ext uri="{FF2B5EF4-FFF2-40B4-BE49-F238E27FC236}">
+                <a16:creationId xmlns:a16="http://schemas.microsoft.com/office/drawing/2014/main" id="{E18F4531-E31C-7366-2D70-7D326F2EE590}"/>
+              </a:ext>
+            </a:extLst>
+          </p:cNvPr>
+          <p:cNvPicPr>
+            <a:picLocks noChangeAspect="1"/>
+          </p:cNvPicPr>
+          <p:nvPr/>
+        </p:nvPicPr>
+        <p:blipFill>
+          <a:blip r:embed="rId5"/>
+          <a:stretch>
+            <a:fillRect/>
+          </a:stretch>
+        </p:blipFill>
+        <p:spPr>
+          <a:xfrm>
+            <a:off x="3541989" y="5070485"/>
+            <a:ext cx="2060021" cy="840120"/>
+          </a:xfrm>
+          <a:prstGeom prst="rect">
+            <a:avLst/>
+          </a:prstGeom>
+        </p:spPr>
+      </p:pic>
+      <p:pic>
+        <p:nvPicPr>
+          <p:cNvPr id="13" name="Kép 12">
+            <a:extLst>
+              <a:ext uri="{FF2B5EF4-FFF2-40B4-BE49-F238E27FC236}">
+                <a16:creationId xmlns:a16="http://schemas.microsoft.com/office/drawing/2014/main" id="{4D76E0E9-8004-DE3E-3687-B2908932E2F1}"/>
+              </a:ext>
+            </a:extLst>
+          </p:cNvPr>
+          <p:cNvPicPr>
+            <a:picLocks noChangeAspect="1"/>
+          </p:cNvPicPr>
+          <p:nvPr/>
+        </p:nvPicPr>
+        <p:blipFill>
+          <a:blip r:embed="rId6"/>
+          <a:stretch>
+            <a:fillRect/>
+          </a:stretch>
+        </p:blipFill>
+        <p:spPr>
+          <a:xfrm>
+            <a:off x="446327" y="5070486"/>
+            <a:ext cx="2160308" cy="840120"/>
+          </a:xfrm>
+          <a:prstGeom prst="rect">
+            <a:avLst/>
+          </a:prstGeom>
+        </p:spPr>
+      </p:pic>
+    </p:spTree>
+    <p:extLst>
+      <p:ext uri="{BB962C8B-B14F-4D97-AF65-F5344CB8AC3E}">
+        <p14:creationId xmlns:p14="http://schemas.microsoft.com/office/powerpoint/2010/main" val="265848468"/>
+      </p:ext>
+    </p:extLst>
+  </p:cSld>
+  <p:clrMapOvr>
+    <a:masterClrMapping/>
+  </p:clrMapOvr>
+</p:sld>
+</file>
+
+<file path=ppt/slides/slide12.xml><?xml version="1.0" encoding="utf-8"?>
+<p:sld xmlns:a="http://schemas.openxmlformats.org/drawingml/2006/main" xmlns:r="http://schemas.openxmlformats.org/officeDocument/2006/relationships" xmlns:p="http://schemas.openxmlformats.org/presentationml/2006/main">
+  <p:cSld>
+    <p:spTree>
+      <p:nvGrpSpPr>
+        <p:cNvPr id="1" name=""/>
+        <p:cNvGrpSpPr/>
+        <p:nvPr/>
+      </p:nvGrpSpPr>
+      <p:grpSpPr>
+        <a:xfrm>
+          <a:off x="0" y="0"/>
+          <a:ext cx="0" cy="0"/>
+          <a:chOff x="0" y="0"/>
+          <a:chExt cx="0" cy="0"/>
+        </a:xfrm>
+      </p:grpSpPr>
+      <p:sp>
+        <p:nvSpPr>
+          <p:cNvPr id="3" name="Cím 2">
+            <a:extLst>
+              <a:ext uri="{FF2B5EF4-FFF2-40B4-BE49-F238E27FC236}">
+                <a16:creationId xmlns:a16="http://schemas.microsoft.com/office/drawing/2014/main" id="{0C8303ED-2750-C4AA-2C89-7D04C5DB6C4D}"/>
+              </a:ext>
+            </a:extLst>
+          </p:cNvPr>
+          <p:cNvSpPr>
+            <a:spLocks noGrp="1"/>
+          </p:cNvSpPr>
+          <p:nvPr>
+            <p:ph type="ctrTitle"/>
+          </p:nvPr>
+        </p:nvSpPr>
+        <p:spPr/>
+        <p:txBody>
+          <a:bodyPr/>
+          <a:lstStyle/>
+          <a:p>
+            <a:r>
+              <a:rPr lang="hu-HU" dirty="0" err="1"/>
+              <a:t>Ensemble</a:t>
+            </a:r>
+            <a:r>
+              <a:rPr lang="hu-HU" dirty="0"/>
+              <a:t> model</a:t>
+            </a:r>
+          </a:p>
+        </p:txBody>
+      </p:sp>
+      <p:sp>
+        <p:nvSpPr>
+          <p:cNvPr id="4" name="Tartalom helye 3">
+            <a:extLst>
+              <a:ext uri="{FF2B5EF4-FFF2-40B4-BE49-F238E27FC236}">
+                <a16:creationId xmlns:a16="http://schemas.microsoft.com/office/drawing/2014/main" id="{A556E213-8C29-DEDE-F1A4-F837E4613E85}"/>
+              </a:ext>
+            </a:extLst>
+          </p:cNvPr>
+          <p:cNvSpPr>
+            <a:spLocks noGrp="1"/>
+          </p:cNvSpPr>
+          <p:nvPr>
+            <p:ph idx="13"/>
+          </p:nvPr>
+        </p:nvSpPr>
+        <p:spPr>
+          <a:xfrm>
+            <a:off x="156518" y="1630663"/>
+            <a:ext cx="8777575" cy="499795"/>
+          </a:xfrm>
+        </p:spPr>
+        <p:txBody>
+          <a:bodyPr/>
+          <a:lstStyle/>
+          <a:p>
+            <a:r>
+              <a:rPr lang="hu-HU" dirty="0"/>
+              <a:t>RandomForest + Linear </a:t>
+            </a:r>
+            <a:r>
+              <a:rPr lang="hu-HU" dirty="0" err="1"/>
+              <a:t>regression</a:t>
+            </a:r>
+            <a:r>
+              <a:rPr lang="hu-HU" dirty="0"/>
+              <a:t> + </a:t>
+            </a:r>
+            <a:r>
+              <a:rPr lang="hu-HU" dirty="0" err="1"/>
+              <a:t>Sequential</a:t>
+            </a:r>
+            <a:r>
+              <a:rPr lang="hu-HU" dirty="0"/>
+              <a:t> Model</a:t>
+            </a:r>
+          </a:p>
+        </p:txBody>
+      </p:sp>
+      <p:sp>
+        <p:nvSpPr>
+          <p:cNvPr id="5" name="Dia számának helye 4">
+            <a:extLst>
+              <a:ext uri="{FF2B5EF4-FFF2-40B4-BE49-F238E27FC236}">
+                <a16:creationId xmlns:a16="http://schemas.microsoft.com/office/drawing/2014/main" id="{3902DAF1-D5EB-BCB3-2473-001A56DA3EEC}"/>
+              </a:ext>
+            </a:extLst>
+          </p:cNvPr>
+          <p:cNvSpPr>
+            <a:spLocks noGrp="1"/>
+          </p:cNvSpPr>
+          <p:nvPr>
+            <p:ph type="sldNum" sz="quarter" idx="12"/>
+          </p:nvPr>
+        </p:nvSpPr>
+        <p:spPr/>
+        <p:txBody>
+          <a:bodyPr/>
+          <a:lstStyle/>
+          <a:p>
+            <a:fld id="{C7F6CC59-61C1-4407-B4E9-D5A9FC9455DF}" type="slidenum">
+              <a:rPr lang="hu-HU" smtClean="0"/>
+              <a:pPr/>
+              <a:t>12</a:t>
+            </a:fld>
+            <a:r>
+              <a:rPr lang="hu-HU"/>
+              <a:t>/34</a:t>
+            </a:r>
+          </a:p>
+        </p:txBody>
+      </p:sp>
+      <p:pic>
+        <p:nvPicPr>
+          <p:cNvPr id="4100" name="Picture 4">
+            <a:extLst>
+              <a:ext uri="{FF2B5EF4-FFF2-40B4-BE49-F238E27FC236}">
+                <a16:creationId xmlns:a16="http://schemas.microsoft.com/office/drawing/2014/main" id="{57C81E36-B150-AF9C-B8AC-D71A4A21D9E9}"/>
+              </a:ext>
+            </a:extLst>
+          </p:cNvPr>
+          <p:cNvPicPr>
+            <a:picLocks noChangeAspect="1" noChangeArrowheads="1"/>
+          </p:cNvPicPr>
+          <p:nvPr/>
+        </p:nvPicPr>
+        <p:blipFill>
+          <a:blip r:embed="rId2">
+            <a:extLst>
+              <a:ext uri="{28A0092B-C50C-407E-A947-70E740481C1C}">
+                <a14:useLocalDpi xmlns:a14="http://schemas.microsoft.com/office/drawing/2010/main" val="0"/>
+              </a:ext>
+            </a:extLst>
+          </a:blip>
+          <a:srcRect/>
+          <a:stretch>
+            <a:fillRect/>
+          </a:stretch>
+        </p:blipFill>
+        <p:spPr bwMode="auto">
+          <a:xfrm>
+            <a:off x="507798" y="2130458"/>
+            <a:ext cx="4643791" cy="4216707"/>
+          </a:xfrm>
+          <a:prstGeom prst="rect">
+            <a:avLst/>
+          </a:prstGeom>
+          <a:noFill/>
+          <a:extLst>
+            <a:ext uri="{909E8E84-426E-40DD-AFC4-6F175D3DCCD1}">
+              <a14:hiddenFill xmlns:a14="http://schemas.microsoft.com/office/drawing/2010/main">
+                <a:solidFill>
+                  <a:srgbClr val="FFFFFF"/>
+                </a:solidFill>
+              </a14:hiddenFill>
+            </a:ext>
+          </a:extLst>
+        </p:spPr>
+      </p:pic>
+      <p:pic>
+        <p:nvPicPr>
+          <p:cNvPr id="9" name="Kép 8">
+            <a:extLst>
+              <a:ext uri="{FF2B5EF4-FFF2-40B4-BE49-F238E27FC236}">
+                <a16:creationId xmlns:a16="http://schemas.microsoft.com/office/drawing/2014/main" id="{ACC229BE-AB89-962B-424E-EC9717B8E1DA}"/>
+              </a:ext>
+            </a:extLst>
+          </p:cNvPr>
+          <p:cNvPicPr>
+            <a:picLocks noChangeAspect="1"/>
+          </p:cNvPicPr>
+          <p:nvPr/>
+        </p:nvPicPr>
+        <p:blipFill>
+          <a:blip r:embed="rId3"/>
+          <a:stretch>
+            <a:fillRect/>
+          </a:stretch>
+        </p:blipFill>
+        <p:spPr>
+          <a:xfrm>
+            <a:off x="5502869" y="5479349"/>
+            <a:ext cx="2104156" cy="867816"/>
+          </a:xfrm>
+          <a:prstGeom prst="rect">
+            <a:avLst/>
+          </a:prstGeom>
+        </p:spPr>
+      </p:pic>
+    </p:spTree>
+    <p:extLst>
+      <p:ext uri="{BB962C8B-B14F-4D97-AF65-F5344CB8AC3E}">
+        <p14:creationId xmlns:p14="http://schemas.microsoft.com/office/powerpoint/2010/main" val="165875136"/>
       </p:ext>
     </p:extLst>
   </p:cSld>
@@ -16533,7 +17353,7 @@
             <p:ph idx="13"/>
             <p:extLst>
               <p:ext uri="{D42A27DB-BD31-4B8C-83A1-F6EECF244321}">
-                <p14:modId xmlns:p14="http://schemas.microsoft.com/office/powerpoint/2010/main" val="2025677240"/>
+                <p14:modId xmlns:p14="http://schemas.microsoft.com/office/powerpoint/2010/main" val="3532376728"/>
               </p:ext>
             </p:extLst>
           </p:nvPr>
@@ -16736,7 +17556,7 @@
                           <a:ea typeface="+mn-ea"/>
                           <a:cs typeface="+mn-cs"/>
                         </a:rPr>
-                        <a:t>48990 (</a:t>
+                        <a:t>48990            (</a:t>
                       </a:r>
                       <a:r>
                         <a:rPr lang="hu-HU" sz="1800" b="0" i="0" kern="1200" dirty="0" err="1">
@@ -17141,7 +17961,7 @@
           <p:nvPr>
             <p:extLst>
               <p:ext uri="{D42A27DB-BD31-4B8C-83A1-F6EECF244321}">
-                <p14:modId xmlns:p14="http://schemas.microsoft.com/office/powerpoint/2010/main" val="1242048300"/>
+                <p14:modId xmlns:p14="http://schemas.microsoft.com/office/powerpoint/2010/main" val="3432747655"/>
               </p:ext>
             </p:extLst>
           </p:nvPr>
@@ -17277,7 +18097,7 @@
                           <a:ea typeface="+mn-ea"/>
                           <a:cs typeface="+mn-cs"/>
                         </a:rPr>
-                        <a:t>15.6 (Inch)</a:t>
+                        <a:t>15.6                  (Inch)</a:t>
                       </a:r>
                       <a:endParaRPr lang="hu-HU" dirty="0"/>
                     </a:p>
@@ -17610,7 +18430,7 @@
           <p:cNvPr id="3" name="Cím 2">
             <a:extLst>
               <a:ext uri="{FF2B5EF4-FFF2-40B4-BE49-F238E27FC236}">
-                <a16:creationId xmlns:a16="http://schemas.microsoft.com/office/drawing/2014/main" id="{447307C3-A6D1-007C-9016-FAE32A20F9FE}"/>
+                <a16:creationId xmlns:a16="http://schemas.microsoft.com/office/drawing/2014/main" id="{D2569498-81BE-057D-D05E-599538E7727D}"/>
               </a:ext>
             </a:extLst>
           </p:cNvPr>
@@ -17627,221 +18447,13 @@
           <a:lstStyle/>
           <a:p>
             <a:r>
+              <a:rPr lang="hu-HU" dirty="0" err="1"/>
+              <a:t>Outlierek</a:t>
+            </a:r>
+            <a:r>
               <a:rPr lang="hu-HU" dirty="0"/>
-              <a:t>Problémák</a:t>
-            </a:r>
-          </a:p>
-        </p:txBody>
-      </p:sp>
-      <p:sp>
-        <p:nvSpPr>
-          <p:cNvPr id="4" name="Tartalom helye 3">
-            <a:extLst>
-              <a:ext uri="{FF2B5EF4-FFF2-40B4-BE49-F238E27FC236}">
-                <a16:creationId xmlns:a16="http://schemas.microsoft.com/office/drawing/2014/main" id="{66D07408-FABA-C281-E04E-57F6AC7EE582}"/>
-              </a:ext>
-            </a:extLst>
-          </p:cNvPr>
-          <p:cNvSpPr>
-            <a:spLocks noGrp="1"/>
-          </p:cNvSpPr>
-          <p:nvPr>
-            <p:ph idx="13"/>
-          </p:nvPr>
-        </p:nvSpPr>
-        <p:spPr/>
-        <p:txBody>
-          <a:bodyPr/>
-          <a:lstStyle/>
-          <a:p>
-            <a:r>
-              <a:rPr lang="hu-HU" dirty="0"/>
-              <a:t>Sok elgépelt adat</a:t>
-            </a:r>
-          </a:p>
-          <a:p>
-            <a:r>
-              <a:rPr lang="hu-HU" dirty="0" err="1"/>
-              <a:t>LabelEncoder</a:t>
-            </a:r>
-            <a:r>
-              <a:rPr lang="hu-HU" dirty="0"/>
-              <a:t>: 1 videokártya </a:t>
-            </a:r>
-            <a:r>
-              <a:rPr lang="hu-HU" b="0" i="0" dirty="0">
-                <a:solidFill>
-                  <a:srgbClr val="FFFFFF"/>
-                </a:solidFill>
-                <a:effectLst/>
-                <a:latin typeface="Google Sans"/>
-              </a:rPr>
-              <a:t>→ 3 különböző kód</a:t>
-            </a:r>
-            <a:endParaRPr lang="hu-HU" dirty="0"/>
-          </a:p>
-          <a:p>
-            <a:endParaRPr lang="hu-HU" dirty="0"/>
-          </a:p>
-          <a:p>
-            <a:r>
-              <a:rPr lang="hu-HU" dirty="0" err="1"/>
-              <a:t>GPU_Brand</a:t>
-            </a:r>
-            <a:r>
-              <a:rPr lang="hu-HU" dirty="0"/>
-              <a:t>:</a:t>
-            </a:r>
-            <a:br>
-              <a:rPr lang="hu-HU" dirty="0"/>
-            </a:br>
-            <a:r>
-              <a:rPr lang="hu-HU" dirty="0"/>
-              <a:t>	„</a:t>
-            </a:r>
-            <a:r>
-              <a:rPr lang="hu-HU" dirty="0" err="1"/>
-              <a:t>nvidia</a:t>
-            </a:r>
-            <a:r>
-              <a:rPr lang="hu-HU" dirty="0"/>
-              <a:t>, NVIDIA, </a:t>
-            </a:r>
-            <a:r>
-              <a:rPr lang="hu-HU" dirty="0" err="1"/>
-              <a:t>nividia</a:t>
-            </a:r>
-            <a:r>
-              <a:rPr lang="hu-HU" dirty="0"/>
-              <a:t>” </a:t>
-            </a:r>
-            <a:r>
-              <a:rPr lang="hu-HU" b="0" i="0" dirty="0">
-                <a:solidFill>
-                  <a:srgbClr val="FFFFFF"/>
-                </a:solidFill>
-                <a:effectLst/>
-                <a:latin typeface="Google Sans"/>
-              </a:rPr>
-              <a:t>→ </a:t>
-            </a:r>
-            <a:r>
-              <a:rPr lang="hu-HU" b="0" i="0" dirty="0" err="1">
-                <a:solidFill>
-                  <a:srgbClr val="FFFFFF"/>
-                </a:solidFill>
-                <a:effectLst/>
-                <a:latin typeface="Google Sans"/>
-              </a:rPr>
-              <a:t>nvidia</a:t>
-            </a:r>
-            <a:endParaRPr lang="hu-HU" b="0" i="0" dirty="0">
-              <a:solidFill>
-                <a:srgbClr val="FFFFFF"/>
-              </a:solidFill>
-              <a:effectLst/>
-              <a:latin typeface="Google Sans"/>
-            </a:endParaRPr>
-          </a:p>
-          <a:p>
-            <a:r>
-              <a:rPr lang="hu-HU" dirty="0">
-                <a:solidFill>
-                  <a:srgbClr val="FFFFFF"/>
-                </a:solidFill>
-                <a:latin typeface="Google Sans"/>
-              </a:rPr>
-              <a:t>GPU:</a:t>
-            </a:r>
-          </a:p>
-          <a:p>
-            <a:r>
-              <a:rPr lang="hu-HU" dirty="0">
-                <a:solidFill>
-                  <a:srgbClr val="FFFFFF"/>
-                </a:solidFill>
-                <a:latin typeface="Google Sans"/>
-              </a:rPr>
-              <a:t>	„</a:t>
-            </a:r>
-            <a:r>
-              <a:rPr lang="hu-HU" dirty="0" err="1">
-                <a:solidFill>
-                  <a:srgbClr val="FFFFFF"/>
-                </a:solidFill>
-                <a:latin typeface="Google Sans"/>
-              </a:rPr>
-              <a:t>GeForce</a:t>
-            </a:r>
-            <a:r>
-              <a:rPr lang="hu-HU" dirty="0">
-                <a:solidFill>
-                  <a:srgbClr val="FFFFFF"/>
-                </a:solidFill>
-                <a:latin typeface="Google Sans"/>
-              </a:rPr>
-              <a:t> 1050ti, </a:t>
-            </a:r>
-            <a:r>
-              <a:rPr lang="hu-HU" dirty="0" err="1">
-                <a:solidFill>
-                  <a:srgbClr val="FFFFFF"/>
-                </a:solidFill>
-                <a:latin typeface="Google Sans"/>
-              </a:rPr>
-              <a:t>Geforce</a:t>
-            </a:r>
-            <a:r>
-              <a:rPr lang="hu-HU" dirty="0">
-                <a:solidFill>
-                  <a:srgbClr val="FFFFFF"/>
-                </a:solidFill>
-                <a:latin typeface="Google Sans"/>
-              </a:rPr>
-              <a:t> 1050 Ti, 1050 ti” </a:t>
-            </a:r>
-            <a:r>
-              <a:rPr lang="hu-HU" b="0" i="0" dirty="0">
-                <a:solidFill>
-                  <a:srgbClr val="FFFFFF"/>
-                </a:solidFill>
-                <a:effectLst/>
-                <a:latin typeface="Google Sans"/>
-              </a:rPr>
-              <a:t>→ </a:t>
-            </a:r>
-            <a:r>
-              <a:rPr lang="hu-HU" b="0" i="0" dirty="0" err="1">
-                <a:solidFill>
-                  <a:srgbClr val="FFFFFF"/>
-                </a:solidFill>
-                <a:effectLst/>
-                <a:latin typeface="Google Sans"/>
-              </a:rPr>
-              <a:t>geforce</a:t>
-            </a:r>
-            <a:r>
-              <a:rPr lang="hu-HU" b="0" i="0" dirty="0">
-                <a:solidFill>
-                  <a:srgbClr val="FFFFFF"/>
-                </a:solidFill>
-                <a:effectLst/>
-                <a:latin typeface="Google Sans"/>
-              </a:rPr>
-              <a:t> 1050 ti</a:t>
-            </a:r>
-          </a:p>
-          <a:p>
-            <a:r>
-              <a:rPr lang="hu-HU" dirty="0">
-                <a:solidFill>
-                  <a:srgbClr val="FFFFFF"/>
-                </a:solidFill>
-                <a:latin typeface="Google Sans"/>
-              </a:rPr>
-              <a:t>…</a:t>
-            </a:r>
-            <a:endParaRPr lang="hu-HU" dirty="0"/>
+              <a:t> elhagyása (Ár)</a:t>
+            </a:r>
           </a:p>
         </p:txBody>
       </p:sp>
@@ -17850,7 +18462,7 @@
           <p:cNvPr id="5" name="Dia számának helye 4">
             <a:extLst>
               <a:ext uri="{FF2B5EF4-FFF2-40B4-BE49-F238E27FC236}">
-                <a16:creationId xmlns:a16="http://schemas.microsoft.com/office/drawing/2014/main" id="{CC7F544D-EC07-065F-7539-C265B0DA1594}"/>
+                <a16:creationId xmlns:a16="http://schemas.microsoft.com/office/drawing/2014/main" id="{07B4469B-62AE-C992-5A8D-A1988CF4F3F2}"/>
               </a:ext>
             </a:extLst>
           </p:cNvPr>
@@ -17878,10 +18490,169 @@
           </a:p>
         </p:txBody>
       </p:sp>
+      <p:pic>
+        <p:nvPicPr>
+          <p:cNvPr id="5124" name="Picture 4">
+            <a:extLst>
+              <a:ext uri="{FF2B5EF4-FFF2-40B4-BE49-F238E27FC236}">
+                <a16:creationId xmlns:a16="http://schemas.microsoft.com/office/drawing/2014/main" id="{78701B3F-347D-887D-2ED7-E99DCC9A803E}"/>
+              </a:ext>
+            </a:extLst>
+          </p:cNvPr>
+          <p:cNvPicPr>
+            <a:picLocks noGrp="1" noChangeAspect="1" noChangeArrowheads="1"/>
+          </p:cNvPicPr>
+          <p:nvPr>
+            <p:ph idx="13"/>
+          </p:nvPr>
+        </p:nvPicPr>
+        <p:blipFill>
+          <a:blip r:embed="rId2">
+            <a:extLst>
+              <a:ext uri="{28A0092B-C50C-407E-A947-70E740481C1C}">
+                <a14:useLocalDpi xmlns:a14="http://schemas.microsoft.com/office/drawing/2010/main" val="0"/>
+              </a:ext>
+            </a:extLst>
+          </a:blip>
+          <a:srcRect/>
+          <a:stretch>
+            <a:fillRect/>
+          </a:stretch>
+        </p:blipFill>
+        <p:spPr bwMode="auto">
+          <a:xfrm>
+            <a:off x="211212" y="2358714"/>
+            <a:ext cx="4112185" cy="3071126"/>
+          </a:xfrm>
+          <a:prstGeom prst="rect">
+            <a:avLst/>
+          </a:prstGeom>
+          <a:noFill/>
+          <a:extLst>
+            <a:ext uri="{909E8E84-426E-40DD-AFC4-6F175D3DCCD1}">
+              <a14:hiddenFill xmlns:a14="http://schemas.microsoft.com/office/drawing/2010/main">
+                <a:solidFill>
+                  <a:srgbClr val="FFFFFF"/>
+                </a:solidFill>
+              </a14:hiddenFill>
+            </a:ext>
+          </a:extLst>
+        </p:spPr>
+      </p:pic>
+      <p:pic>
+        <p:nvPicPr>
+          <p:cNvPr id="7" name="Kép 6">
+            <a:extLst>
+              <a:ext uri="{FF2B5EF4-FFF2-40B4-BE49-F238E27FC236}">
+                <a16:creationId xmlns:a16="http://schemas.microsoft.com/office/drawing/2014/main" id="{A13EB8FE-452C-CADB-E25C-199055FFD2E5}"/>
+              </a:ext>
+            </a:extLst>
+          </p:cNvPr>
+          <p:cNvPicPr>
+            <a:picLocks noChangeAspect="1"/>
+          </p:cNvPicPr>
+          <p:nvPr/>
+        </p:nvPicPr>
+        <p:blipFill>
+          <a:blip r:embed="rId3"/>
+          <a:stretch>
+            <a:fillRect/>
+          </a:stretch>
+        </p:blipFill>
+        <p:spPr>
+          <a:xfrm>
+            <a:off x="4820603" y="2358715"/>
+            <a:ext cx="4112185" cy="3071125"/>
+          </a:xfrm>
+          <a:prstGeom prst="rect">
+            <a:avLst/>
+          </a:prstGeom>
+        </p:spPr>
+      </p:pic>
+      <p:sp>
+        <p:nvSpPr>
+          <p:cNvPr id="8" name="Szövegdoboz 7">
+            <a:extLst>
+              <a:ext uri="{FF2B5EF4-FFF2-40B4-BE49-F238E27FC236}">
+                <a16:creationId xmlns:a16="http://schemas.microsoft.com/office/drawing/2014/main" id="{7AC6F931-0BA7-1B22-671D-CBA4755E0E0C}"/>
+              </a:ext>
+            </a:extLst>
+          </p:cNvPr>
+          <p:cNvSpPr txBox="1"/>
+          <p:nvPr/>
+        </p:nvSpPr>
+        <p:spPr>
+          <a:xfrm>
+            <a:off x="211212" y="1762636"/>
+            <a:ext cx="4112185" cy="523220"/>
+          </a:xfrm>
+          <a:prstGeom prst="rect">
+            <a:avLst/>
+          </a:prstGeom>
+          <a:noFill/>
+        </p:spPr>
+        <p:txBody>
+          <a:bodyPr wrap="square" rtlCol="0">
+            <a:spAutoFit/>
+          </a:bodyPr>
+          <a:lstStyle/>
+          <a:p>
+            <a:pPr algn="ctr"/>
+            <a:r>
+              <a:rPr lang="hu-HU" sz="2800" dirty="0">
+                <a:solidFill>
+                  <a:schemeClr val="bg1"/>
+                </a:solidFill>
+              </a:rPr>
+              <a:t>Előtt</a:t>
+            </a:r>
+          </a:p>
+        </p:txBody>
+      </p:sp>
+      <p:sp>
+        <p:nvSpPr>
+          <p:cNvPr id="9" name="Szövegdoboz 8">
+            <a:extLst>
+              <a:ext uri="{FF2B5EF4-FFF2-40B4-BE49-F238E27FC236}">
+                <a16:creationId xmlns:a16="http://schemas.microsoft.com/office/drawing/2014/main" id="{34BFA0DB-6129-59C2-C991-87B5AD687BE8}"/>
+              </a:ext>
+            </a:extLst>
+          </p:cNvPr>
+          <p:cNvSpPr txBox="1"/>
+          <p:nvPr/>
+        </p:nvSpPr>
+        <p:spPr>
+          <a:xfrm>
+            <a:off x="4820603" y="1762636"/>
+            <a:ext cx="4112185" cy="523220"/>
+          </a:xfrm>
+          <a:prstGeom prst="rect">
+            <a:avLst/>
+          </a:prstGeom>
+          <a:noFill/>
+        </p:spPr>
+        <p:txBody>
+          <a:bodyPr wrap="square" rtlCol="0">
+            <a:spAutoFit/>
+          </a:bodyPr>
+          <a:lstStyle/>
+          <a:p>
+            <a:pPr algn="ctr"/>
+            <a:r>
+              <a:rPr lang="hu-HU" sz="2800" dirty="0">
+                <a:solidFill>
+                  <a:schemeClr val="bg1"/>
+                </a:solidFill>
+              </a:rPr>
+              <a:t>Után</a:t>
+            </a:r>
+          </a:p>
+        </p:txBody>
+      </p:sp>
     </p:spTree>
     <p:extLst>
       <p:ext uri="{BB962C8B-B14F-4D97-AF65-F5344CB8AC3E}">
-        <p14:creationId xmlns:p14="http://schemas.microsoft.com/office/powerpoint/2010/main" val="178791051"/>
+        <p14:creationId xmlns:p14="http://schemas.microsoft.com/office/powerpoint/2010/main" val="543760481"/>
       </p:ext>
     </p:extLst>
   </p:cSld>
@@ -17913,7 +18684,7 @@
           <p:cNvPr id="3" name="Cím 2">
             <a:extLst>
               <a:ext uri="{FF2B5EF4-FFF2-40B4-BE49-F238E27FC236}">
-                <a16:creationId xmlns:a16="http://schemas.microsoft.com/office/drawing/2014/main" id="{9FE87413-B453-75F6-439A-866B15D85D04}"/>
+                <a16:creationId xmlns:a16="http://schemas.microsoft.com/office/drawing/2014/main" id="{75FD70C7-C0CE-06A0-3A80-611C85EAA962}"/>
               </a:ext>
             </a:extLst>
           </p:cNvPr>
@@ -17931,106 +18702,7 @@
           <a:p>
             <a:r>
               <a:rPr lang="hu-HU" dirty="0"/>
-              <a:t>Modellek</a:t>
-            </a:r>
-          </a:p>
-        </p:txBody>
-      </p:sp>
-      <p:sp>
-        <p:nvSpPr>
-          <p:cNvPr id="4" name="Tartalom helye 3">
-            <a:extLst>
-              <a:ext uri="{FF2B5EF4-FFF2-40B4-BE49-F238E27FC236}">
-                <a16:creationId xmlns:a16="http://schemas.microsoft.com/office/drawing/2014/main" id="{FC7F6145-4BCD-339F-A95C-AF19A104E516}"/>
-              </a:ext>
-            </a:extLst>
-          </p:cNvPr>
-          <p:cNvSpPr>
-            <a:spLocks noGrp="1"/>
-          </p:cNvSpPr>
-          <p:nvPr>
-            <p:ph idx="13"/>
-          </p:nvPr>
-        </p:nvSpPr>
-        <p:spPr/>
-        <p:txBody>
-          <a:bodyPr/>
-          <a:lstStyle/>
-          <a:p>
-            <a:pPr marL="457200" indent="-457200">
-              <a:buAutoNum type="arabicPeriod"/>
-            </a:pPr>
-            <a:r>
-              <a:rPr lang="hu-HU" dirty="0" err="1"/>
-              <a:t>RandomForestRegressor</a:t>
-            </a:r>
-            <a:endParaRPr lang="hu-HU" dirty="0"/>
-          </a:p>
-          <a:p>
-            <a:pPr marL="457200" indent="-457200">
-              <a:buAutoNum type="arabicPeriod"/>
-            </a:pPr>
-            <a:r>
-              <a:rPr lang="hu-HU" dirty="0" err="1"/>
-              <a:t>LinearRegression</a:t>
-            </a:r>
-            <a:endParaRPr lang="hu-HU" dirty="0"/>
-          </a:p>
-          <a:p>
-            <a:pPr marL="457200" indent="-457200">
-              <a:buAutoNum type="arabicPeriod"/>
-            </a:pPr>
-            <a:r>
-              <a:rPr lang="hu-HU" dirty="0" err="1"/>
-              <a:t>Keras</a:t>
-            </a:r>
-            <a:r>
-              <a:rPr lang="hu-HU" dirty="0"/>
-              <a:t> </a:t>
-            </a:r>
-            <a:r>
-              <a:rPr lang="hu-HU" dirty="0" err="1"/>
-              <a:t>Sequential</a:t>
-            </a:r>
-            <a:r>
-              <a:rPr lang="hu-HU" dirty="0"/>
-              <a:t> Model</a:t>
-            </a:r>
-          </a:p>
-          <a:p>
-            <a:pPr marL="457200" indent="-457200">
-              <a:buAutoNum type="arabicPeriod"/>
-            </a:pPr>
-            <a:r>
-              <a:rPr lang="hu-HU" dirty="0" err="1"/>
-              <a:t>Ensemble</a:t>
-            </a:r>
-            <a:r>
-              <a:rPr lang="hu-HU" dirty="0"/>
-              <a:t> módszer</a:t>
-            </a:r>
-          </a:p>
-          <a:p>
-            <a:pPr marL="457200" indent="-457200">
-              <a:buAutoNum type="arabicPeriod"/>
-            </a:pPr>
-            <a:endParaRPr lang="hu-HU" dirty="0"/>
-          </a:p>
-          <a:p>
-            <a:r>
-              <a:rPr lang="hu-HU" dirty="0"/>
-              <a:t>Végső modell: </a:t>
-            </a:r>
-            <a:r>
-              <a:rPr lang="hu-HU" dirty="0" err="1"/>
-              <a:t>RandomForestRegressor</a:t>
-            </a:r>
-            <a:endParaRPr lang="hu-HU" dirty="0"/>
-          </a:p>
-          <a:p>
-            <a:r>
-              <a:rPr lang="hu-HU" dirty="0"/>
-              <a:t>	</a:t>
+              <a:t>Márkák gyakorisága</a:t>
             </a:r>
           </a:p>
         </p:txBody>
@@ -18040,7 +18712,7 @@
           <p:cNvPr id="5" name="Dia számának helye 4">
             <a:extLst>
               <a:ext uri="{FF2B5EF4-FFF2-40B4-BE49-F238E27FC236}">
-                <a16:creationId xmlns:a16="http://schemas.microsoft.com/office/drawing/2014/main" id="{75D72553-5CF4-45E8-41BE-D460CA7660A6}"/>
+                <a16:creationId xmlns:a16="http://schemas.microsoft.com/office/drawing/2014/main" id="{C0B450AC-89B8-FB5E-B395-5C34DDE51B57}"/>
               </a:ext>
             </a:extLst>
           </p:cNvPr>
@@ -18068,10 +18740,59 @@
           </a:p>
         </p:txBody>
       </p:sp>
+      <p:pic>
+        <p:nvPicPr>
+          <p:cNvPr id="6146" name="Picture 2">
+            <a:extLst>
+              <a:ext uri="{FF2B5EF4-FFF2-40B4-BE49-F238E27FC236}">
+                <a16:creationId xmlns:a16="http://schemas.microsoft.com/office/drawing/2014/main" id="{B46AEFEF-0129-F094-CC6E-020F67D4AA3C}"/>
+              </a:ext>
+            </a:extLst>
+          </p:cNvPr>
+          <p:cNvPicPr>
+            <a:picLocks noGrp="1" noChangeAspect="1" noChangeArrowheads="1"/>
+          </p:cNvPicPr>
+          <p:nvPr>
+            <p:ph idx="13"/>
+          </p:nvPr>
+        </p:nvPicPr>
+        <p:blipFill>
+          <a:blip r:embed="rId2">
+            <a:extLst>
+              <a:ext uri="{28A0092B-C50C-407E-A947-70E740481C1C}">
+                <a14:useLocalDpi xmlns:a14="http://schemas.microsoft.com/office/drawing/2010/main" val="0"/>
+              </a:ext>
+            </a:extLst>
+          </a:blip>
+          <a:srcRect/>
+          <a:stretch>
+            <a:fillRect/>
+          </a:stretch>
+        </p:blipFill>
+        <p:spPr bwMode="auto">
+          <a:xfrm>
+            <a:off x="1163244" y="1635735"/>
+            <a:ext cx="6764124" cy="4663028"/>
+          </a:xfrm>
+          <a:prstGeom prst="rect">
+            <a:avLst/>
+          </a:prstGeom>
+          <a:noFill/>
+          <a:extLst>
+            <a:ext uri="{909E8E84-426E-40DD-AFC4-6F175D3DCCD1}">
+              <a14:hiddenFill xmlns:a14="http://schemas.microsoft.com/office/drawing/2010/main">
+                <a:solidFill>
+                  <a:srgbClr val="FFFFFF"/>
+                </a:solidFill>
+              </a14:hiddenFill>
+            </a:ext>
+          </a:extLst>
+        </p:spPr>
+      </p:pic>
     </p:spTree>
     <p:extLst>
       <p:ext uri="{BB962C8B-B14F-4D97-AF65-F5344CB8AC3E}">
-        <p14:creationId xmlns:p14="http://schemas.microsoft.com/office/powerpoint/2010/main" val="1212176153"/>
+        <p14:creationId xmlns:p14="http://schemas.microsoft.com/office/powerpoint/2010/main" val="2828519216"/>
       </p:ext>
     </p:extLst>
   </p:cSld>
@@ -18103,7 +18824,7 @@
           <p:cNvPr id="3" name="Cím 2">
             <a:extLst>
               <a:ext uri="{FF2B5EF4-FFF2-40B4-BE49-F238E27FC236}">
-                <a16:creationId xmlns:a16="http://schemas.microsoft.com/office/drawing/2014/main" id="{ABBAFB88-0BE1-7A82-F004-318CE41E8D8A}"/>
+                <a16:creationId xmlns:a16="http://schemas.microsoft.com/office/drawing/2014/main" id="{447307C3-A6D1-007C-9016-FAE32A20F9FE}"/>
               </a:ext>
             </a:extLst>
           </p:cNvPr>
@@ -18120,10 +18841,9 @@
           <a:lstStyle/>
           <a:p>
             <a:r>
-              <a:rPr lang="hu-HU" dirty="0" err="1"/>
-              <a:t>RandomForestRegressor</a:t>
-            </a:r>
-            <a:endParaRPr lang="hu-HU" dirty="0"/>
+              <a:rPr lang="hu-HU" dirty="0"/>
+              <a:t>Problémák</a:t>
+            </a:r>
           </a:p>
         </p:txBody>
       </p:sp>
@@ -18132,7 +18852,7 @@
           <p:cNvPr id="4" name="Tartalom helye 3">
             <a:extLst>
               <a:ext uri="{FF2B5EF4-FFF2-40B4-BE49-F238E27FC236}">
-                <a16:creationId xmlns:a16="http://schemas.microsoft.com/office/drawing/2014/main" id="{6ED6BC19-0D84-A2D1-AC91-96E4490D4940}"/>
+                <a16:creationId xmlns:a16="http://schemas.microsoft.com/office/drawing/2014/main" id="{66D07408-FABA-C281-E04E-57F6AC7EE582}"/>
               </a:ext>
             </a:extLst>
           </p:cNvPr>
@@ -18143,204 +18863,199 @@
             <p:ph idx="13"/>
           </p:nvPr>
         </p:nvSpPr>
-        <p:spPr>
-          <a:xfrm>
-            <a:off x="156518" y="1630663"/>
-            <a:ext cx="3859301" cy="4862212"/>
-          </a:xfrm>
-        </p:spPr>
+        <p:spPr/>
         <p:txBody>
           <a:bodyPr/>
           <a:lstStyle/>
           <a:p>
             <a:r>
               <a:rPr lang="hu-HU" dirty="0"/>
-              <a:t>Legjobb paraméterek keresése </a:t>
-            </a:r>
+              <a:t>Sok elgépelt adat</a:t>
+            </a:r>
+          </a:p>
+          <a:p>
             <a:r>
               <a:rPr lang="hu-HU" dirty="0" err="1"/>
-              <a:t>RandomSearchCV</a:t>
+              <a:t>LabelEncoder</a:t>
             </a:r>
             <a:r>
               <a:rPr lang="hu-HU" dirty="0"/>
-              <a:t>-vel</a:t>
-            </a:r>
-          </a:p>
-          <a:p>
+              <a:t>: 1 videokártya </a:t>
+            </a:r>
+            <a:r>
+              <a:rPr lang="hu-HU" b="0" i="0" dirty="0">
+                <a:solidFill>
+                  <a:srgbClr val="FFFFFF"/>
+                </a:solidFill>
+                <a:effectLst/>
+                <a:latin typeface="Google Sans"/>
+              </a:rPr>
+              <a:t>→ 3 különböző kód</a:t>
+            </a:r>
+            <a:endParaRPr lang="hu-HU" dirty="0"/>
+          </a:p>
+          <a:p>
+            <a:endParaRPr lang="hu-HU" dirty="0"/>
+          </a:p>
+          <a:p>
+            <a:r>
+              <a:rPr lang="hu-HU" dirty="0" err="1"/>
+              <a:t>GPU_Brand</a:t>
+            </a:r>
             <a:r>
               <a:rPr lang="hu-HU" dirty="0"/>
-              <a:t>Legjobb paraméterek</a:t>
+              <a:t>:</a:t>
             </a:r>
             <a:br>
               <a:rPr lang="hu-HU" dirty="0"/>
             </a:br>
             <a:r>
+              <a:rPr lang="hu-HU" dirty="0"/>
+              <a:t>	„</a:t>
+            </a:r>
+            <a:r>
+              <a:rPr lang="hu-HU" dirty="0" err="1"/>
+              <a:t>nvidia</a:t>
+            </a:r>
+            <a:r>
+              <a:rPr lang="hu-HU" dirty="0"/>
+              <a:t>, NVIDIA, </a:t>
+            </a:r>
+            <a:r>
+              <a:rPr lang="hu-HU" dirty="0" err="1"/>
+              <a:t>nividia</a:t>
+            </a:r>
+            <a:r>
+              <a:rPr lang="hu-HU" dirty="0"/>
+              <a:t>” </a:t>
+            </a:r>
+            <a:r>
               <a:rPr lang="hu-HU" b="0" i="0" dirty="0">
                 <a:solidFill>
-                  <a:srgbClr val="E3E3E3"/>
+                  <a:srgbClr val="FFFFFF"/>
                 </a:solidFill>
                 <a:effectLst/>
-                <a:latin typeface="Courier New" panose="02070309020205020404" pitchFamily="49" charset="0"/>
+                <a:latin typeface="Google Sans"/>
               </a:rPr>
-              <a:t>{'</a:t>
+              <a:t>→ </a:t>
             </a:r>
             <a:r>
               <a:rPr lang="hu-HU" b="0" i="0" dirty="0" err="1">
                 <a:solidFill>
-                  <a:srgbClr val="E3E3E3"/>
+                  <a:srgbClr val="FFFFFF"/>
                 </a:solidFill>
                 <a:effectLst/>
-                <a:latin typeface="Courier New" panose="02070309020205020404" pitchFamily="49" charset="0"/>
+                <a:latin typeface="Google Sans"/>
               </a:rPr>
-              <a:t>n_estimators</a:t>
+              <a:t>nvidia</a:t>
+            </a:r>
+            <a:endParaRPr lang="hu-HU" b="0" i="0" dirty="0">
+              <a:solidFill>
+                <a:srgbClr val="FFFFFF"/>
+              </a:solidFill>
+              <a:effectLst/>
+              <a:latin typeface="Google Sans"/>
+            </a:endParaRPr>
+          </a:p>
+          <a:p>
+            <a:r>
+              <a:rPr lang="hu-HU" dirty="0">
+                <a:solidFill>
+                  <a:srgbClr val="FFFFFF"/>
+                </a:solidFill>
+                <a:latin typeface="Google Sans"/>
+              </a:rPr>
+              <a:t>GPU:</a:t>
+            </a:r>
+          </a:p>
+          <a:p>
+            <a:r>
+              <a:rPr lang="hu-HU" dirty="0">
+                <a:solidFill>
+                  <a:srgbClr val="FFFFFF"/>
+                </a:solidFill>
+                <a:latin typeface="Google Sans"/>
+              </a:rPr>
+              <a:t>	„</a:t>
+            </a:r>
+            <a:r>
+              <a:rPr lang="hu-HU" dirty="0" err="1">
+                <a:solidFill>
+                  <a:srgbClr val="FFFFFF"/>
+                </a:solidFill>
+                <a:latin typeface="Google Sans"/>
+              </a:rPr>
+              <a:t>GeForce</a:t>
+            </a:r>
+            <a:r>
+              <a:rPr lang="hu-HU" dirty="0">
+                <a:solidFill>
+                  <a:srgbClr val="FFFFFF"/>
+                </a:solidFill>
+                <a:latin typeface="Google Sans"/>
+              </a:rPr>
+              <a:t> 1050ti, </a:t>
+            </a:r>
+            <a:r>
+              <a:rPr lang="hu-HU" dirty="0" err="1">
+                <a:solidFill>
+                  <a:srgbClr val="FFFFFF"/>
+                </a:solidFill>
+                <a:latin typeface="Google Sans"/>
+              </a:rPr>
+              <a:t>Geforce</a:t>
+            </a:r>
+            <a:r>
+              <a:rPr lang="hu-HU" dirty="0">
+                <a:solidFill>
+                  <a:srgbClr val="FFFFFF"/>
+                </a:solidFill>
+                <a:latin typeface="Google Sans"/>
+              </a:rPr>
+              <a:t> 1050 Ti, 1050 ti” </a:t>
             </a:r>
             <a:r>
               <a:rPr lang="hu-HU" b="0" i="0" dirty="0">
                 <a:solidFill>
-                  <a:srgbClr val="E3E3E3"/>
+                  <a:srgbClr val="FFFFFF"/>
                 </a:solidFill>
                 <a:effectLst/>
-                <a:latin typeface="Courier New" panose="02070309020205020404" pitchFamily="49" charset="0"/>
+                <a:latin typeface="Google Sans"/>
               </a:rPr>
-              <a:t>': 200, </a:t>
-            </a:r>
-            <a:br>
+              <a:t>→ </a:t>
+            </a:r>
+            <a:r>
+              <a:rPr lang="hu-HU" b="0" i="0" dirty="0" err="1">
+                <a:solidFill>
+                  <a:srgbClr val="FFFFFF"/>
+                </a:solidFill>
+                <a:effectLst/>
+                <a:latin typeface="Google Sans"/>
+              </a:rPr>
+              <a:t>geforce</a:t>
+            </a:r>
+            <a:r>
               <a:rPr lang="hu-HU" b="0" i="0" dirty="0">
                 <a:solidFill>
-                  <a:srgbClr val="E3E3E3"/>
+                  <a:srgbClr val="FFFFFF"/>
                 </a:solidFill>
                 <a:effectLst/>
-                <a:latin typeface="Courier New" panose="02070309020205020404" pitchFamily="49" charset="0"/>
+                <a:latin typeface="Google Sans"/>
               </a:rPr>
-            </a:br>
-            <a:r>
-              <a:rPr lang="hu-HU" b="0" i="0" dirty="0">
-                <a:solidFill>
-                  <a:srgbClr val="E3E3E3"/>
-                </a:solidFill>
-                <a:effectLst/>
-                <a:latin typeface="Courier New" panose="02070309020205020404" pitchFamily="49" charset="0"/>
+              <a:t> 1050 ti</a:t>
+            </a:r>
+          </a:p>
+          <a:p>
+            <a:r>
+              <a:rPr lang="hu-HU" dirty="0">
+                <a:solidFill>
+                  <a:srgbClr val="FFFFFF"/>
+                </a:solidFill>
+                <a:latin typeface="Google Sans"/>
               </a:rPr>
-              <a:t> '</a:t>
-            </a:r>
-            <a:r>
-              <a:rPr lang="hu-HU" b="0" i="0" dirty="0" err="1">
-                <a:solidFill>
-                  <a:srgbClr val="E3E3E3"/>
-                </a:solidFill>
-                <a:effectLst/>
-                <a:latin typeface="Courier New" panose="02070309020205020404" pitchFamily="49" charset="0"/>
-              </a:rPr>
-              <a:t>min_samples_split</a:t>
-            </a:r>
-            <a:r>
-              <a:rPr lang="hu-HU" b="0" i="0" dirty="0">
-                <a:solidFill>
-                  <a:srgbClr val="E3E3E3"/>
-                </a:solidFill>
-                <a:effectLst/>
-                <a:latin typeface="Courier New" panose="02070309020205020404" pitchFamily="49" charset="0"/>
-              </a:rPr>
-              <a:t>': 5,</a:t>
-            </a:r>
-            <a:br>
-              <a:rPr lang="hu-HU" b="0" i="0" dirty="0">
-                <a:solidFill>
-                  <a:srgbClr val="E3E3E3"/>
-                </a:solidFill>
-                <a:effectLst/>
-                <a:latin typeface="Courier New" panose="02070309020205020404" pitchFamily="49" charset="0"/>
-              </a:rPr>
-            </a:br>
-            <a:r>
-              <a:rPr lang="hu-HU" b="0" i="0" dirty="0">
-                <a:solidFill>
-                  <a:srgbClr val="E3E3E3"/>
-                </a:solidFill>
-                <a:effectLst/>
-                <a:latin typeface="Courier New" panose="02070309020205020404" pitchFamily="49" charset="0"/>
-              </a:rPr>
-              <a:t> '</a:t>
-            </a:r>
-            <a:r>
-              <a:rPr lang="hu-HU" b="0" i="0" dirty="0" err="1">
-                <a:solidFill>
-                  <a:srgbClr val="E3E3E3"/>
-                </a:solidFill>
-                <a:effectLst/>
-                <a:latin typeface="Courier New" panose="02070309020205020404" pitchFamily="49" charset="0"/>
-              </a:rPr>
-              <a:t>min_samples_leaf</a:t>
-            </a:r>
-            <a:r>
-              <a:rPr lang="hu-HU" b="0" i="0" dirty="0">
-                <a:solidFill>
-                  <a:srgbClr val="E3E3E3"/>
-                </a:solidFill>
-                <a:effectLst/>
-                <a:latin typeface="Courier New" panose="02070309020205020404" pitchFamily="49" charset="0"/>
-              </a:rPr>
-              <a:t>': 2,</a:t>
-            </a:r>
-            <a:br>
-              <a:rPr lang="hu-HU" b="0" i="0" dirty="0">
-                <a:solidFill>
-                  <a:srgbClr val="E3E3E3"/>
-                </a:solidFill>
-                <a:effectLst/>
-                <a:latin typeface="Courier New" panose="02070309020205020404" pitchFamily="49" charset="0"/>
-              </a:rPr>
-            </a:br>
-            <a:r>
-              <a:rPr lang="hu-HU" b="0" i="0" dirty="0">
-                <a:solidFill>
-                  <a:srgbClr val="E3E3E3"/>
-                </a:solidFill>
-                <a:effectLst/>
-                <a:latin typeface="Courier New" panose="02070309020205020404" pitchFamily="49" charset="0"/>
-              </a:rPr>
-              <a:t> '</a:t>
-            </a:r>
-            <a:r>
-              <a:rPr lang="hu-HU" b="0" i="0" dirty="0" err="1">
-                <a:solidFill>
-                  <a:srgbClr val="E3E3E3"/>
-                </a:solidFill>
-                <a:effectLst/>
-                <a:latin typeface="Courier New" panose="02070309020205020404" pitchFamily="49" charset="0"/>
-              </a:rPr>
-              <a:t>max_depth</a:t>
-            </a:r>
-            <a:r>
-              <a:rPr lang="hu-HU" b="0" i="0" dirty="0">
-                <a:solidFill>
-                  <a:srgbClr val="E3E3E3"/>
-                </a:solidFill>
-                <a:effectLst/>
-                <a:latin typeface="Courier New" panose="02070309020205020404" pitchFamily="49" charset="0"/>
-              </a:rPr>
-              <a:t>': </a:t>
-            </a:r>
-            <a:r>
-              <a:rPr lang="hu-HU" b="0" i="0" dirty="0" err="1">
-                <a:solidFill>
-                  <a:srgbClr val="E3E3E3"/>
-                </a:solidFill>
-                <a:effectLst/>
-                <a:latin typeface="Courier New" panose="02070309020205020404" pitchFamily="49" charset="0"/>
-              </a:rPr>
-              <a:t>None</a:t>
-            </a:r>
-            <a:r>
-              <a:rPr lang="hu-HU" b="0" i="0" dirty="0">
-                <a:solidFill>
-                  <a:srgbClr val="E3E3E3"/>
-                </a:solidFill>
-                <a:effectLst/>
-                <a:latin typeface="Courier New" panose="02070309020205020404" pitchFamily="49" charset="0"/>
-              </a:rPr>
-              <a:t>}</a:t>
-            </a:r>
+              <a:t>…</a:t>
+            </a:r>
+            <a:endParaRPr lang="hu-HU" dirty="0"/>
           </a:p>
         </p:txBody>
       </p:sp>
@@ -18349,7 +19064,7 @@
           <p:cNvPr id="5" name="Dia számának helye 4">
             <a:extLst>
               <a:ext uri="{FF2B5EF4-FFF2-40B4-BE49-F238E27FC236}">
-                <a16:creationId xmlns:a16="http://schemas.microsoft.com/office/drawing/2014/main" id="{3AE5F26E-9102-93D5-8B35-EC06B8085D43}"/>
+                <a16:creationId xmlns:a16="http://schemas.microsoft.com/office/drawing/2014/main" id="{CC7F544D-EC07-065F-7539-C265B0DA1594}"/>
               </a:ext>
             </a:extLst>
           </p:cNvPr>
@@ -18377,87 +19092,10 @@
           </a:p>
         </p:txBody>
       </p:sp>
-      <p:pic>
-        <p:nvPicPr>
-          <p:cNvPr id="1026" name="Picture 2">
-            <a:extLst>
-              <a:ext uri="{FF2B5EF4-FFF2-40B4-BE49-F238E27FC236}">
-                <a16:creationId xmlns:a16="http://schemas.microsoft.com/office/drawing/2014/main" id="{262EA12F-0579-3AB2-7666-CCD1047D7D9F}"/>
-              </a:ext>
-            </a:extLst>
-          </p:cNvPr>
-          <p:cNvPicPr>
-            <a:picLocks noChangeAspect="1" noChangeArrowheads="1"/>
-          </p:cNvPicPr>
-          <p:nvPr/>
-        </p:nvPicPr>
-        <p:blipFill>
-          <a:blip r:embed="rId2">
-            <a:extLst>
-              <a:ext uri="{28A0092B-C50C-407E-A947-70E740481C1C}">
-                <a14:useLocalDpi xmlns:a14="http://schemas.microsoft.com/office/drawing/2010/main" val="0"/>
-              </a:ext>
-            </a:extLst>
-          </a:blip>
-          <a:srcRect/>
-          <a:stretch>
-            <a:fillRect/>
-          </a:stretch>
-        </p:blipFill>
-        <p:spPr bwMode="auto">
-          <a:xfrm>
-            <a:off x="4710997" y="1630663"/>
-            <a:ext cx="3665175" cy="3563506"/>
-          </a:xfrm>
-          <a:prstGeom prst="rect">
-            <a:avLst/>
-          </a:prstGeom>
-          <a:noFill/>
-          <a:extLst>
-            <a:ext uri="{909E8E84-426E-40DD-AFC4-6F175D3DCCD1}">
-              <a14:hiddenFill xmlns:a14="http://schemas.microsoft.com/office/drawing/2010/main">
-                <a:solidFill>
-                  <a:srgbClr val="FFFFFF"/>
-                </a:solidFill>
-              </a14:hiddenFill>
-            </a:ext>
-          </a:extLst>
-        </p:spPr>
-      </p:pic>
-      <p:pic>
-        <p:nvPicPr>
-          <p:cNvPr id="6" name="Kép 5">
-            <a:extLst>
-              <a:ext uri="{FF2B5EF4-FFF2-40B4-BE49-F238E27FC236}">
-                <a16:creationId xmlns:a16="http://schemas.microsoft.com/office/drawing/2014/main" id="{8A3D73C9-27BF-DE48-EE4C-1CC721E4E96D}"/>
-              </a:ext>
-            </a:extLst>
-          </p:cNvPr>
-          <p:cNvPicPr>
-            <a:picLocks noChangeAspect="1"/>
-          </p:cNvPicPr>
-          <p:nvPr/>
-        </p:nvPicPr>
-        <p:blipFill>
-          <a:blip r:embed="rId3"/>
-          <a:stretch>
-            <a:fillRect/>
-          </a:stretch>
-        </p:blipFill>
-        <p:spPr>
-          <a:xfrm>
-            <a:off x="4805264" y="5416377"/>
-            <a:ext cx="3501249" cy="634530"/>
-          </a:xfrm>
-          <a:prstGeom prst="rect">
-            <a:avLst/>
-          </a:prstGeom>
-        </p:spPr>
-      </p:pic>
     </p:spTree>
     <p:extLst>
       <p:ext uri="{BB962C8B-B14F-4D97-AF65-F5344CB8AC3E}">
-        <p14:creationId xmlns:p14="http://schemas.microsoft.com/office/powerpoint/2010/main" val="3127634779"/>
+        <p14:creationId xmlns:p14="http://schemas.microsoft.com/office/powerpoint/2010/main" val="178791051"/>
       </p:ext>
     </p:extLst>
   </p:cSld>
@@ -18489,7 +19127,7 @@
           <p:cNvPr id="3" name="Cím 2">
             <a:extLst>
               <a:ext uri="{FF2B5EF4-FFF2-40B4-BE49-F238E27FC236}">
-                <a16:creationId xmlns:a16="http://schemas.microsoft.com/office/drawing/2014/main" id="{F2501C88-7CA7-DDDE-CA79-8336E5F60933}"/>
+                <a16:creationId xmlns:a16="http://schemas.microsoft.com/office/drawing/2014/main" id="{9FE87413-B453-75F6-439A-866B15D85D04}"/>
               </a:ext>
             </a:extLst>
           </p:cNvPr>
@@ -18506,10 +19144,113 @@
           <a:lstStyle/>
           <a:p>
             <a:r>
-              <a:rPr lang="hu-HU" dirty="0" err="1"/>
+              <a:rPr lang="hu-HU" dirty="0"/>
+              <a:t>Modellek</a:t>
+            </a:r>
+          </a:p>
+        </p:txBody>
+      </p:sp>
+      <p:sp>
+        <p:nvSpPr>
+          <p:cNvPr id="4" name="Tartalom helye 3">
+            <a:extLst>
+              <a:ext uri="{FF2B5EF4-FFF2-40B4-BE49-F238E27FC236}">
+                <a16:creationId xmlns:a16="http://schemas.microsoft.com/office/drawing/2014/main" id="{FC7F6145-4BCD-339F-A95C-AF19A104E516}"/>
+              </a:ext>
+            </a:extLst>
+          </p:cNvPr>
+          <p:cNvSpPr>
+            <a:spLocks noGrp="1"/>
+          </p:cNvSpPr>
+          <p:nvPr>
+            <p:ph idx="13"/>
+          </p:nvPr>
+        </p:nvSpPr>
+        <p:spPr>
+          <a:xfrm>
+            <a:off x="156518" y="1621411"/>
+            <a:ext cx="8777575" cy="2917210"/>
+          </a:xfrm>
+        </p:spPr>
+        <p:txBody>
+          <a:bodyPr/>
+          <a:lstStyle/>
+          <a:p>
+            <a:pPr marL="457200" indent="-457200">
+              <a:buAutoNum type="arabicPeriod"/>
+            </a:pPr>
+            <a:r>
+              <a:rPr lang="hu-HU" sz="2400" dirty="0" err="1"/>
+              <a:t>RandomForestRegressor</a:t>
+            </a:r>
+            <a:endParaRPr lang="hu-HU" sz="2400" dirty="0"/>
+          </a:p>
+          <a:p>
+            <a:pPr marL="457200" indent="-457200">
+              <a:buAutoNum type="arabicPeriod"/>
+            </a:pPr>
+            <a:r>
+              <a:rPr lang="hu-HU" sz="2400" dirty="0" err="1"/>
               <a:t>LinearRegression</a:t>
             </a:r>
-            <a:endParaRPr lang="hu-HU" dirty="0"/>
+            <a:endParaRPr lang="hu-HU" sz="2400" dirty="0"/>
+          </a:p>
+          <a:p>
+            <a:pPr marL="457200" indent="-457200">
+              <a:buAutoNum type="arabicPeriod"/>
+            </a:pPr>
+            <a:r>
+              <a:rPr lang="hu-HU" sz="2400" dirty="0" err="1"/>
+              <a:t>Keras</a:t>
+            </a:r>
+            <a:r>
+              <a:rPr lang="hu-HU" sz="2400" dirty="0"/>
+              <a:t> </a:t>
+            </a:r>
+            <a:r>
+              <a:rPr lang="hu-HU" sz="2400" dirty="0" err="1"/>
+              <a:t>Sequential</a:t>
+            </a:r>
+            <a:r>
+              <a:rPr lang="hu-HU" sz="2400" dirty="0"/>
+              <a:t> Model</a:t>
+            </a:r>
+          </a:p>
+          <a:p>
+            <a:pPr marL="457200" indent="-457200">
+              <a:buAutoNum type="arabicPeriod"/>
+            </a:pPr>
+            <a:r>
+              <a:rPr lang="hu-HU" sz="2400" dirty="0" err="1"/>
+              <a:t>Ensemble</a:t>
+            </a:r>
+            <a:r>
+              <a:rPr lang="hu-HU" sz="2400" dirty="0"/>
+              <a:t> módszer</a:t>
+            </a:r>
+          </a:p>
+          <a:p>
+            <a:pPr marL="457200" indent="-457200">
+              <a:buAutoNum type="arabicPeriod"/>
+            </a:pPr>
+            <a:endParaRPr lang="hu-HU" sz="2400" dirty="0"/>
+          </a:p>
+          <a:p>
+            <a:r>
+              <a:rPr lang="hu-HU" sz="2400" b="1" dirty="0"/>
+              <a:t>Végső modell: </a:t>
+            </a:r>
+            <a:r>
+              <a:rPr lang="hu-HU" sz="2400" dirty="0" err="1"/>
+              <a:t>RandomForestRegressor</a:t>
+            </a:r>
+            <a:endParaRPr lang="hu-HU" sz="2400" dirty="0"/>
+          </a:p>
+          <a:p>
+            <a:r>
+              <a:rPr lang="hu-HU" dirty="0"/>
+              <a:t>	</a:t>
+            </a:r>
           </a:p>
         </p:txBody>
       </p:sp>
@@ -18518,7 +19259,7 @@
           <p:cNvPr id="5" name="Dia számának helye 4">
             <a:extLst>
               <a:ext uri="{FF2B5EF4-FFF2-40B4-BE49-F238E27FC236}">
-                <a16:creationId xmlns:a16="http://schemas.microsoft.com/office/drawing/2014/main" id="{172F6259-34C2-AADB-448A-258F709536AC}"/>
+                <a16:creationId xmlns:a16="http://schemas.microsoft.com/office/drawing/2014/main" id="{75D72553-5CF4-45E8-41BE-D460CA7660A6}"/>
               </a:ext>
             </a:extLst>
           </p:cNvPr>
@@ -18546,59 +19287,10 @@
           </a:p>
         </p:txBody>
       </p:sp>
-      <p:pic>
-        <p:nvPicPr>
-          <p:cNvPr id="2050" name="Picture 2">
-            <a:extLst>
-              <a:ext uri="{FF2B5EF4-FFF2-40B4-BE49-F238E27FC236}">
-                <a16:creationId xmlns:a16="http://schemas.microsoft.com/office/drawing/2014/main" id="{E0F4234D-8A94-2DD0-7F46-CC75946EF947}"/>
-              </a:ext>
-            </a:extLst>
-          </p:cNvPr>
-          <p:cNvPicPr>
-            <a:picLocks noGrp="1" noChangeAspect="1" noChangeArrowheads="1"/>
-          </p:cNvPicPr>
-          <p:nvPr>
-            <p:ph idx="13"/>
-          </p:nvPr>
-        </p:nvPicPr>
-        <p:blipFill>
-          <a:blip r:embed="rId2">
-            <a:extLst>
-              <a:ext uri="{28A0092B-C50C-407E-A947-70E740481C1C}">
-                <a14:useLocalDpi xmlns:a14="http://schemas.microsoft.com/office/drawing/2010/main" val="0"/>
-              </a:ext>
-            </a:extLst>
-          </a:blip>
-          <a:srcRect/>
-          <a:stretch>
-            <a:fillRect/>
-          </a:stretch>
-        </p:blipFill>
-        <p:spPr bwMode="auto">
-          <a:xfrm>
-            <a:off x="4545306" y="1639586"/>
-            <a:ext cx="4111698" cy="3997643"/>
-          </a:xfrm>
-          <a:prstGeom prst="rect">
-            <a:avLst/>
-          </a:prstGeom>
-          <a:noFill/>
-          <a:extLst>
-            <a:ext uri="{909E8E84-426E-40DD-AFC4-6F175D3DCCD1}">
-              <a14:hiddenFill xmlns:a14="http://schemas.microsoft.com/office/drawing/2010/main">
-                <a:solidFill>
-                  <a:srgbClr val="FFFFFF"/>
-                </a:solidFill>
-              </a14:hiddenFill>
-            </a:ext>
-          </a:extLst>
-        </p:spPr>
-      </p:pic>
     </p:spTree>
     <p:extLst>
       <p:ext uri="{BB962C8B-B14F-4D97-AF65-F5344CB8AC3E}">
-        <p14:creationId xmlns:p14="http://schemas.microsoft.com/office/powerpoint/2010/main" val="1743313231"/>
+        <p14:creationId xmlns:p14="http://schemas.microsoft.com/office/powerpoint/2010/main" val="1212176153"/>
       </p:ext>
     </p:extLst>
   </p:cSld>
@@ -18627,10 +19319,161 @@
       </p:grpSpPr>
       <p:sp>
         <p:nvSpPr>
+          <p:cNvPr id="4" name="Tartalom helye 3">
+            <a:extLst>
+              <a:ext uri="{FF2B5EF4-FFF2-40B4-BE49-F238E27FC236}">
+                <a16:creationId xmlns:a16="http://schemas.microsoft.com/office/drawing/2014/main" id="{6ED6BC19-0D84-A2D1-AC91-96E4490D4940}"/>
+              </a:ext>
+            </a:extLst>
+          </p:cNvPr>
+          <p:cNvSpPr>
+            <a:spLocks noGrp="1"/>
+          </p:cNvSpPr>
+          <p:nvPr>
+            <p:ph sz="half" idx="1"/>
+          </p:nvPr>
+        </p:nvSpPr>
+        <p:spPr>
+          <a:xfrm>
+            <a:off x="156519" y="1621410"/>
+            <a:ext cx="8506714" cy="4326332"/>
+          </a:xfrm>
+        </p:spPr>
+        <p:txBody>
+          <a:bodyPr>
+            <a:normAutofit/>
+          </a:bodyPr>
+          <a:lstStyle/>
+          <a:p>
+            <a:r>
+              <a:rPr lang="hu-HU" sz="2400" dirty="0"/>
+              <a:t>Legjobb paraméterek keresése </a:t>
+            </a:r>
+            <a:r>
+              <a:rPr lang="hu-HU" sz="2400" dirty="0" err="1"/>
+              <a:t>RandomSearchCV</a:t>
+            </a:r>
+            <a:r>
+              <a:rPr lang="hu-HU" sz="2400" dirty="0"/>
+              <a:t>-vel</a:t>
+            </a:r>
+          </a:p>
+          <a:p>
+            <a:r>
+              <a:rPr lang="hu-HU" sz="2400" dirty="0"/>
+              <a:t>Legjobb paraméterek</a:t>
+            </a:r>
+            <a:br>
+              <a:rPr lang="hu-HU" sz="2400" dirty="0"/>
+            </a:br>
+            <a:r>
+              <a:rPr lang="hu-HU" sz="2400" b="0" i="0" dirty="0">
+                <a:effectLst/>
+              </a:rPr>
+              <a:t>{'</a:t>
+            </a:r>
+            <a:r>
+              <a:rPr lang="hu-HU" sz="2400" b="0" i="0" dirty="0" err="1">
+                <a:effectLst/>
+              </a:rPr>
+              <a:t>n_estimators</a:t>
+            </a:r>
+            <a:r>
+              <a:rPr lang="hu-HU" sz="2400" b="0" i="0" dirty="0">
+                <a:effectLst/>
+              </a:rPr>
+              <a:t>': 200, </a:t>
+            </a:r>
+            <a:br>
+              <a:rPr lang="hu-HU" sz="2400" b="0" i="0" dirty="0">
+                <a:effectLst/>
+              </a:rPr>
+            </a:br>
+            <a:r>
+              <a:rPr lang="hu-HU" sz="2400" b="0" i="0" dirty="0">
+                <a:effectLst/>
+              </a:rPr>
+              <a:t> '</a:t>
+            </a:r>
+            <a:r>
+              <a:rPr lang="hu-HU" sz="2400" b="0" i="0" dirty="0" err="1">
+                <a:effectLst/>
+              </a:rPr>
+              <a:t>min_samples_split</a:t>
+            </a:r>
+            <a:r>
+              <a:rPr lang="hu-HU" sz="2400" b="0" i="0" dirty="0">
+                <a:effectLst/>
+              </a:rPr>
+              <a:t>': 5,</a:t>
+            </a:r>
+            <a:br>
+              <a:rPr lang="hu-HU" sz="2400" b="0" i="0" dirty="0">
+                <a:effectLst/>
+              </a:rPr>
+            </a:br>
+            <a:r>
+              <a:rPr lang="hu-HU" sz="2400" b="0" i="0" dirty="0">
+                <a:effectLst/>
+              </a:rPr>
+              <a:t> '</a:t>
+            </a:r>
+            <a:r>
+              <a:rPr lang="hu-HU" sz="2400" b="0" i="0" dirty="0" err="1">
+                <a:effectLst/>
+              </a:rPr>
+              <a:t>min_samples_leaf</a:t>
+            </a:r>
+            <a:r>
+              <a:rPr lang="hu-HU" sz="2400" b="0" i="0" dirty="0">
+                <a:effectLst/>
+              </a:rPr>
+              <a:t>': 2,</a:t>
+            </a:r>
+            <a:br>
+              <a:rPr lang="hu-HU" sz="2400" b="0" i="0" dirty="0">
+                <a:effectLst/>
+              </a:rPr>
+            </a:br>
+            <a:r>
+              <a:rPr lang="hu-HU" sz="2400" b="0" i="0" dirty="0">
+                <a:effectLst/>
+              </a:rPr>
+              <a:t> '</a:t>
+            </a:r>
+            <a:r>
+              <a:rPr lang="hu-HU" sz="2400" b="0" i="0" dirty="0" err="1">
+                <a:effectLst/>
+              </a:rPr>
+              <a:t>max_depth</a:t>
+            </a:r>
+            <a:r>
+              <a:rPr lang="hu-HU" sz="2400" b="0" i="0" dirty="0">
+                <a:effectLst/>
+              </a:rPr>
+              <a:t>': </a:t>
+            </a:r>
+            <a:r>
+              <a:rPr lang="hu-HU" sz="2400" b="0" i="0" dirty="0" err="1">
+                <a:effectLst/>
+              </a:rPr>
+              <a:t>None</a:t>
+            </a:r>
+            <a:r>
+              <a:rPr lang="hu-HU" sz="2400" b="0" i="0" dirty="0">
+                <a:effectLst/>
+              </a:rPr>
+              <a:t>}</a:t>
+            </a:r>
+          </a:p>
+        </p:txBody>
+      </p:sp>
+      <p:sp>
+        <p:nvSpPr>
           <p:cNvPr id="3" name="Cím 2">
             <a:extLst>
               <a:ext uri="{FF2B5EF4-FFF2-40B4-BE49-F238E27FC236}">
-                <a16:creationId xmlns:a16="http://schemas.microsoft.com/office/drawing/2014/main" id="{9B98F97B-64AB-0EA4-FB17-EF0EA85D913D}"/>
+                <a16:creationId xmlns:a16="http://schemas.microsoft.com/office/drawing/2014/main" id="{ABBAFB88-0BE1-7A82-F004-318CE41E8D8A}"/>
               </a:ext>
             </a:extLst>
           </p:cNvPr>
@@ -18641,57 +19484,32 @@
             <p:ph type="ctrTitle"/>
           </p:nvPr>
         </p:nvSpPr>
-        <p:spPr/>
-        <p:txBody>
-          <a:bodyPr/>
-          <a:lstStyle/>
-          <a:p>
-            <a:r>
-              <a:rPr lang="hu-HU" dirty="0" err="1"/>
-              <a:t>Sequential</a:t>
-            </a:r>
-            <a:r>
-              <a:rPr lang="hu-HU" dirty="0"/>
-              <a:t> Model</a:t>
-            </a:r>
-          </a:p>
-        </p:txBody>
-      </p:sp>
-      <p:pic>
-        <p:nvPicPr>
-          <p:cNvPr id="7" name="Tartalom helye 6">
-            <a:extLst>
-              <a:ext uri="{FF2B5EF4-FFF2-40B4-BE49-F238E27FC236}">
-                <a16:creationId xmlns:a16="http://schemas.microsoft.com/office/drawing/2014/main" id="{A6F93291-E71C-0E04-77DE-2275229D2A56}"/>
-              </a:ext>
-            </a:extLst>
-          </p:cNvPr>
-          <p:cNvPicPr>
-            <a:picLocks noGrp="1" noChangeAspect="1"/>
-          </p:cNvPicPr>
-          <p:nvPr>
-            <p:ph idx="13"/>
-          </p:nvPr>
-        </p:nvPicPr>
-        <p:blipFill>
-          <a:blip r:embed="rId2"/>
-          <a:stretch>
-            <a:fillRect/>
-          </a:stretch>
-        </p:blipFill>
         <p:spPr>
           <a:xfrm>
-            <a:off x="156519" y="1585655"/>
-            <a:ext cx="4748478" cy="3335137"/>
+            <a:off x="156519" y="840261"/>
+            <a:ext cx="8777575" cy="601362"/>
           </a:xfrm>
         </p:spPr>
-      </p:pic>
+        <p:txBody>
+          <a:bodyPr anchor="b">
+            <a:normAutofit/>
+          </a:bodyPr>
+          <a:lstStyle/>
+          <a:p>
+            <a:r>
+              <a:rPr lang="hu-HU" dirty="0" err="1"/>
+              <a:t>RandomForestRegressor</a:t>
+            </a:r>
+            <a:endParaRPr lang="hu-HU" dirty="0"/>
+          </a:p>
+        </p:txBody>
+      </p:sp>
       <p:sp>
         <p:nvSpPr>
           <p:cNvPr id="5" name="Dia számának helye 4">
             <a:extLst>
               <a:ext uri="{FF2B5EF4-FFF2-40B4-BE49-F238E27FC236}">
-                <a16:creationId xmlns:a16="http://schemas.microsoft.com/office/drawing/2014/main" id="{44094F34-CAE7-9B3E-1E29-E2B243AE3614}"/>
+                <a16:creationId xmlns:a16="http://schemas.microsoft.com/office/drawing/2014/main" id="{3AE5F26E-9102-93D5-8B35-EC06B8085D43}"/>
               </a:ext>
             </a:extLst>
           </p:cNvPr>
@@ -18702,14 +19520,36 @@
             <p:ph type="sldNum" sz="quarter" idx="12"/>
           </p:nvPr>
         </p:nvSpPr>
-        <p:spPr/>
-        <p:txBody>
-          <a:bodyPr/>
+        <p:spPr>
+          <a:xfrm>
+            <a:off x="6876694" y="6492875"/>
+            <a:ext cx="2057400" cy="365125"/>
+          </a:xfrm>
+        </p:spPr>
+        <p:txBody>
+          <a:bodyPr>
+            <a:normAutofit/>
+          </a:bodyPr>
           <a:lstStyle/>
           <a:p>
+            <a:pPr>
+              <a:lnSpc>
+                <a:spcPct val="90000"/>
+              </a:lnSpc>
+              <a:spcAft>
+                <a:spcPts val="600"/>
+              </a:spcAft>
+            </a:pPr>
             <a:fld id="{C7F6CC59-61C1-4407-B4E9-D5A9FC9455DF}" type="slidenum">
               <a:rPr lang="hu-HU" smtClean="0"/>
-              <a:pPr/>
+              <a:pPr>
+                <a:lnSpc>
+                  <a:spcPct val="90000"/>
+                </a:lnSpc>
+                <a:spcAft>
+                  <a:spcPts val="600"/>
+                </a:spcAft>
+              </a:pPr>
               <a:t>8</a:t>
             </a:fld>
             <a:r>
@@ -18719,57 +19559,10 @@
           </a:p>
         </p:txBody>
       </p:sp>
-      <p:pic>
-        <p:nvPicPr>
-          <p:cNvPr id="3074" name="Picture 2">
-            <a:extLst>
-              <a:ext uri="{FF2B5EF4-FFF2-40B4-BE49-F238E27FC236}">
-                <a16:creationId xmlns:a16="http://schemas.microsoft.com/office/drawing/2014/main" id="{AC4B99D9-0598-5EE8-48FA-661EA2A22898}"/>
-              </a:ext>
-            </a:extLst>
-          </p:cNvPr>
-          <p:cNvPicPr>
-            <a:picLocks noChangeAspect="1" noChangeArrowheads="1"/>
-          </p:cNvPicPr>
-          <p:nvPr/>
-        </p:nvPicPr>
-        <p:blipFill>
-          <a:blip r:embed="rId3">
-            <a:extLst>
-              <a:ext uri="{28A0092B-C50C-407E-A947-70E740481C1C}">
-                <a14:useLocalDpi xmlns:a14="http://schemas.microsoft.com/office/drawing/2010/main" val="0"/>
-              </a:ext>
-            </a:extLst>
-          </a:blip>
-          <a:srcRect/>
-          <a:stretch>
-            <a:fillRect/>
-          </a:stretch>
-        </p:blipFill>
-        <p:spPr bwMode="auto">
-          <a:xfrm>
-            <a:off x="5118705" y="1489953"/>
-            <a:ext cx="3707646" cy="3526539"/>
-          </a:xfrm>
-          <a:prstGeom prst="rect">
-            <a:avLst/>
-          </a:prstGeom>
-          <a:noFill/>
-          <a:extLst>
-            <a:ext uri="{909E8E84-426E-40DD-AFC4-6F175D3DCCD1}">
-              <a14:hiddenFill xmlns:a14="http://schemas.microsoft.com/office/drawing/2010/main">
-                <a:solidFill>
-                  <a:srgbClr val="FFFFFF"/>
-                </a:solidFill>
-              </a14:hiddenFill>
-            </a:ext>
-          </a:extLst>
-        </p:spPr>
-      </p:pic>
     </p:spTree>
     <p:extLst>
       <p:ext uri="{BB962C8B-B14F-4D97-AF65-F5344CB8AC3E}">
-        <p14:creationId xmlns:p14="http://schemas.microsoft.com/office/powerpoint/2010/main" val="2397978824"/>
+        <p14:creationId xmlns:p14="http://schemas.microsoft.com/office/powerpoint/2010/main" val="3127634779"/>
       </p:ext>
     </p:extLst>
   </p:cSld>
@@ -18801,7 +19594,7 @@
           <p:cNvPr id="3" name="Cím 2">
             <a:extLst>
               <a:ext uri="{FF2B5EF4-FFF2-40B4-BE49-F238E27FC236}">
-                <a16:creationId xmlns:a16="http://schemas.microsoft.com/office/drawing/2014/main" id="{2D89E994-9126-E411-EA54-363189BFC79A}"/>
+                <a16:creationId xmlns:a16="http://schemas.microsoft.com/office/drawing/2014/main" id="{F2501C88-7CA7-DDDE-CA79-8336E5F60933}"/>
               </a:ext>
             </a:extLst>
           </p:cNvPr>
@@ -18818,10 +19611,9 @@
           <a:lstStyle/>
           <a:p>
             <a:r>
-              <a:rPr lang="hu-HU" dirty="0" err="1"/>
-              <a:t>Ensemble</a:t>
-            </a:r>
-            <a:endParaRPr lang="hu-HU" dirty="0"/>
+              <a:rPr lang="hu-HU" dirty="0"/>
+              <a:t>Linear Regression</a:t>
+            </a:r>
           </a:p>
         </p:txBody>
       </p:sp>
@@ -18830,7 +19622,7 @@
           <p:cNvPr id="5" name="Dia számának helye 4">
             <a:extLst>
               <a:ext uri="{FF2B5EF4-FFF2-40B4-BE49-F238E27FC236}">
-                <a16:creationId xmlns:a16="http://schemas.microsoft.com/office/drawing/2014/main" id="{7728F7DB-F7D1-F3A2-5524-72DDCDB83BB4}"/>
+                <a16:creationId xmlns:a16="http://schemas.microsoft.com/office/drawing/2014/main" id="{172F6259-34C2-AADB-448A-258F709536AC}"/>
               </a:ext>
             </a:extLst>
           </p:cNvPr>
@@ -18860,10 +19652,10 @@
       </p:sp>
       <p:sp>
         <p:nvSpPr>
-          <p:cNvPr id="2" name="Tartalom helye 1">
+          <p:cNvPr id="6" name="Tartalom helye 5">
             <a:extLst>
               <a:ext uri="{FF2B5EF4-FFF2-40B4-BE49-F238E27FC236}">
-                <a16:creationId xmlns:a16="http://schemas.microsoft.com/office/drawing/2014/main" id="{7C57E7F9-7285-5BFE-A856-8F4658D7C093}"/>
+                <a16:creationId xmlns:a16="http://schemas.microsoft.com/office/drawing/2014/main" id="{C158B926-4C07-438E-308C-65D87A5DBAAF}"/>
               </a:ext>
             </a:extLst>
           </p:cNvPr>
@@ -18874,19 +19666,66 @@
             <p:ph idx="13"/>
           </p:nvPr>
         </p:nvSpPr>
-        <p:spPr/>
+        <p:spPr>
+          <a:xfrm>
+            <a:off x="156518" y="1621409"/>
+            <a:ext cx="8777575" cy="4140563"/>
+          </a:xfrm>
+        </p:spPr>
         <p:txBody>
           <a:bodyPr/>
           <a:lstStyle/>
           <a:p>
-            <a:endParaRPr lang="hu-HU"/>
+            <a:pPr marL="342900" indent="-342900">
+              <a:buFont typeface="Arial" panose="020B0604020202020204" pitchFamily="34" charset="0"/>
+              <a:buChar char="•"/>
+            </a:pPr>
+            <a:r>
+              <a:rPr lang="hu-HU" sz="2400" dirty="0"/>
+              <a:t>Nem igényel </a:t>
+            </a:r>
+            <a:r>
+              <a:rPr lang="hu-HU" sz="2400" dirty="0" err="1"/>
+              <a:t>hiperparaméter-tuningot</a:t>
+            </a:r>
+            <a:endParaRPr lang="hu-HU" sz="2400" dirty="0"/>
+          </a:p>
+          <a:p>
+            <a:pPr marL="342900" indent="-342900">
+              <a:buFont typeface="Arial" panose="020B0604020202020204" pitchFamily="34" charset="0"/>
+              <a:buChar char="•"/>
+            </a:pPr>
+            <a:r>
+              <a:rPr lang="hu-HU" sz="2400" dirty="0"/>
+              <a:t>Egyszerű modell</a:t>
+            </a:r>
+          </a:p>
+          <a:p>
+            <a:pPr marL="342900" indent="-342900">
+              <a:buFont typeface="Arial" panose="020B0604020202020204" pitchFamily="34" charset="0"/>
+              <a:buChar char="•"/>
+            </a:pPr>
+            <a:r>
+              <a:rPr lang="hu-HU" sz="2400" dirty="0"/>
+              <a:t>Skálázás szükséges</a:t>
+            </a:r>
+          </a:p>
+          <a:p>
+            <a:pPr marL="342900" indent="-342900">
+              <a:buFont typeface="Arial" panose="020B0604020202020204" pitchFamily="34" charset="0"/>
+              <a:buChar char="•"/>
+            </a:pPr>
+            <a:r>
+              <a:rPr lang="hu-HU" sz="2400" dirty="0"/>
+              <a:t>Nem teljesített a legjobban</a:t>
+            </a:r>
           </a:p>
         </p:txBody>
       </p:sp>
     </p:spTree>
     <p:extLst>
       <p:ext uri="{BB962C8B-B14F-4D97-AF65-F5344CB8AC3E}">
-        <p14:creationId xmlns:p14="http://schemas.microsoft.com/office/powerpoint/2010/main" val="265848468"/>
+        <p14:creationId xmlns:p14="http://schemas.microsoft.com/office/powerpoint/2010/main" val="1743313231"/>
       </p:ext>
     </p:extLst>
   </p:cSld>
@@ -19680,6 +20519,21 @@
 </file>
 
 <file path=customXml/item1.xml><?xml version="1.0" encoding="utf-8"?>
+<p:properties xmlns:p="http://schemas.microsoft.com/office/2006/metadata/properties" xmlns:xsi="http://www.w3.org/2001/XMLSchema-instance" xmlns:pc="http://schemas.microsoft.com/office/infopath/2007/PartnerControls">
+  <documentManagement/>
+</p:properties>
+</file>
+
+<file path=customXml/item2.xml><?xml version="1.0" encoding="utf-8"?>
+<?mso-contentType ?>
+<FormTemplates xmlns="http://schemas.microsoft.com/sharepoint/v3/contenttype/forms">
+  <Display>DocumentLibraryForm</Display>
+  <Edit>DocumentLibraryForm</Edit>
+  <New>DocumentLibraryForm</New>
+</FormTemplates>
+</file>
+
+<file path=customXml/item3.xml><?xml version="1.0" encoding="utf-8"?>
 <ct:contentTypeSchema xmlns:ct="http://schemas.microsoft.com/office/2006/metadata/contentType" xmlns:ma="http://schemas.microsoft.com/office/2006/metadata/properties/metaAttributes" ct:_="" ma:_="" ma:contentTypeName="Dokumentum" ma:contentTypeID="0x0101000119D549A551764F9CD289D588F50CD1" ma:contentTypeVersion="4" ma:contentTypeDescription="Új dokumentum létrehozása." ma:contentTypeScope="" ma:versionID="d39ce6c3b1ff87abdd97d79a55525858">
   <xsd:schema xmlns:xsd="http://www.w3.org/2001/XMLSchema" xmlns:xs="http://www.w3.org/2001/XMLSchema" xmlns:p="http://schemas.microsoft.com/office/2006/metadata/properties" xmlns:ns2="e16a8d59-5ec1-4305-a348-1ba75ecba124" targetNamespace="http://schemas.microsoft.com/office/2006/metadata/properties" ma:root="true" ma:fieldsID="a614fd17b796607c2fe8cd7af1845322" ns2:_="">
     <xsd:import namespace="e16a8d59-5ec1-4305-a348-1ba75ecba124"/>
@@ -19823,22 +20677,31 @@
 </ct:contentTypeSchema>
 </file>
 
-<file path=customXml/item2.xml><?xml version="1.0" encoding="utf-8"?>
-<?mso-contentType ?>
-<FormTemplates xmlns="http://schemas.microsoft.com/sharepoint/v3/contenttype/forms">
-  <Display>DocumentLibraryForm</Display>
-  <Edit>DocumentLibraryForm</Edit>
-  <New>DocumentLibraryForm</New>
-</FormTemplates>
+<file path=customXml/itemProps1.xml><?xml version="1.0" encoding="utf-8"?>
+<ds:datastoreItem xmlns:ds="http://schemas.openxmlformats.org/officeDocument/2006/customXml" ds:itemID="{9B92DE76-62B5-49FE-880F-0A3FBC60AB87}">
+  <ds:schemaRefs>
+    <ds:schemaRef ds:uri="http://schemas.microsoft.com/office/2006/documentManagement/types"/>
+    <ds:schemaRef ds:uri="http://www.w3.org/XML/1998/namespace"/>
+    <ds:schemaRef ds:uri="http://purl.org/dc/elements/1.1/"/>
+    <ds:schemaRef ds:uri="http://schemas.openxmlformats.org/package/2006/metadata/core-properties"/>
+    <ds:schemaRef ds:uri="http://purl.org/dc/dcmitype/"/>
+    <ds:schemaRef ds:uri="http://schemas.microsoft.com/office/2006/metadata/properties"/>
+    <ds:schemaRef ds:uri="http://schemas.microsoft.com/office/infopath/2007/PartnerControls"/>
+    <ds:schemaRef ds:uri="e16a8d59-5ec1-4305-a348-1ba75ecba124"/>
+    <ds:schemaRef ds:uri="http://purl.org/dc/terms/"/>
+  </ds:schemaRefs>
+</ds:datastoreItem>
 </file>
 
-<file path=customXml/item3.xml><?xml version="1.0" encoding="utf-8"?>
-<p:properties xmlns:p="http://schemas.microsoft.com/office/2006/metadata/properties" xmlns:xsi="http://www.w3.org/2001/XMLSchema-instance" xmlns:pc="http://schemas.microsoft.com/office/infopath/2007/PartnerControls">
-  <documentManagement/>
-</p:properties>
+<file path=customXml/itemProps2.xml><?xml version="1.0" encoding="utf-8"?>
+<ds:datastoreItem xmlns:ds="http://schemas.openxmlformats.org/officeDocument/2006/customXml" ds:itemID="{1BBA3A4B-F75D-46B7-A527-11F0509996D9}">
+  <ds:schemaRefs>
+    <ds:schemaRef ds:uri="http://schemas.microsoft.com/sharepoint/v3/contenttype/forms"/>
+  </ds:schemaRefs>
+</ds:datastoreItem>
 </file>
 
-<file path=customXml/itemProps1.xml><?xml version="1.0" encoding="utf-8"?>
+<file path=customXml/itemProps3.xml><?xml version="1.0" encoding="utf-8"?>
 <ds:datastoreItem xmlns:ds="http://schemas.openxmlformats.org/officeDocument/2006/customXml" ds:itemID="{E059BDB0-AF58-43F2-8237-52F8B9D1E964}">
   <ds:schemaRefs>
     <ds:schemaRef ds:uri="e16a8d59-5ec1-4305-a348-1ba75ecba124"/>
@@ -19854,28 +20717,4 @@
     <ds:schemaRef ds:uri="http://www.w3.org/2001/XMLSchema"/>
   </ds:schemaRefs>
 </ds:datastoreItem>
-</file>
-
-<file path=customXml/itemProps2.xml><?xml version="1.0" encoding="utf-8"?>
-<ds:datastoreItem xmlns:ds="http://schemas.openxmlformats.org/officeDocument/2006/customXml" ds:itemID="{1BBA3A4B-F75D-46B7-A527-11F0509996D9}">
-  <ds:schemaRefs>
-    <ds:schemaRef ds:uri="http://schemas.microsoft.com/sharepoint/v3/contenttype/forms"/>
-  </ds:schemaRefs>
-</ds:datastoreItem>
-</file>
-
-<file path=customXml/itemProps3.xml><?xml version="1.0" encoding="utf-8"?>
-<ds:datastoreItem xmlns:ds="http://schemas.openxmlformats.org/officeDocument/2006/customXml" ds:itemID="{9B92DE76-62B5-49FE-880F-0A3FBC60AB87}">
-  <ds:schemaRefs>
-    <ds:schemaRef ds:uri="http://schemas.microsoft.com/office/2006/documentManagement/types"/>
-    <ds:schemaRef ds:uri="http://www.w3.org/XML/1998/namespace"/>
-    <ds:schemaRef ds:uri="http://purl.org/dc/elements/1.1/"/>
-    <ds:schemaRef ds:uri="http://schemas.openxmlformats.org/package/2006/metadata/core-properties"/>
-    <ds:schemaRef ds:uri="http://purl.org/dc/dcmitype/"/>
-    <ds:schemaRef ds:uri="http://schemas.microsoft.com/office/2006/metadata/properties"/>
-    <ds:schemaRef ds:uri="http://schemas.microsoft.com/office/infopath/2007/PartnerControls"/>
-    <ds:schemaRef ds:uri="e16a8d59-5ec1-4305-a348-1ba75ecba124"/>
-    <ds:schemaRef ds:uri="http://purl.org/dc/terms/"/>
-  </ds:schemaRefs>
-</ds:datastoreItem>
 </file>
--- a/laptop_regression.pptx
+++ b/laptop_regression.pptx
@@ -5,10 +5,10 @@
     <p:sldMasterId id="2147483832" r:id="rId4"/>
   </p:sldMasterIdLst>
   <p:notesMasterIdLst>
-    <p:notesMasterId r:id="rId17"/>
+    <p:notesMasterId r:id="rId20"/>
   </p:notesMasterIdLst>
   <p:handoutMasterIdLst>
-    <p:handoutMasterId r:id="rId18"/>
+    <p:handoutMasterId r:id="rId21"/>
   </p:handoutMasterIdLst>
   <p:sldIdLst>
     <p:sldId id="256" r:id="rId5"/>
@@ -16,13 +16,16 @@
     <p:sldId id="258" r:id="rId7"/>
     <p:sldId id="266" r:id="rId8"/>
     <p:sldId id="267" r:id="rId9"/>
-    <p:sldId id="259" r:id="rId10"/>
-    <p:sldId id="260" r:id="rId11"/>
-    <p:sldId id="261" r:id="rId12"/>
-    <p:sldId id="262" r:id="rId13"/>
-    <p:sldId id="263" r:id="rId14"/>
-    <p:sldId id="264" r:id="rId15"/>
-    <p:sldId id="265" r:id="rId16"/>
+    <p:sldId id="268" r:id="rId10"/>
+    <p:sldId id="270" r:id="rId11"/>
+    <p:sldId id="269" r:id="rId12"/>
+    <p:sldId id="259" r:id="rId13"/>
+    <p:sldId id="260" r:id="rId14"/>
+    <p:sldId id="261" r:id="rId15"/>
+    <p:sldId id="262" r:id="rId16"/>
+    <p:sldId id="263" r:id="rId17"/>
+    <p:sldId id="264" r:id="rId18"/>
+    <p:sldId id="265" r:id="rId19"/>
   </p:sldIdLst>
   <p:sldSz cx="9144000" cy="6858000" type="screen4x3"/>
   <p:notesSz cx="6858000" cy="9144000"/>
@@ -721,7 +724,7 @@
           <a:p>
             <a:fld id="{E286FD15-60BD-448E-93F3-E9C0354025CB}" type="datetimeFigureOut">
               <a:rPr lang="hu-HU" smtClean="0"/>
-              <a:t>2024. 12. 10.</a:t>
+              <a:t>2024. 12. 11.</a:t>
             </a:fld>
             <a:endParaRPr lang="hu-HU"/>
           </a:p>
@@ -887,7 +890,7 @@
           <a:p>
             <a:fld id="{945779A9-2F62-41F1-8D39-20DA253901A2}" type="datetimeFigureOut">
               <a:rPr lang="hu-HU" smtClean="0"/>
-              <a:t>2024. 12. 10.</a:t>
+              <a:t>2024. 12. 11.</a:t>
             </a:fld>
             <a:endParaRPr lang="hu-HU"/>
           </a:p>
@@ -1669,7 +1672,7 @@
             <a:pPr algn="l"/>
             <a:fld id="{2508C36B-3B60-4C26-ADB5-50C5F67D672E}" type="datetime4">
               <a:rPr lang="hu-HU" smtClean="0"/>
-              <a:t>2024. december 10.</a:t>
+              <a:t>2024. december 11.</a:t>
             </a:fld>
             <a:endParaRPr lang="hu-HU">
               <a:solidFill>
@@ -2112,7 +2115,7 @@
             <a:pPr algn="l"/>
             <a:fld id="{2508C36B-3B60-4C26-ADB5-50C5F67D672E}" type="datetime4">
               <a:rPr lang="hu-HU" smtClean="0"/>
-              <a:t>2024. december 10.</a:t>
+              <a:t>2024. december 11.</a:t>
             </a:fld>
             <a:endParaRPr lang="hu-HU">
               <a:solidFill>
@@ -2558,7 +2561,7 @@
             <a:pPr algn="l"/>
             <a:fld id="{2508C36B-3B60-4C26-ADB5-50C5F67D672E}" type="datetime4">
               <a:rPr lang="hu-HU" smtClean="0"/>
-              <a:t>2024. december 10.</a:t>
+              <a:t>2024. december 11.</a:t>
             </a:fld>
             <a:endParaRPr lang="hu-HU">
               <a:solidFill>
@@ -3004,7 +3007,7 @@
             <a:pPr algn="l"/>
             <a:fld id="{2508C36B-3B60-4C26-ADB5-50C5F67D672E}" type="datetime4">
               <a:rPr lang="hu-HU" smtClean="0"/>
-              <a:t>2024. december 10.</a:t>
+              <a:t>2024. december 11.</a:t>
             </a:fld>
             <a:endParaRPr lang="hu-HU">
               <a:solidFill>
@@ -3437,7 +3440,7 @@
             <a:pPr algn="l"/>
             <a:fld id="{2508C36B-3B60-4C26-ADB5-50C5F67D672E}" type="datetime4">
               <a:rPr lang="hu-HU" smtClean="0"/>
-              <a:t>2024. december 10.</a:t>
+              <a:t>2024. december 11.</a:t>
             </a:fld>
             <a:endParaRPr lang="hu-HU">
               <a:solidFill>
@@ -3870,7 +3873,7 @@
             <a:pPr algn="l"/>
             <a:fld id="{2508C36B-3B60-4C26-ADB5-50C5F67D672E}" type="datetime4">
               <a:rPr lang="hu-HU" smtClean="0"/>
-              <a:t>2024. december 10.</a:t>
+              <a:t>2024. december 11.</a:t>
             </a:fld>
             <a:endParaRPr lang="hu-HU">
               <a:solidFill>
@@ -4295,7 +4298,7 @@
             <a:pPr algn="l"/>
             <a:fld id="{2508C36B-3B60-4C26-ADB5-50C5F67D672E}" type="datetime4">
               <a:rPr lang="hu-HU" smtClean="0"/>
-              <a:t>2024. december 10.</a:t>
+              <a:t>2024. december 11.</a:t>
             </a:fld>
             <a:endParaRPr lang="hu-HU">
               <a:solidFill>
@@ -4882,7 +4885,7 @@
             <a:pPr algn="l"/>
             <a:fld id="{2508C36B-3B60-4C26-ADB5-50C5F67D672E}" type="datetime4">
               <a:rPr lang="hu-HU" smtClean="0"/>
-              <a:t>2024. december 10.</a:t>
+              <a:t>2024. december 11.</a:t>
             </a:fld>
             <a:endParaRPr lang="hu-HU">
               <a:solidFill>
@@ -5475,7 +5478,7 @@
             <a:pPr algn="l"/>
             <a:fld id="{2508C36B-3B60-4C26-ADB5-50C5F67D672E}" type="datetime4">
               <a:rPr lang="hu-HU" smtClean="0"/>
-              <a:t>2024. december 10.</a:t>
+              <a:t>2024. december 11.</a:t>
             </a:fld>
             <a:endParaRPr lang="hu-HU">
               <a:solidFill>
@@ -6076,7 +6079,7 @@
             <a:pPr algn="l"/>
             <a:fld id="{2508C36B-3B60-4C26-ADB5-50C5F67D672E}" type="datetime4">
               <a:rPr lang="hu-HU" smtClean="0"/>
-              <a:t>2024. december 10.</a:t>
+              <a:t>2024. december 11.</a:t>
             </a:fld>
             <a:endParaRPr lang="hu-HU">
               <a:solidFill>
@@ -6533,7 +6536,7 @@
             <a:pPr algn="l"/>
             <a:fld id="{2508C36B-3B60-4C26-ADB5-50C5F67D672E}" type="datetime4">
               <a:rPr lang="hu-HU" smtClean="0"/>
-              <a:t>2024. december 10.</a:t>
+              <a:t>2024. december 11.</a:t>
             </a:fld>
             <a:endParaRPr lang="hu-HU">
               <a:solidFill>
@@ -6959,7 +6962,7 @@
             <a:pPr algn="l"/>
             <a:fld id="{2508C36B-3B60-4C26-ADB5-50C5F67D672E}" type="datetime4">
               <a:rPr lang="hu-HU" smtClean="0"/>
-              <a:t>2024. december 10.</a:t>
+              <a:t>2024. december 11.</a:t>
             </a:fld>
             <a:endParaRPr lang="hu-HU">
               <a:solidFill>
@@ -7388,7 +7391,7 @@
             <a:pPr algn="l"/>
             <a:fld id="{2508C36B-3B60-4C26-ADB5-50C5F67D672E}" type="datetime4">
               <a:rPr lang="hu-HU" smtClean="0"/>
-              <a:t>2024. december 10.</a:t>
+              <a:t>2024. december 11.</a:t>
             </a:fld>
             <a:endParaRPr lang="hu-HU">
               <a:solidFill>
@@ -7817,7 +7820,7 @@
             <a:pPr algn="l"/>
             <a:fld id="{2508C36B-3B60-4C26-ADB5-50C5F67D672E}" type="datetime4">
               <a:rPr lang="hu-HU" smtClean="0"/>
-              <a:t>2024. december 10.</a:t>
+              <a:t>2024. december 11.</a:t>
             </a:fld>
             <a:endParaRPr lang="hu-HU">
               <a:solidFill>
@@ -8135,7 +8138,7 @@
             <a:pPr algn="l"/>
             <a:fld id="{2508C36B-3B60-4C26-ADB5-50C5F67D672E}" type="datetime4">
               <a:rPr lang="hu-HU" smtClean="0"/>
-              <a:t>2024. december 10.</a:t>
+              <a:t>2024. december 11.</a:t>
             </a:fld>
             <a:endParaRPr lang="hu-HU">
               <a:solidFill>
@@ -8411,7 +8414,7 @@
             <a:pPr algn="l"/>
             <a:fld id="{2508C36B-3B60-4C26-ADB5-50C5F67D672E}" type="datetime4">
               <a:rPr lang="hu-HU" smtClean="0"/>
-              <a:t>2024. december 10.</a:t>
+              <a:t>2024. december 11.</a:t>
             </a:fld>
             <a:endParaRPr lang="hu-HU">
               <a:solidFill>
@@ -8822,7 +8825,7 @@
             <a:pPr algn="l"/>
             <a:fld id="{2508C36B-3B60-4C26-ADB5-50C5F67D672E}" type="datetime4">
               <a:rPr lang="hu-HU" smtClean="0"/>
-              <a:t>2024. december 10.</a:t>
+              <a:t>2024. december 11.</a:t>
             </a:fld>
             <a:endParaRPr lang="hu-HU">
               <a:solidFill>
@@ -9173,7 +9176,7 @@
             <a:pPr algn="l"/>
             <a:fld id="{2508C36B-3B60-4C26-ADB5-50C5F67D672E}" type="datetime4">
               <a:rPr lang="hu-HU" smtClean="0"/>
-              <a:t>2024. december 10.</a:t>
+              <a:t>2024. december 11.</a:t>
             </a:fld>
             <a:endParaRPr lang="hu-HU">
               <a:solidFill>
@@ -9647,7 +9650,7 @@
             <a:pPr algn="l"/>
             <a:fld id="{2508C36B-3B60-4C26-ADB5-50C5F67D672E}" type="datetime4">
               <a:rPr lang="hu-HU" smtClean="0"/>
-              <a:t>2024. december 10.</a:t>
+              <a:t>2024. december 11.</a:t>
             </a:fld>
             <a:endParaRPr lang="hu-HU">
               <a:solidFill>
@@ -10040,7 +10043,7 @@
             <a:pPr algn="l"/>
             <a:fld id="{2508C36B-3B60-4C26-ADB5-50C5F67D672E}" type="datetime4">
               <a:rPr lang="hu-HU" smtClean="0"/>
-              <a:t>2024. december 10.</a:t>
+              <a:t>2024. december 11.</a:t>
             </a:fld>
             <a:endParaRPr lang="hu-HU">
               <a:solidFill>
@@ -10446,7 +10449,7 @@
             <a:pPr algn="l"/>
             <a:fld id="{2508C36B-3B60-4C26-ADB5-50C5F67D672E}" type="datetime4">
               <a:rPr lang="hu-HU" smtClean="0"/>
-              <a:t>2024. december 10.</a:t>
+              <a:t>2024. december 11.</a:t>
             </a:fld>
             <a:endParaRPr lang="hu-HU">
               <a:solidFill>
@@ -10903,7 +10906,7 @@
             <a:pPr algn="l"/>
             <a:fld id="{2508C36B-3B60-4C26-ADB5-50C5F67D672E}" type="datetime4">
               <a:rPr lang="hu-HU" smtClean="0"/>
-              <a:t>2024. december 10.</a:t>
+              <a:t>2024. december 11.</a:t>
             </a:fld>
             <a:endParaRPr lang="hu-HU">
               <a:solidFill>
@@ -11404,7 +11407,7 @@
             <a:pPr algn="l"/>
             <a:fld id="{2508C36B-3B60-4C26-ADB5-50C5F67D672E}" type="datetime4">
               <a:rPr lang="hu-HU" smtClean="0"/>
-              <a:t>2024. december 10.</a:t>
+              <a:t>2024. december 11.</a:t>
             </a:fld>
             <a:endParaRPr lang="hu-HU">
               <a:solidFill>
@@ -11953,7 +11956,7 @@
             <a:pPr algn="l"/>
             <a:fld id="{2508C36B-3B60-4C26-ADB5-50C5F67D672E}" type="datetime4">
               <a:rPr lang="hu-HU" smtClean="0"/>
-              <a:t>2024. december 10.</a:t>
+              <a:t>2024. december 11.</a:t>
             </a:fld>
             <a:endParaRPr lang="hu-HU">
               <a:solidFill>
@@ -12501,7 +12504,7 @@
             <a:pPr algn="l"/>
             <a:fld id="{2508C36B-3B60-4C26-ADB5-50C5F67D672E}" type="datetime4">
               <a:rPr lang="hu-HU" smtClean="0"/>
-              <a:t>2024. december 10.</a:t>
+              <a:t>2024. december 11.</a:t>
             </a:fld>
             <a:endParaRPr lang="hu-HU">
               <a:solidFill>
@@ -13049,7 +13052,7 @@
             <a:pPr algn="l"/>
             <a:fld id="{2508C36B-3B60-4C26-ADB5-50C5F67D672E}" type="datetime4">
               <a:rPr lang="hu-HU" smtClean="0"/>
-              <a:t>2024. december 10.</a:t>
+              <a:t>2024. december 11.</a:t>
             </a:fld>
             <a:endParaRPr lang="hu-HU">
               <a:solidFill>
@@ -13570,7 +13573,7 @@
             <a:pPr algn="l"/>
             <a:fld id="{2508C36B-3B60-4C26-ADB5-50C5F67D672E}" type="datetime4">
               <a:rPr lang="hu-HU" smtClean="0"/>
-              <a:t>2024. december 10.</a:t>
+              <a:t>2024. december 11.</a:t>
             </a:fld>
             <a:endParaRPr lang="hu-HU">
               <a:solidFill>
@@ -14124,7 +14127,7 @@
             <a:pPr algn="l"/>
             <a:fld id="{2508C36B-3B60-4C26-ADB5-50C5F67D672E}" type="datetime4">
               <a:rPr lang="hu-HU" smtClean="0"/>
-              <a:t>2024. december 10.</a:t>
+              <a:t>2024. december 11.</a:t>
             </a:fld>
             <a:endParaRPr lang="hu-HU">
               <a:solidFill>
@@ -14586,7 +14589,7 @@
             <a:pPr algn="l"/>
             <a:fld id="{2508C36B-3B60-4C26-ADB5-50C5F67D672E}" type="datetime4">
               <a:rPr lang="hu-HU" smtClean="0"/>
-              <a:t>2024. december 10.</a:t>
+              <a:t>2024. december 11.</a:t>
             </a:fld>
             <a:endParaRPr lang="hu-HU">
               <a:solidFill>
@@ -15035,7 +15038,7 @@
             <a:pPr algn="l"/>
             <a:fld id="{2508C36B-3B60-4C26-ADB5-50C5F67D672E}" type="datetime4">
               <a:rPr lang="hu-HU" smtClean="0"/>
-              <a:t>2024. december 10.</a:t>
+              <a:t>2024. december 11.</a:t>
             </a:fld>
             <a:endParaRPr lang="hu-HU">
               <a:solidFill>
@@ -15445,7 +15448,7 @@
             <a:pPr algn="l"/>
             <a:fld id="{2508C36B-3B60-4C26-ADB5-50C5F67D672E}" type="datetime4">
               <a:rPr lang="hu-HU" smtClean="0"/>
-              <a:t>2024. december 10.</a:t>
+              <a:t>2024. december 11.</a:t>
             </a:fld>
             <a:endParaRPr lang="hu-HU">
               <a:solidFill>
@@ -15779,7 +15782,7 @@
             <a:pPr algn="l"/>
             <a:fld id="{2508C36B-3B60-4C26-ADB5-50C5F67D672E}" type="datetime4">
               <a:rPr lang="hu-HU" smtClean="0"/>
-              <a:t>2024. december 10.</a:t>
+              <a:t>2024. december 11.</a:t>
             </a:fld>
             <a:endParaRPr lang="hu-HU">
               <a:solidFill>
@@ -16336,6 +16339,636 @@
           <p:cNvPr id="3" name="Cím 2">
             <a:extLst>
               <a:ext uri="{FF2B5EF4-FFF2-40B4-BE49-F238E27FC236}">
+                <a16:creationId xmlns:a16="http://schemas.microsoft.com/office/drawing/2014/main" id="{9FE87413-B453-75F6-439A-866B15D85D04}"/>
+              </a:ext>
+            </a:extLst>
+          </p:cNvPr>
+          <p:cNvSpPr>
+            <a:spLocks noGrp="1"/>
+          </p:cNvSpPr>
+          <p:nvPr>
+            <p:ph type="ctrTitle"/>
+          </p:nvPr>
+        </p:nvSpPr>
+        <p:spPr/>
+        <p:txBody>
+          <a:bodyPr/>
+          <a:lstStyle/>
+          <a:p>
+            <a:r>
+              <a:rPr lang="hu-HU" dirty="0"/>
+              <a:t>Modellek</a:t>
+            </a:r>
+          </a:p>
+        </p:txBody>
+      </p:sp>
+      <p:sp>
+        <p:nvSpPr>
+          <p:cNvPr id="4" name="Tartalom helye 3">
+            <a:extLst>
+              <a:ext uri="{FF2B5EF4-FFF2-40B4-BE49-F238E27FC236}">
+                <a16:creationId xmlns:a16="http://schemas.microsoft.com/office/drawing/2014/main" id="{FC7F6145-4BCD-339F-A95C-AF19A104E516}"/>
+              </a:ext>
+            </a:extLst>
+          </p:cNvPr>
+          <p:cNvSpPr>
+            <a:spLocks noGrp="1"/>
+          </p:cNvSpPr>
+          <p:nvPr>
+            <p:ph idx="13"/>
+          </p:nvPr>
+        </p:nvSpPr>
+        <p:spPr>
+          <a:xfrm>
+            <a:off x="156518" y="1621411"/>
+            <a:ext cx="8777575" cy="2917210"/>
+          </a:xfrm>
+        </p:spPr>
+        <p:txBody>
+          <a:bodyPr/>
+          <a:lstStyle/>
+          <a:p>
+            <a:pPr marL="457200" indent="-457200">
+              <a:buAutoNum type="arabicPeriod"/>
+            </a:pPr>
+            <a:r>
+              <a:rPr lang="hu-HU" sz="2400" dirty="0" err="1"/>
+              <a:t>RandomForestRegressor</a:t>
+            </a:r>
+            <a:endParaRPr lang="hu-HU" sz="2400" dirty="0"/>
+          </a:p>
+          <a:p>
+            <a:pPr marL="457200" indent="-457200">
+              <a:buAutoNum type="arabicPeriod"/>
+            </a:pPr>
+            <a:r>
+              <a:rPr lang="hu-HU" sz="2400" dirty="0" err="1"/>
+              <a:t>LinearRegression</a:t>
+            </a:r>
+            <a:endParaRPr lang="hu-HU" sz="2400" dirty="0"/>
+          </a:p>
+          <a:p>
+            <a:pPr marL="457200" indent="-457200">
+              <a:buAutoNum type="arabicPeriod"/>
+            </a:pPr>
+            <a:r>
+              <a:rPr lang="hu-HU" sz="2400" dirty="0" err="1"/>
+              <a:t>Keras</a:t>
+            </a:r>
+            <a:r>
+              <a:rPr lang="hu-HU" sz="2400" dirty="0"/>
+              <a:t> </a:t>
+            </a:r>
+            <a:r>
+              <a:rPr lang="hu-HU" sz="2400" dirty="0" err="1"/>
+              <a:t>Sequential</a:t>
+            </a:r>
+            <a:r>
+              <a:rPr lang="hu-HU" sz="2400" dirty="0"/>
+              <a:t> Model</a:t>
+            </a:r>
+          </a:p>
+          <a:p>
+            <a:pPr marL="457200" indent="-457200">
+              <a:buAutoNum type="arabicPeriod"/>
+            </a:pPr>
+            <a:r>
+              <a:rPr lang="hu-HU" sz="2400" dirty="0" err="1"/>
+              <a:t>Ensemble</a:t>
+            </a:r>
+            <a:r>
+              <a:rPr lang="hu-HU" sz="2400" dirty="0"/>
+              <a:t> módszer</a:t>
+            </a:r>
+          </a:p>
+          <a:p>
+            <a:pPr marL="457200" indent="-457200">
+              <a:buAutoNum type="arabicPeriod"/>
+            </a:pPr>
+            <a:endParaRPr lang="hu-HU" sz="2400" dirty="0"/>
+          </a:p>
+          <a:p>
+            <a:r>
+              <a:rPr lang="hu-HU" sz="2400" b="1" dirty="0"/>
+              <a:t>Végső modell: </a:t>
+            </a:r>
+            <a:r>
+              <a:rPr lang="hu-HU" sz="2400" dirty="0" err="1"/>
+              <a:t>RandomForestRegressor</a:t>
+            </a:r>
+            <a:endParaRPr lang="hu-HU" sz="2400" dirty="0"/>
+          </a:p>
+          <a:p>
+            <a:r>
+              <a:rPr lang="hu-HU" dirty="0"/>
+              <a:t>	</a:t>
+            </a:r>
+          </a:p>
+        </p:txBody>
+      </p:sp>
+      <p:sp>
+        <p:nvSpPr>
+          <p:cNvPr id="5" name="Dia számának helye 4">
+            <a:extLst>
+              <a:ext uri="{FF2B5EF4-FFF2-40B4-BE49-F238E27FC236}">
+                <a16:creationId xmlns:a16="http://schemas.microsoft.com/office/drawing/2014/main" id="{75D72553-5CF4-45E8-41BE-D460CA7660A6}"/>
+              </a:ext>
+            </a:extLst>
+          </p:cNvPr>
+          <p:cNvSpPr>
+            <a:spLocks noGrp="1"/>
+          </p:cNvSpPr>
+          <p:nvPr>
+            <p:ph type="sldNum" sz="quarter" idx="12"/>
+          </p:nvPr>
+        </p:nvSpPr>
+        <p:spPr/>
+        <p:txBody>
+          <a:bodyPr/>
+          <a:lstStyle/>
+          <a:p>
+            <a:fld id="{C7F6CC59-61C1-4407-B4E9-D5A9FC9455DF}" type="slidenum">
+              <a:rPr lang="hu-HU" smtClean="0"/>
+              <a:pPr/>
+              <a:t>10</a:t>
+            </a:fld>
+            <a:r>
+              <a:rPr lang="hu-HU"/>
+              <a:t>/34</a:t>
+            </a:r>
+          </a:p>
+        </p:txBody>
+      </p:sp>
+    </p:spTree>
+    <p:extLst>
+      <p:ext uri="{BB962C8B-B14F-4D97-AF65-F5344CB8AC3E}">
+        <p14:creationId xmlns:p14="http://schemas.microsoft.com/office/powerpoint/2010/main" val="1212176153"/>
+      </p:ext>
+    </p:extLst>
+  </p:cSld>
+  <p:clrMapOvr>
+    <a:masterClrMapping/>
+  </p:clrMapOvr>
+</p:sld>
+</file>
+
+<file path=ppt/slides/slide11.xml><?xml version="1.0" encoding="utf-8"?>
+<p:sld xmlns:a="http://schemas.openxmlformats.org/drawingml/2006/main" xmlns:r="http://schemas.openxmlformats.org/officeDocument/2006/relationships" xmlns:p="http://schemas.openxmlformats.org/presentationml/2006/main">
+  <p:cSld>
+    <p:spTree>
+      <p:nvGrpSpPr>
+        <p:cNvPr id="1" name=""/>
+        <p:cNvGrpSpPr/>
+        <p:nvPr/>
+      </p:nvGrpSpPr>
+      <p:grpSpPr>
+        <a:xfrm>
+          <a:off x="0" y="0"/>
+          <a:ext cx="0" cy="0"/>
+          <a:chOff x="0" y="0"/>
+          <a:chExt cx="0" cy="0"/>
+        </a:xfrm>
+      </p:grpSpPr>
+      <p:sp>
+        <p:nvSpPr>
+          <p:cNvPr id="4" name="Tartalom helye 3">
+            <a:extLst>
+              <a:ext uri="{FF2B5EF4-FFF2-40B4-BE49-F238E27FC236}">
+                <a16:creationId xmlns:a16="http://schemas.microsoft.com/office/drawing/2014/main" id="{6ED6BC19-0D84-A2D1-AC91-96E4490D4940}"/>
+              </a:ext>
+            </a:extLst>
+          </p:cNvPr>
+          <p:cNvSpPr>
+            <a:spLocks noGrp="1"/>
+          </p:cNvSpPr>
+          <p:nvPr>
+            <p:ph sz="half" idx="1"/>
+          </p:nvPr>
+        </p:nvSpPr>
+        <p:spPr>
+          <a:xfrm>
+            <a:off x="156519" y="1621410"/>
+            <a:ext cx="8506714" cy="4326332"/>
+          </a:xfrm>
+        </p:spPr>
+        <p:txBody>
+          <a:bodyPr>
+            <a:normAutofit/>
+          </a:bodyPr>
+          <a:lstStyle/>
+          <a:p>
+            <a:r>
+              <a:rPr lang="hu-HU" sz="2400" dirty="0"/>
+              <a:t>Legjobb paraméterek keresése </a:t>
+            </a:r>
+            <a:r>
+              <a:rPr lang="hu-HU" sz="2400" dirty="0" err="1"/>
+              <a:t>RandomSearchCV</a:t>
+            </a:r>
+            <a:r>
+              <a:rPr lang="hu-HU" sz="2400" dirty="0"/>
+              <a:t>-vel</a:t>
+            </a:r>
+          </a:p>
+          <a:p>
+            <a:r>
+              <a:rPr lang="hu-HU" sz="2400" dirty="0"/>
+              <a:t>Legjobb paraméterek</a:t>
+            </a:r>
+            <a:br>
+              <a:rPr lang="hu-HU" sz="2400" dirty="0"/>
+            </a:br>
+            <a:r>
+              <a:rPr lang="hu-HU" sz="2400" b="0" i="0" dirty="0">
+                <a:effectLst/>
+              </a:rPr>
+              <a:t>{'</a:t>
+            </a:r>
+            <a:r>
+              <a:rPr lang="hu-HU" sz="2400" b="0" i="0" dirty="0" err="1">
+                <a:effectLst/>
+              </a:rPr>
+              <a:t>n_estimators</a:t>
+            </a:r>
+            <a:r>
+              <a:rPr lang="hu-HU" sz="2400" b="0" i="0" dirty="0">
+                <a:effectLst/>
+              </a:rPr>
+              <a:t>': 200, </a:t>
+            </a:r>
+            <a:br>
+              <a:rPr lang="hu-HU" sz="2400" b="0" i="0" dirty="0">
+                <a:effectLst/>
+              </a:rPr>
+            </a:br>
+            <a:r>
+              <a:rPr lang="hu-HU" sz="2400" b="0" i="0" dirty="0">
+                <a:effectLst/>
+              </a:rPr>
+              <a:t> '</a:t>
+            </a:r>
+            <a:r>
+              <a:rPr lang="hu-HU" sz="2400" b="0" i="0" dirty="0" err="1">
+                <a:effectLst/>
+              </a:rPr>
+              <a:t>min_samples_split</a:t>
+            </a:r>
+            <a:r>
+              <a:rPr lang="hu-HU" sz="2400" b="0" i="0" dirty="0">
+                <a:effectLst/>
+              </a:rPr>
+              <a:t>': 5,</a:t>
+            </a:r>
+            <a:br>
+              <a:rPr lang="hu-HU" sz="2400" b="0" i="0" dirty="0">
+                <a:effectLst/>
+              </a:rPr>
+            </a:br>
+            <a:r>
+              <a:rPr lang="hu-HU" sz="2400" b="0" i="0" dirty="0">
+                <a:effectLst/>
+              </a:rPr>
+              <a:t> '</a:t>
+            </a:r>
+            <a:r>
+              <a:rPr lang="hu-HU" sz="2400" b="0" i="0" dirty="0" err="1">
+                <a:effectLst/>
+              </a:rPr>
+              <a:t>min_samples_leaf</a:t>
+            </a:r>
+            <a:r>
+              <a:rPr lang="hu-HU" sz="2400" b="0" i="0" dirty="0">
+                <a:effectLst/>
+              </a:rPr>
+              <a:t>': 2,</a:t>
+            </a:r>
+            <a:br>
+              <a:rPr lang="hu-HU" sz="2400" b="0" i="0" dirty="0">
+                <a:effectLst/>
+              </a:rPr>
+            </a:br>
+            <a:r>
+              <a:rPr lang="hu-HU" sz="2400" b="0" i="0" dirty="0">
+                <a:effectLst/>
+              </a:rPr>
+              <a:t> '</a:t>
+            </a:r>
+            <a:r>
+              <a:rPr lang="hu-HU" sz="2400" b="0" i="0" dirty="0" err="1">
+                <a:effectLst/>
+              </a:rPr>
+              <a:t>max_depth</a:t>
+            </a:r>
+            <a:r>
+              <a:rPr lang="hu-HU" sz="2400" b="0" i="0" dirty="0">
+                <a:effectLst/>
+              </a:rPr>
+              <a:t>': </a:t>
+            </a:r>
+            <a:r>
+              <a:rPr lang="hu-HU" sz="2400" b="0" i="0" dirty="0" err="1">
+                <a:effectLst/>
+              </a:rPr>
+              <a:t>None</a:t>
+            </a:r>
+            <a:r>
+              <a:rPr lang="hu-HU" sz="2400" b="0" i="0" dirty="0">
+                <a:effectLst/>
+              </a:rPr>
+              <a:t>}</a:t>
+            </a:r>
+          </a:p>
+        </p:txBody>
+      </p:sp>
+      <p:sp>
+        <p:nvSpPr>
+          <p:cNvPr id="3" name="Cím 2">
+            <a:extLst>
+              <a:ext uri="{FF2B5EF4-FFF2-40B4-BE49-F238E27FC236}">
+                <a16:creationId xmlns:a16="http://schemas.microsoft.com/office/drawing/2014/main" id="{ABBAFB88-0BE1-7A82-F004-318CE41E8D8A}"/>
+              </a:ext>
+            </a:extLst>
+          </p:cNvPr>
+          <p:cNvSpPr>
+            <a:spLocks noGrp="1"/>
+          </p:cNvSpPr>
+          <p:nvPr>
+            <p:ph type="ctrTitle"/>
+          </p:nvPr>
+        </p:nvSpPr>
+        <p:spPr>
+          <a:xfrm>
+            <a:off x="156519" y="840261"/>
+            <a:ext cx="8777575" cy="601362"/>
+          </a:xfrm>
+        </p:spPr>
+        <p:txBody>
+          <a:bodyPr anchor="b">
+            <a:normAutofit/>
+          </a:bodyPr>
+          <a:lstStyle/>
+          <a:p>
+            <a:r>
+              <a:rPr lang="hu-HU" dirty="0" err="1"/>
+              <a:t>RandomForestRegressor</a:t>
+            </a:r>
+            <a:endParaRPr lang="hu-HU" dirty="0"/>
+          </a:p>
+        </p:txBody>
+      </p:sp>
+      <p:sp>
+        <p:nvSpPr>
+          <p:cNvPr id="5" name="Dia számának helye 4">
+            <a:extLst>
+              <a:ext uri="{FF2B5EF4-FFF2-40B4-BE49-F238E27FC236}">
+                <a16:creationId xmlns:a16="http://schemas.microsoft.com/office/drawing/2014/main" id="{3AE5F26E-9102-93D5-8B35-EC06B8085D43}"/>
+              </a:ext>
+            </a:extLst>
+          </p:cNvPr>
+          <p:cNvSpPr>
+            <a:spLocks noGrp="1"/>
+          </p:cNvSpPr>
+          <p:nvPr>
+            <p:ph type="sldNum" sz="quarter" idx="12"/>
+          </p:nvPr>
+        </p:nvSpPr>
+        <p:spPr>
+          <a:xfrm>
+            <a:off x="6876694" y="6492875"/>
+            <a:ext cx="2057400" cy="365125"/>
+          </a:xfrm>
+        </p:spPr>
+        <p:txBody>
+          <a:bodyPr>
+            <a:normAutofit/>
+          </a:bodyPr>
+          <a:lstStyle/>
+          <a:p>
+            <a:pPr>
+              <a:lnSpc>
+                <a:spcPct val="90000"/>
+              </a:lnSpc>
+              <a:spcAft>
+                <a:spcPts val="600"/>
+              </a:spcAft>
+            </a:pPr>
+            <a:fld id="{C7F6CC59-61C1-4407-B4E9-D5A9FC9455DF}" type="slidenum">
+              <a:rPr lang="hu-HU" smtClean="0"/>
+              <a:pPr>
+                <a:lnSpc>
+                  <a:spcPct val="90000"/>
+                </a:lnSpc>
+                <a:spcAft>
+                  <a:spcPts val="600"/>
+                </a:spcAft>
+              </a:pPr>
+              <a:t>11</a:t>
+            </a:fld>
+            <a:r>
+              <a:rPr lang="hu-HU"/>
+              <a:t>/34</a:t>
+            </a:r>
+          </a:p>
+        </p:txBody>
+      </p:sp>
+    </p:spTree>
+    <p:extLst>
+      <p:ext uri="{BB962C8B-B14F-4D97-AF65-F5344CB8AC3E}">
+        <p14:creationId xmlns:p14="http://schemas.microsoft.com/office/powerpoint/2010/main" val="3127634779"/>
+      </p:ext>
+    </p:extLst>
+  </p:cSld>
+  <p:clrMapOvr>
+    <a:masterClrMapping/>
+  </p:clrMapOvr>
+</p:sld>
+</file>
+
+<file path=ppt/slides/slide12.xml><?xml version="1.0" encoding="utf-8"?>
+<p:sld xmlns:a="http://schemas.openxmlformats.org/drawingml/2006/main" xmlns:r="http://schemas.openxmlformats.org/officeDocument/2006/relationships" xmlns:p="http://schemas.openxmlformats.org/presentationml/2006/main">
+  <p:cSld>
+    <p:spTree>
+      <p:nvGrpSpPr>
+        <p:cNvPr id="1" name=""/>
+        <p:cNvGrpSpPr/>
+        <p:nvPr/>
+      </p:nvGrpSpPr>
+      <p:grpSpPr>
+        <a:xfrm>
+          <a:off x="0" y="0"/>
+          <a:ext cx="0" cy="0"/>
+          <a:chOff x="0" y="0"/>
+          <a:chExt cx="0" cy="0"/>
+        </a:xfrm>
+      </p:grpSpPr>
+      <p:sp>
+        <p:nvSpPr>
+          <p:cNvPr id="3" name="Cím 2">
+            <a:extLst>
+              <a:ext uri="{FF2B5EF4-FFF2-40B4-BE49-F238E27FC236}">
+                <a16:creationId xmlns:a16="http://schemas.microsoft.com/office/drawing/2014/main" id="{F2501C88-7CA7-DDDE-CA79-8336E5F60933}"/>
+              </a:ext>
+            </a:extLst>
+          </p:cNvPr>
+          <p:cNvSpPr>
+            <a:spLocks noGrp="1"/>
+          </p:cNvSpPr>
+          <p:nvPr>
+            <p:ph type="ctrTitle"/>
+          </p:nvPr>
+        </p:nvSpPr>
+        <p:spPr/>
+        <p:txBody>
+          <a:bodyPr/>
+          <a:lstStyle/>
+          <a:p>
+            <a:r>
+              <a:rPr lang="hu-HU" dirty="0"/>
+              <a:t>Linear Regression</a:t>
+            </a:r>
+          </a:p>
+        </p:txBody>
+      </p:sp>
+      <p:sp>
+        <p:nvSpPr>
+          <p:cNvPr id="5" name="Dia számának helye 4">
+            <a:extLst>
+              <a:ext uri="{FF2B5EF4-FFF2-40B4-BE49-F238E27FC236}">
+                <a16:creationId xmlns:a16="http://schemas.microsoft.com/office/drawing/2014/main" id="{172F6259-34C2-AADB-448A-258F709536AC}"/>
+              </a:ext>
+            </a:extLst>
+          </p:cNvPr>
+          <p:cNvSpPr>
+            <a:spLocks noGrp="1"/>
+          </p:cNvSpPr>
+          <p:nvPr>
+            <p:ph type="sldNum" sz="quarter" idx="12"/>
+          </p:nvPr>
+        </p:nvSpPr>
+        <p:spPr/>
+        <p:txBody>
+          <a:bodyPr/>
+          <a:lstStyle/>
+          <a:p>
+            <a:fld id="{C7F6CC59-61C1-4407-B4E9-D5A9FC9455DF}" type="slidenum">
+              <a:rPr lang="hu-HU" smtClean="0"/>
+              <a:pPr/>
+              <a:t>12</a:t>
+            </a:fld>
+            <a:r>
+              <a:rPr lang="hu-HU"/>
+              <a:t>/34</a:t>
+            </a:r>
+          </a:p>
+        </p:txBody>
+      </p:sp>
+      <p:sp>
+        <p:nvSpPr>
+          <p:cNvPr id="6" name="Tartalom helye 5">
+            <a:extLst>
+              <a:ext uri="{FF2B5EF4-FFF2-40B4-BE49-F238E27FC236}">
+                <a16:creationId xmlns:a16="http://schemas.microsoft.com/office/drawing/2014/main" id="{C158B926-4C07-438E-308C-65D87A5DBAAF}"/>
+              </a:ext>
+            </a:extLst>
+          </p:cNvPr>
+          <p:cNvSpPr>
+            <a:spLocks noGrp="1"/>
+          </p:cNvSpPr>
+          <p:nvPr>
+            <p:ph idx="13"/>
+          </p:nvPr>
+        </p:nvSpPr>
+        <p:spPr>
+          <a:xfrm>
+            <a:off x="156518" y="1621409"/>
+            <a:ext cx="8777575" cy="4140563"/>
+          </a:xfrm>
+        </p:spPr>
+        <p:txBody>
+          <a:bodyPr/>
+          <a:lstStyle/>
+          <a:p>
+            <a:pPr marL="342900" indent="-342900">
+              <a:buFont typeface="Arial" panose="020B0604020202020204" pitchFamily="34" charset="0"/>
+              <a:buChar char="•"/>
+            </a:pPr>
+            <a:r>
+              <a:rPr lang="hu-HU" sz="2400" dirty="0"/>
+              <a:t>Nem igényel </a:t>
+            </a:r>
+            <a:r>
+              <a:rPr lang="hu-HU" sz="2400" dirty="0" err="1"/>
+              <a:t>hiperparaméter-tuningot</a:t>
+            </a:r>
+            <a:endParaRPr lang="hu-HU" sz="2400" dirty="0"/>
+          </a:p>
+          <a:p>
+            <a:pPr marL="342900" indent="-342900">
+              <a:buFont typeface="Arial" panose="020B0604020202020204" pitchFamily="34" charset="0"/>
+              <a:buChar char="•"/>
+            </a:pPr>
+            <a:r>
+              <a:rPr lang="hu-HU" sz="2400" dirty="0"/>
+              <a:t>Egyszerű modell</a:t>
+            </a:r>
+          </a:p>
+          <a:p>
+            <a:pPr marL="342900" indent="-342900">
+              <a:buFont typeface="Arial" panose="020B0604020202020204" pitchFamily="34" charset="0"/>
+              <a:buChar char="•"/>
+            </a:pPr>
+            <a:r>
+              <a:rPr lang="hu-HU" sz="2400" dirty="0"/>
+              <a:t>Skálázás szükséges</a:t>
+            </a:r>
+          </a:p>
+          <a:p>
+            <a:pPr marL="342900" indent="-342900">
+              <a:buFont typeface="Arial" panose="020B0604020202020204" pitchFamily="34" charset="0"/>
+              <a:buChar char="•"/>
+            </a:pPr>
+            <a:r>
+              <a:rPr lang="hu-HU" sz="2400" dirty="0"/>
+              <a:t>Nem teljesített a legjobban</a:t>
+            </a:r>
+          </a:p>
+        </p:txBody>
+      </p:sp>
+    </p:spTree>
+    <p:extLst>
+      <p:ext uri="{BB962C8B-B14F-4D97-AF65-F5344CB8AC3E}">
+        <p14:creationId xmlns:p14="http://schemas.microsoft.com/office/powerpoint/2010/main" val="1743313231"/>
+      </p:ext>
+    </p:extLst>
+  </p:cSld>
+  <p:clrMapOvr>
+    <a:masterClrMapping/>
+  </p:clrMapOvr>
+</p:sld>
+</file>
+
+<file path=ppt/slides/slide13.xml><?xml version="1.0" encoding="utf-8"?>
+<p:sld xmlns:a="http://schemas.openxmlformats.org/drawingml/2006/main" xmlns:r="http://schemas.openxmlformats.org/officeDocument/2006/relationships" xmlns:p="http://schemas.openxmlformats.org/presentationml/2006/main">
+  <p:cSld>
+    <p:spTree>
+      <p:nvGrpSpPr>
+        <p:cNvPr id="1" name=""/>
+        <p:cNvGrpSpPr/>
+        <p:nvPr/>
+      </p:nvGrpSpPr>
+      <p:grpSpPr>
+        <a:xfrm>
+          <a:off x="0" y="0"/>
+          <a:ext cx="0" cy="0"/>
+          <a:chOff x="0" y="0"/>
+          <a:chExt cx="0" cy="0"/>
+        </a:xfrm>
+      </p:grpSpPr>
+      <p:sp>
+        <p:nvSpPr>
+          <p:cNvPr id="3" name="Cím 2">
+            <a:extLst>
+              <a:ext uri="{FF2B5EF4-FFF2-40B4-BE49-F238E27FC236}">
                 <a16:creationId xmlns:a16="http://schemas.microsoft.com/office/drawing/2014/main" id="{9B98F97B-64AB-0EA4-FB17-EF0EA85D913D}"/>
               </a:ext>
             </a:extLst>
@@ -16416,7 +17049,7 @@
             <a:fld id="{C7F6CC59-61C1-4407-B4E9-D5A9FC9455DF}" type="slidenum">
               <a:rPr lang="hu-HU" smtClean="0"/>
               <a:pPr/>
-              <a:t>10</a:t>
+              <a:t>13</a:t>
             </a:fld>
             <a:r>
               <a:rPr lang="hu-HU"/>
@@ -16438,7 +17071,7 @@
 </p:sld>
 </file>
 
-<file path=ppt/slides/slide11.xml><?xml version="1.0" encoding="utf-8"?>
+<file path=ppt/slides/slide14.xml><?xml version="1.0" encoding="utf-8"?>
 <p:sld xmlns:a="http://schemas.openxmlformats.org/drawingml/2006/main" xmlns:r="http://schemas.openxmlformats.org/officeDocument/2006/relationships" xmlns:p="http://schemas.openxmlformats.org/presentationml/2006/main">
   <p:cSld>
     <p:spTree>
@@ -16507,7 +17140,7 @@
             <a:fld id="{C7F6CC59-61C1-4407-B4E9-D5A9FC9455DF}" type="slidenum">
               <a:rPr lang="hu-HU" smtClean="0"/>
               <a:pPr/>
-              <a:t>11</a:t>
+              <a:t>14</a:t>
             </a:fld>
             <a:r>
               <a:rPr lang="hu-HU"/>
@@ -16516,61 +17149,145 @@
           </a:p>
         </p:txBody>
       </p:sp>
-      <p:pic>
-        <p:nvPicPr>
-          <p:cNvPr id="3074" name="Picture 2">
+      <p:sp>
+        <p:nvSpPr>
+          <p:cNvPr id="4" name="Szövegdoboz 3">
             <a:extLst>
               <a:ext uri="{FF2B5EF4-FFF2-40B4-BE49-F238E27FC236}">
-                <a16:creationId xmlns:a16="http://schemas.microsoft.com/office/drawing/2014/main" id="{A9EE71E4-DE5A-97DD-0186-2162B1524CFE}"/>
+                <a16:creationId xmlns:a16="http://schemas.microsoft.com/office/drawing/2014/main" id="{26676BA8-ECB3-2B32-6569-C23469361DB6}"/>
               </a:ext>
             </a:extLst>
           </p:cNvPr>
-          <p:cNvPicPr>
-            <a:picLocks noGrp="1" noChangeAspect="1" noChangeArrowheads="1"/>
-          </p:cNvPicPr>
-          <p:nvPr>
-            <p:ph idx="13"/>
-          </p:nvPr>
-        </p:nvPicPr>
-        <p:blipFill>
-          <a:blip r:embed="rId2" cstate="print">
-            <a:extLst>
-              <a:ext uri="{28A0092B-C50C-407E-A947-70E740481C1C}">
-                <a14:useLocalDpi xmlns:a14="http://schemas.microsoft.com/office/drawing/2010/main" val="0"/>
-              </a:ext>
-            </a:extLst>
-          </a:blip>
-          <a:srcRect/>
-          <a:stretch>
-            <a:fillRect/>
-          </a:stretch>
-        </p:blipFill>
-        <p:spPr bwMode="auto">
+          <p:cNvSpPr txBox="1"/>
+          <p:nvPr/>
+        </p:nvSpPr>
+        <p:spPr>
           <a:xfrm>
-            <a:off x="73905" y="2093824"/>
-            <a:ext cx="2916117" cy="2835227"/>
+            <a:off x="69858" y="1583057"/>
+            <a:ext cx="2920164" cy="369332"/>
           </a:xfrm>
           <a:prstGeom prst="rect">
             <a:avLst/>
           </a:prstGeom>
           <a:noFill/>
-          <a:extLst>
-            <a:ext uri="{909E8E84-426E-40DD-AFC4-6F175D3DCCD1}">
-              <a14:hiddenFill xmlns:a14="http://schemas.microsoft.com/office/drawing/2010/main">
-                <a:solidFill>
-                  <a:srgbClr val="FFFFFF"/>
-                </a:solidFill>
-              </a14:hiddenFill>
-            </a:ext>
-          </a:extLst>
         </p:spPr>
-      </p:pic>
+        <p:txBody>
+          <a:bodyPr wrap="square" rtlCol="0">
+            <a:spAutoFit/>
+          </a:bodyPr>
+          <a:lstStyle/>
+          <a:p>
+            <a:pPr algn="ctr"/>
+            <a:r>
+              <a:rPr lang="hu-HU" dirty="0" err="1">
+                <a:solidFill>
+                  <a:schemeClr val="bg1"/>
+                </a:solidFill>
+              </a:rPr>
+              <a:t>RandomForestRegressor</a:t>
+            </a:r>
+            <a:endParaRPr lang="hu-HU" dirty="0">
+              <a:solidFill>
+                <a:schemeClr val="bg1"/>
+              </a:solidFill>
+            </a:endParaRPr>
+          </a:p>
+        </p:txBody>
+      </p:sp>
+      <p:sp>
+        <p:nvSpPr>
+          <p:cNvPr id="6" name="Szövegdoboz 5">
+            <a:extLst>
+              <a:ext uri="{FF2B5EF4-FFF2-40B4-BE49-F238E27FC236}">
+                <a16:creationId xmlns:a16="http://schemas.microsoft.com/office/drawing/2014/main" id="{A8466C3A-EE85-AD61-60DB-90747233C103}"/>
+              </a:ext>
+            </a:extLst>
+          </p:cNvPr>
+          <p:cNvSpPr txBox="1"/>
+          <p:nvPr/>
+        </p:nvSpPr>
+        <p:spPr>
+          <a:xfrm>
+            <a:off x="3113942" y="1583057"/>
+            <a:ext cx="2920163" cy="369332"/>
+          </a:xfrm>
+          <a:prstGeom prst="rect">
+            <a:avLst/>
+          </a:prstGeom>
+          <a:noFill/>
+        </p:spPr>
+        <p:txBody>
+          <a:bodyPr wrap="square" rtlCol="0">
+            <a:spAutoFit/>
+          </a:bodyPr>
+          <a:lstStyle/>
+          <a:p>
+            <a:pPr algn="ctr"/>
+            <a:r>
+              <a:rPr lang="hu-HU" dirty="0">
+                <a:solidFill>
+                  <a:schemeClr val="bg1"/>
+                </a:solidFill>
+              </a:rPr>
+              <a:t>Linear Regression</a:t>
+            </a:r>
+          </a:p>
+        </p:txBody>
+      </p:sp>
+      <p:sp>
+        <p:nvSpPr>
+          <p:cNvPr id="7" name="Szövegdoboz 6">
+            <a:extLst>
+              <a:ext uri="{FF2B5EF4-FFF2-40B4-BE49-F238E27FC236}">
+                <a16:creationId xmlns:a16="http://schemas.microsoft.com/office/drawing/2014/main" id="{A14368AE-6024-99EE-D98B-D4727BDAA1AB}"/>
+              </a:ext>
+            </a:extLst>
+          </p:cNvPr>
+          <p:cNvSpPr txBox="1"/>
+          <p:nvPr/>
+        </p:nvSpPr>
+        <p:spPr>
+          <a:xfrm>
+            <a:off x="6153979" y="1583057"/>
+            <a:ext cx="2920163" cy="369332"/>
+          </a:xfrm>
+          <a:prstGeom prst="rect">
+            <a:avLst/>
+          </a:prstGeom>
+          <a:noFill/>
+        </p:spPr>
+        <p:txBody>
+          <a:bodyPr wrap="square" rtlCol="0">
+            <a:spAutoFit/>
+          </a:bodyPr>
+          <a:lstStyle/>
+          <a:p>
+            <a:pPr algn="ctr"/>
+            <a:r>
+              <a:rPr lang="hu-HU" dirty="0" err="1">
+                <a:solidFill>
+                  <a:schemeClr val="bg1"/>
+                </a:solidFill>
+              </a:rPr>
+              <a:t>Sequential</a:t>
+            </a:r>
+            <a:r>
+              <a:rPr lang="hu-HU" dirty="0">
+                <a:solidFill>
+                  <a:schemeClr val="bg1"/>
+                </a:solidFill>
+              </a:rPr>
+              <a:t> Model</a:t>
+            </a:r>
+          </a:p>
+        </p:txBody>
+      </p:sp>
       <p:pic>
         <p:nvPicPr>
-          <p:cNvPr id="3076" name="Picture 4">
+          <p:cNvPr id="1026" name="Picture 2">
             <a:extLst>
               <a:ext uri="{FF2B5EF4-FFF2-40B4-BE49-F238E27FC236}">
-                <a16:creationId xmlns:a16="http://schemas.microsoft.com/office/drawing/2014/main" id="{50010493-6AE5-B4C4-0127-8484C0D9CF08}"/>
+                <a16:creationId xmlns:a16="http://schemas.microsoft.com/office/drawing/2014/main" id="{6B0156AB-2422-D2DE-F672-42B43EEC2ED0}"/>
               </a:ext>
             </a:extLst>
           </p:cNvPr>
@@ -16594,8 +17311,8 @@
         </p:blipFill>
         <p:spPr bwMode="auto">
           <a:xfrm>
-            <a:off x="3113942" y="2093823"/>
-            <a:ext cx="2916117" cy="2835227"/>
+            <a:off x="81940" y="2093823"/>
+            <a:ext cx="2904035" cy="2823479"/>
           </a:xfrm>
           <a:prstGeom prst="rect">
             <a:avLst/>
@@ -16614,190 +17331,40 @@
       </p:pic>
       <p:pic>
         <p:nvPicPr>
-          <p:cNvPr id="3078" name="Picture 6">
+          <p:cNvPr id="10" name="Kép 9">
             <a:extLst>
               <a:ext uri="{FF2B5EF4-FFF2-40B4-BE49-F238E27FC236}">
-                <a16:creationId xmlns:a16="http://schemas.microsoft.com/office/drawing/2014/main" id="{249DAB28-1495-F3FF-CF5B-0D47A552BCAE}"/>
+                <a16:creationId xmlns:a16="http://schemas.microsoft.com/office/drawing/2014/main" id="{D36E2766-0F86-F323-19FA-F48D3B73B466}"/>
               </a:ext>
             </a:extLst>
           </p:cNvPr>
           <p:cNvPicPr>
-            <a:picLocks noChangeAspect="1" noChangeArrowheads="1"/>
+            <a:picLocks noChangeAspect="1"/>
           </p:cNvPicPr>
           <p:nvPr/>
         </p:nvPicPr>
         <p:blipFill>
-          <a:blip r:embed="rId3" cstate="print">
-            <a:extLst>
-              <a:ext uri="{28A0092B-C50C-407E-A947-70E740481C1C}">
-                <a14:useLocalDpi xmlns:a14="http://schemas.microsoft.com/office/drawing/2010/main" val="0"/>
-              </a:ext>
-            </a:extLst>
-          </a:blip>
-          <a:srcRect/>
+          <a:blip r:embed="rId3"/>
           <a:stretch>
             <a:fillRect/>
           </a:stretch>
         </p:blipFill>
-        <p:spPr bwMode="auto">
+        <p:spPr>
           <a:xfrm>
-            <a:off x="6153979" y="2093824"/>
-            <a:ext cx="2920163" cy="2835227"/>
+            <a:off x="485246" y="5058736"/>
+            <a:ext cx="2094843" cy="840119"/>
           </a:xfrm>
           <a:prstGeom prst="rect">
             <a:avLst/>
           </a:prstGeom>
-          <a:noFill/>
-          <a:extLst>
-            <a:ext uri="{909E8E84-426E-40DD-AFC4-6F175D3DCCD1}">
-              <a14:hiddenFill xmlns:a14="http://schemas.microsoft.com/office/drawing/2010/main">
-                <a:solidFill>
-                  <a:srgbClr val="FFFFFF"/>
-                </a:solidFill>
-              </a14:hiddenFill>
-            </a:ext>
-          </a:extLst>
         </p:spPr>
       </p:pic>
-      <p:sp>
-        <p:nvSpPr>
-          <p:cNvPr id="4" name="Szövegdoboz 3">
+      <p:pic>
+        <p:nvPicPr>
+          <p:cNvPr id="14" name="Kép 13">
             <a:extLst>
               <a:ext uri="{FF2B5EF4-FFF2-40B4-BE49-F238E27FC236}">
-                <a16:creationId xmlns:a16="http://schemas.microsoft.com/office/drawing/2014/main" id="{26676BA8-ECB3-2B32-6569-C23469361DB6}"/>
-              </a:ext>
-            </a:extLst>
-          </p:cNvPr>
-          <p:cNvSpPr txBox="1"/>
-          <p:nvPr/>
-        </p:nvSpPr>
-        <p:spPr>
-          <a:xfrm>
-            <a:off x="69858" y="1583057"/>
-            <a:ext cx="2920164" cy="369332"/>
-          </a:xfrm>
-          <a:prstGeom prst="rect">
-            <a:avLst/>
-          </a:prstGeom>
-          <a:noFill/>
-        </p:spPr>
-        <p:txBody>
-          <a:bodyPr wrap="square" rtlCol="0">
-            <a:spAutoFit/>
-          </a:bodyPr>
-          <a:lstStyle/>
-          <a:p>
-            <a:pPr algn="ctr"/>
-            <a:r>
-              <a:rPr lang="hu-HU" dirty="0" err="1">
-                <a:solidFill>
-                  <a:schemeClr val="bg1"/>
-                </a:solidFill>
-              </a:rPr>
-              <a:t>RandomForestRegressor</a:t>
-            </a:r>
-            <a:endParaRPr lang="hu-HU" dirty="0">
-              <a:solidFill>
-                <a:schemeClr val="bg1"/>
-              </a:solidFill>
-            </a:endParaRPr>
-          </a:p>
-        </p:txBody>
-      </p:sp>
-      <p:sp>
-        <p:nvSpPr>
-          <p:cNvPr id="6" name="Szövegdoboz 5">
-            <a:extLst>
-              <a:ext uri="{FF2B5EF4-FFF2-40B4-BE49-F238E27FC236}">
-                <a16:creationId xmlns:a16="http://schemas.microsoft.com/office/drawing/2014/main" id="{A8466C3A-EE85-AD61-60DB-90747233C103}"/>
-              </a:ext>
-            </a:extLst>
-          </p:cNvPr>
-          <p:cNvSpPr txBox="1"/>
-          <p:nvPr/>
-        </p:nvSpPr>
-        <p:spPr>
-          <a:xfrm>
-            <a:off x="3113942" y="1583057"/>
-            <a:ext cx="2920163" cy="369332"/>
-          </a:xfrm>
-          <a:prstGeom prst="rect">
-            <a:avLst/>
-          </a:prstGeom>
-          <a:noFill/>
-        </p:spPr>
-        <p:txBody>
-          <a:bodyPr wrap="square" rtlCol="0">
-            <a:spAutoFit/>
-          </a:bodyPr>
-          <a:lstStyle/>
-          <a:p>
-            <a:pPr algn="ctr"/>
-            <a:r>
-              <a:rPr lang="hu-HU" dirty="0">
-                <a:solidFill>
-                  <a:schemeClr val="bg1"/>
-                </a:solidFill>
-              </a:rPr>
-              <a:t>Linear Regression</a:t>
-            </a:r>
-          </a:p>
-        </p:txBody>
-      </p:sp>
-      <p:sp>
-        <p:nvSpPr>
-          <p:cNvPr id="7" name="Szövegdoboz 6">
-            <a:extLst>
-              <a:ext uri="{FF2B5EF4-FFF2-40B4-BE49-F238E27FC236}">
-                <a16:creationId xmlns:a16="http://schemas.microsoft.com/office/drawing/2014/main" id="{A14368AE-6024-99EE-D98B-D4727BDAA1AB}"/>
-              </a:ext>
-            </a:extLst>
-          </p:cNvPr>
-          <p:cNvSpPr txBox="1"/>
-          <p:nvPr/>
-        </p:nvSpPr>
-        <p:spPr>
-          <a:xfrm>
-            <a:off x="6153979" y="1583057"/>
-            <a:ext cx="2920163" cy="369332"/>
-          </a:xfrm>
-          <a:prstGeom prst="rect">
-            <a:avLst/>
-          </a:prstGeom>
-          <a:noFill/>
-        </p:spPr>
-        <p:txBody>
-          <a:bodyPr wrap="square" rtlCol="0">
-            <a:spAutoFit/>
-          </a:bodyPr>
-          <a:lstStyle/>
-          <a:p>
-            <a:pPr algn="ctr"/>
-            <a:r>
-              <a:rPr lang="hu-HU" dirty="0" err="1">
-                <a:solidFill>
-                  <a:schemeClr val="bg1"/>
-                </a:solidFill>
-              </a:rPr>
-              <a:t>Sequential</a:t>
-            </a:r>
-            <a:r>
-              <a:rPr lang="hu-HU" dirty="0">
-                <a:solidFill>
-                  <a:schemeClr val="bg1"/>
-                </a:solidFill>
-              </a:rPr>
-              <a:t> Model</a:t>
-            </a:r>
-          </a:p>
-        </p:txBody>
-      </p:sp>
-      <p:pic>
-        <p:nvPicPr>
-          <p:cNvPr id="9" name="Kép 8">
-            <a:extLst>
-              <a:ext uri="{FF2B5EF4-FFF2-40B4-BE49-F238E27FC236}">
-                <a16:creationId xmlns:a16="http://schemas.microsoft.com/office/drawing/2014/main" id="{0F84A483-BD6B-51B9-6ADA-639E109D0C3B}"/>
+                <a16:creationId xmlns:a16="http://schemas.microsoft.com/office/drawing/2014/main" id="{F2A4C340-2FAE-F1C0-7A27-F0B84A8EA97C}"/>
               </a:ext>
             </a:extLst>
           </p:cNvPr>
@@ -16814,8 +17381,8 @@
         </p:blipFill>
         <p:spPr>
           <a:xfrm>
-            <a:off x="6563910" y="5070485"/>
-            <a:ext cx="2100299" cy="840119"/>
+            <a:off x="3559479" y="5069696"/>
+            <a:ext cx="2025041" cy="818198"/>
           </a:xfrm>
           <a:prstGeom prst="rect">
             <a:avLst/>
@@ -16824,10 +17391,104 @@
       </p:pic>
       <p:pic>
         <p:nvPicPr>
-          <p:cNvPr id="11" name="Kép 10">
+          <p:cNvPr id="1032" name="Picture 8">
             <a:extLst>
               <a:ext uri="{FF2B5EF4-FFF2-40B4-BE49-F238E27FC236}">
-                <a16:creationId xmlns:a16="http://schemas.microsoft.com/office/drawing/2014/main" id="{E18F4531-E31C-7366-2D70-7D326F2EE590}"/>
+                <a16:creationId xmlns:a16="http://schemas.microsoft.com/office/drawing/2014/main" id="{08661D02-B942-5B7B-0865-8178AA5C7D87}"/>
+              </a:ext>
+            </a:extLst>
+          </p:cNvPr>
+          <p:cNvPicPr>
+            <a:picLocks noChangeAspect="1" noChangeArrowheads="1"/>
+          </p:cNvPicPr>
+          <p:nvPr/>
+        </p:nvPicPr>
+        <p:blipFill>
+          <a:blip r:embed="rId5" cstate="print">
+            <a:extLst>
+              <a:ext uri="{28A0092B-C50C-407E-A947-70E740481C1C}">
+                <a14:useLocalDpi xmlns:a14="http://schemas.microsoft.com/office/drawing/2010/main" val="0"/>
+              </a:ext>
+            </a:extLst>
+          </a:blip>
+          <a:srcRect/>
+          <a:stretch>
+            <a:fillRect/>
+          </a:stretch>
+        </p:blipFill>
+        <p:spPr bwMode="auto">
+          <a:xfrm>
+            <a:off x="3063383" y="2093824"/>
+            <a:ext cx="3013187" cy="2835227"/>
+          </a:xfrm>
+          <a:prstGeom prst="rect">
+            <a:avLst/>
+          </a:prstGeom>
+          <a:noFill/>
+          <a:extLst>
+            <a:ext uri="{909E8E84-426E-40DD-AFC4-6F175D3DCCD1}">
+              <a14:hiddenFill xmlns:a14="http://schemas.microsoft.com/office/drawing/2010/main">
+                <a:solidFill>
+                  <a:srgbClr val="FFFFFF"/>
+                </a:solidFill>
+              </a14:hiddenFill>
+            </a:ext>
+          </a:extLst>
+        </p:spPr>
+      </p:pic>
+      <p:pic>
+        <p:nvPicPr>
+          <p:cNvPr id="1034" name="Picture 10">
+            <a:extLst>
+              <a:ext uri="{FF2B5EF4-FFF2-40B4-BE49-F238E27FC236}">
+                <a16:creationId xmlns:a16="http://schemas.microsoft.com/office/drawing/2014/main" id="{07F19DB5-D038-51BD-9FD9-B4AF54A3CD3C}"/>
+              </a:ext>
+            </a:extLst>
+          </p:cNvPr>
+          <p:cNvPicPr>
+            <a:picLocks noChangeAspect="1" noChangeArrowheads="1"/>
+          </p:cNvPicPr>
+          <p:nvPr/>
+        </p:nvPicPr>
+        <p:blipFill>
+          <a:blip r:embed="rId6" cstate="print">
+            <a:extLst>
+              <a:ext uri="{28A0092B-C50C-407E-A947-70E740481C1C}">
+                <a14:useLocalDpi xmlns:a14="http://schemas.microsoft.com/office/drawing/2010/main" val="0"/>
+              </a:ext>
+            </a:extLst>
+          </a:blip>
+          <a:srcRect/>
+          <a:stretch>
+            <a:fillRect/>
+          </a:stretch>
+        </p:blipFill>
+        <p:spPr bwMode="auto">
+          <a:xfrm>
+            <a:off x="6157723" y="2093822"/>
+            <a:ext cx="2948167" cy="2823479"/>
+          </a:xfrm>
+          <a:prstGeom prst="rect">
+            <a:avLst/>
+          </a:prstGeom>
+          <a:noFill/>
+          <a:extLst>
+            <a:ext uri="{909E8E84-426E-40DD-AFC4-6F175D3DCCD1}">
+              <a14:hiddenFill xmlns:a14="http://schemas.microsoft.com/office/drawing/2010/main">
+                <a:solidFill>
+                  <a:srgbClr val="FFFFFF"/>
+                </a:solidFill>
+              </a14:hiddenFill>
+            </a:ext>
+          </a:extLst>
+        </p:spPr>
+      </p:pic>
+      <p:pic>
+        <p:nvPicPr>
+          <p:cNvPr id="16" name="Kép 15">
+            <a:extLst>
+              <a:ext uri="{FF2B5EF4-FFF2-40B4-BE49-F238E27FC236}">
+                <a16:creationId xmlns:a16="http://schemas.microsoft.com/office/drawing/2014/main" id="{CBEE4FDC-FEFA-50EB-99C2-B395216C8327}"/>
               </a:ext>
             </a:extLst>
           </p:cNvPr>
@@ -16837,45 +17498,15 @@
           <p:nvPr/>
         </p:nvPicPr>
         <p:blipFill>
-          <a:blip r:embed="rId5"/>
+          <a:blip r:embed="rId7"/>
           <a:stretch>
             <a:fillRect/>
           </a:stretch>
         </p:blipFill>
         <p:spPr>
           <a:xfrm>
-            <a:off x="3541989" y="5070485"/>
-            <a:ext cx="2060021" cy="840120"/>
-          </a:xfrm>
-          <a:prstGeom prst="rect">
-            <a:avLst/>
-          </a:prstGeom>
-        </p:spPr>
-      </p:pic>
-      <p:pic>
-        <p:nvPicPr>
-          <p:cNvPr id="13" name="Kép 12">
-            <a:extLst>
-              <a:ext uri="{FF2B5EF4-FFF2-40B4-BE49-F238E27FC236}">
-                <a16:creationId xmlns:a16="http://schemas.microsoft.com/office/drawing/2014/main" id="{4D76E0E9-8004-DE3E-3687-B2908932E2F1}"/>
-              </a:ext>
-            </a:extLst>
-          </p:cNvPr>
-          <p:cNvPicPr>
-            <a:picLocks noChangeAspect="1"/>
-          </p:cNvPicPr>
-          <p:nvPr/>
-        </p:nvPicPr>
-        <p:blipFill>
-          <a:blip r:embed="rId6"/>
-          <a:stretch>
-            <a:fillRect/>
-          </a:stretch>
-        </p:blipFill>
-        <p:spPr>
-          <a:xfrm>
-            <a:off x="446327" y="5070486"/>
-            <a:ext cx="2160308" cy="840120"/>
+            <a:off x="6619286" y="5058734"/>
+            <a:ext cx="2025040" cy="845507"/>
           </a:xfrm>
           <a:prstGeom prst="rect">
             <a:avLst/>
@@ -16895,7 +17526,7 @@
 </p:sld>
 </file>
 
-<file path=ppt/slides/slide12.xml><?xml version="1.0" encoding="utf-8"?>
+<file path=ppt/slides/slide15.xml><?xml version="1.0" encoding="utf-8"?>
 <p:sld xmlns:a="http://schemas.openxmlformats.org/drawingml/2006/main" xmlns:r="http://schemas.openxmlformats.org/officeDocument/2006/relationships" xmlns:p="http://schemas.openxmlformats.org/presentationml/2006/main">
   <p:cSld>
     <p:spTree>
@@ -17017,7 +17648,7 @@
             <a:fld id="{C7F6CC59-61C1-4407-B4E9-D5A9FC9455DF}" type="slidenum">
               <a:rPr lang="hu-HU" smtClean="0"/>
               <a:pPr/>
-              <a:t>12</a:t>
+              <a:t>15</a:t>
             </a:fld>
             <a:r>
               <a:rPr lang="hu-HU"/>
@@ -17028,10 +17659,10 @@
       </p:sp>
       <p:pic>
         <p:nvPicPr>
-          <p:cNvPr id="4100" name="Picture 4">
+          <p:cNvPr id="2050" name="Picture 2">
             <a:extLst>
               <a:ext uri="{FF2B5EF4-FFF2-40B4-BE49-F238E27FC236}">
-                <a16:creationId xmlns:a16="http://schemas.microsoft.com/office/drawing/2014/main" id="{57C81E36-B150-AF9C-B8AC-D71A4A21D9E9}"/>
+                <a16:creationId xmlns:a16="http://schemas.microsoft.com/office/drawing/2014/main" id="{0AB875D2-C96B-DEAC-BCB3-8829F4115529}"/>
               </a:ext>
             </a:extLst>
           </p:cNvPr>
@@ -17055,8 +17686,8 @@
         </p:blipFill>
         <p:spPr bwMode="auto">
           <a:xfrm>
-            <a:off x="507798" y="2130458"/>
-            <a:ext cx="4643791" cy="4216707"/>
+            <a:off x="456939" y="2319498"/>
+            <a:ext cx="4440738" cy="4032328"/>
           </a:xfrm>
           <a:prstGeom prst="rect">
             <a:avLst/>
@@ -17075,10 +17706,10 @@
       </p:pic>
       <p:pic>
         <p:nvPicPr>
-          <p:cNvPr id="9" name="Kép 8">
+          <p:cNvPr id="6" name="Kép 5">
             <a:extLst>
               <a:ext uri="{FF2B5EF4-FFF2-40B4-BE49-F238E27FC236}">
-                <a16:creationId xmlns:a16="http://schemas.microsoft.com/office/drawing/2014/main" id="{ACC229BE-AB89-962B-424E-EC9717B8E1DA}"/>
+                <a16:creationId xmlns:a16="http://schemas.microsoft.com/office/drawing/2014/main" id="{D74F3E74-3621-0037-0A58-F3DEC919E830}"/>
               </a:ext>
             </a:extLst>
           </p:cNvPr>
@@ -17095,8 +17726,8 @@
         </p:blipFill>
         <p:spPr>
           <a:xfrm>
-            <a:off x="5502869" y="5479349"/>
-            <a:ext cx="2104156" cy="867816"/>
+            <a:off x="5309759" y="5165953"/>
+            <a:ext cx="2595635" cy="1120221"/>
           </a:xfrm>
           <a:prstGeom prst="rect">
             <a:avLst/>
@@ -18824,7 +19455,7 @@
           <p:cNvPr id="3" name="Cím 2">
             <a:extLst>
               <a:ext uri="{FF2B5EF4-FFF2-40B4-BE49-F238E27FC236}">
-                <a16:creationId xmlns:a16="http://schemas.microsoft.com/office/drawing/2014/main" id="{447307C3-A6D1-007C-9016-FAE32A20F9FE}"/>
+                <a16:creationId xmlns:a16="http://schemas.microsoft.com/office/drawing/2014/main" id="{32E249EF-C4B7-63BA-E4A2-30B4AD7017DF}"/>
               </a:ext>
             </a:extLst>
           </p:cNvPr>
@@ -18842,220 +19473,8 @@
           <a:p>
             <a:r>
               <a:rPr lang="hu-HU" dirty="0"/>
-              <a:t>Problémák</a:t>
-            </a:r>
-          </a:p>
-        </p:txBody>
-      </p:sp>
-      <p:sp>
-        <p:nvSpPr>
-          <p:cNvPr id="4" name="Tartalom helye 3">
-            <a:extLst>
-              <a:ext uri="{FF2B5EF4-FFF2-40B4-BE49-F238E27FC236}">
-                <a16:creationId xmlns:a16="http://schemas.microsoft.com/office/drawing/2014/main" id="{66D07408-FABA-C281-E04E-57F6AC7EE582}"/>
-              </a:ext>
-            </a:extLst>
-          </p:cNvPr>
-          <p:cNvSpPr>
-            <a:spLocks noGrp="1"/>
-          </p:cNvSpPr>
-          <p:nvPr>
-            <p:ph idx="13"/>
-          </p:nvPr>
-        </p:nvSpPr>
-        <p:spPr/>
-        <p:txBody>
-          <a:bodyPr/>
-          <a:lstStyle/>
-          <a:p>
-            <a:r>
-              <a:rPr lang="hu-HU" dirty="0"/>
-              <a:t>Sok elgépelt adat</a:t>
-            </a:r>
-          </a:p>
-          <a:p>
-            <a:r>
-              <a:rPr lang="hu-HU" dirty="0" err="1"/>
-              <a:t>LabelEncoder</a:t>
-            </a:r>
-            <a:r>
-              <a:rPr lang="hu-HU" dirty="0"/>
-              <a:t>: 1 videokártya </a:t>
-            </a:r>
-            <a:r>
-              <a:rPr lang="hu-HU" b="0" i="0" dirty="0">
-                <a:solidFill>
-                  <a:srgbClr val="FFFFFF"/>
-                </a:solidFill>
-                <a:effectLst/>
-                <a:latin typeface="Google Sans"/>
-              </a:rPr>
-              <a:t>→ 3 különböző kód</a:t>
-            </a:r>
-            <a:endParaRPr lang="hu-HU" dirty="0"/>
-          </a:p>
-          <a:p>
-            <a:endParaRPr lang="hu-HU" dirty="0"/>
-          </a:p>
-          <a:p>
-            <a:r>
-              <a:rPr lang="hu-HU" dirty="0" err="1"/>
-              <a:t>GPU_Brand</a:t>
-            </a:r>
-            <a:r>
-              <a:rPr lang="hu-HU" dirty="0"/>
-              <a:t>:</a:t>
-            </a:r>
-            <a:br>
-              <a:rPr lang="hu-HU" dirty="0"/>
-            </a:br>
-            <a:r>
-              <a:rPr lang="hu-HU" dirty="0"/>
-              <a:t>	„</a:t>
-            </a:r>
-            <a:r>
-              <a:rPr lang="hu-HU" dirty="0" err="1"/>
-              <a:t>nvidia</a:t>
-            </a:r>
-            <a:r>
-              <a:rPr lang="hu-HU" dirty="0"/>
-              <a:t>, NVIDIA, </a:t>
-            </a:r>
-            <a:r>
-              <a:rPr lang="hu-HU" dirty="0" err="1"/>
-              <a:t>nividia</a:t>
-            </a:r>
-            <a:r>
-              <a:rPr lang="hu-HU" dirty="0"/>
-              <a:t>” </a:t>
-            </a:r>
-            <a:r>
-              <a:rPr lang="hu-HU" b="0" i="0" dirty="0">
-                <a:solidFill>
-                  <a:srgbClr val="FFFFFF"/>
-                </a:solidFill>
-                <a:effectLst/>
-                <a:latin typeface="Google Sans"/>
-              </a:rPr>
-              <a:t>→ </a:t>
-            </a:r>
-            <a:r>
-              <a:rPr lang="hu-HU" b="0" i="0" dirty="0" err="1">
-                <a:solidFill>
-                  <a:srgbClr val="FFFFFF"/>
-                </a:solidFill>
-                <a:effectLst/>
-                <a:latin typeface="Google Sans"/>
-              </a:rPr>
-              <a:t>nvidia</a:t>
-            </a:r>
-            <a:endParaRPr lang="hu-HU" b="0" i="0" dirty="0">
-              <a:solidFill>
-                <a:srgbClr val="FFFFFF"/>
-              </a:solidFill>
-              <a:effectLst/>
-              <a:latin typeface="Google Sans"/>
-            </a:endParaRPr>
-          </a:p>
-          <a:p>
-            <a:r>
-              <a:rPr lang="hu-HU" dirty="0">
-                <a:solidFill>
-                  <a:srgbClr val="FFFFFF"/>
-                </a:solidFill>
-                <a:latin typeface="Google Sans"/>
-              </a:rPr>
-              <a:t>GPU:</a:t>
-            </a:r>
-          </a:p>
-          <a:p>
-            <a:r>
-              <a:rPr lang="hu-HU" dirty="0">
-                <a:solidFill>
-                  <a:srgbClr val="FFFFFF"/>
-                </a:solidFill>
-                <a:latin typeface="Google Sans"/>
-              </a:rPr>
-              <a:t>	„</a:t>
-            </a:r>
-            <a:r>
-              <a:rPr lang="hu-HU" dirty="0" err="1">
-                <a:solidFill>
-                  <a:srgbClr val="FFFFFF"/>
-                </a:solidFill>
-                <a:latin typeface="Google Sans"/>
-              </a:rPr>
-              <a:t>GeForce</a:t>
-            </a:r>
-            <a:r>
-              <a:rPr lang="hu-HU" dirty="0">
-                <a:solidFill>
-                  <a:srgbClr val="FFFFFF"/>
-                </a:solidFill>
-                <a:latin typeface="Google Sans"/>
-              </a:rPr>
-              <a:t> 1050ti, </a:t>
-            </a:r>
-            <a:r>
-              <a:rPr lang="hu-HU" dirty="0" err="1">
-                <a:solidFill>
-                  <a:srgbClr val="FFFFFF"/>
-                </a:solidFill>
-                <a:latin typeface="Google Sans"/>
-              </a:rPr>
-              <a:t>Geforce</a:t>
-            </a:r>
-            <a:r>
-              <a:rPr lang="hu-HU" dirty="0">
-                <a:solidFill>
-                  <a:srgbClr val="FFFFFF"/>
-                </a:solidFill>
-                <a:latin typeface="Google Sans"/>
-              </a:rPr>
-              <a:t> 1050 Ti, 1050 ti” </a:t>
-            </a:r>
-            <a:r>
-              <a:rPr lang="hu-HU" b="0" i="0" dirty="0">
-                <a:solidFill>
-                  <a:srgbClr val="FFFFFF"/>
-                </a:solidFill>
-                <a:effectLst/>
-                <a:latin typeface="Google Sans"/>
-              </a:rPr>
-              <a:t>→ </a:t>
-            </a:r>
-            <a:r>
-              <a:rPr lang="hu-HU" b="0" i="0" dirty="0" err="1">
-                <a:solidFill>
-                  <a:srgbClr val="FFFFFF"/>
-                </a:solidFill>
-                <a:effectLst/>
-                <a:latin typeface="Google Sans"/>
-              </a:rPr>
-              <a:t>geforce</a:t>
-            </a:r>
-            <a:r>
-              <a:rPr lang="hu-HU" b="0" i="0" dirty="0">
-                <a:solidFill>
-                  <a:srgbClr val="FFFFFF"/>
-                </a:solidFill>
-                <a:effectLst/>
-                <a:latin typeface="Google Sans"/>
-              </a:rPr>
-              <a:t> 1050 ti</a:t>
-            </a:r>
-          </a:p>
-          <a:p>
-            <a:r>
-              <a:rPr lang="hu-HU" dirty="0">
-                <a:solidFill>
-                  <a:srgbClr val="FFFFFF"/>
-                </a:solidFill>
-                <a:latin typeface="Google Sans"/>
-              </a:rPr>
-              <a:t>…</a:t>
-            </a:r>
-            <a:endParaRPr lang="hu-HU" dirty="0"/>
+              <a:t>GPU Márkák gyakorisága</a:t>
+            </a:r>
           </a:p>
         </p:txBody>
       </p:sp>
@@ -19064,7 +19483,7 @@
           <p:cNvPr id="5" name="Dia számának helye 4">
             <a:extLst>
               <a:ext uri="{FF2B5EF4-FFF2-40B4-BE49-F238E27FC236}">
-                <a16:creationId xmlns:a16="http://schemas.microsoft.com/office/drawing/2014/main" id="{CC7F544D-EC07-065F-7539-C265B0DA1594}"/>
+                <a16:creationId xmlns:a16="http://schemas.microsoft.com/office/drawing/2014/main" id="{B9478D3C-2012-87D7-B77A-E36B74204662}"/>
               </a:ext>
             </a:extLst>
           </p:cNvPr>
@@ -19092,10 +19511,57 @@
           </a:p>
         </p:txBody>
       </p:sp>
+      <p:pic>
+        <p:nvPicPr>
+          <p:cNvPr id="3074" name="Picture 2">
+            <a:extLst>
+              <a:ext uri="{FF2B5EF4-FFF2-40B4-BE49-F238E27FC236}">
+                <a16:creationId xmlns:a16="http://schemas.microsoft.com/office/drawing/2014/main" id="{D51FD1A9-887F-0CC8-E819-EDFD3097407A}"/>
+              </a:ext>
+            </a:extLst>
+          </p:cNvPr>
+          <p:cNvPicPr>
+            <a:picLocks noChangeAspect="1" noChangeArrowheads="1"/>
+          </p:cNvPicPr>
+          <p:nvPr/>
+        </p:nvPicPr>
+        <p:blipFill>
+          <a:blip r:embed="rId2">
+            <a:extLst>
+              <a:ext uri="{28A0092B-C50C-407E-A947-70E740481C1C}">
+                <a14:useLocalDpi xmlns:a14="http://schemas.microsoft.com/office/drawing/2010/main" val="0"/>
+              </a:ext>
+            </a:extLst>
+          </a:blip>
+          <a:srcRect/>
+          <a:stretch>
+            <a:fillRect/>
+          </a:stretch>
+        </p:blipFill>
+        <p:spPr bwMode="auto">
+          <a:xfrm>
+            <a:off x="687289" y="1665835"/>
+            <a:ext cx="7716033" cy="4602828"/>
+          </a:xfrm>
+          <a:prstGeom prst="rect">
+            <a:avLst/>
+          </a:prstGeom>
+          <a:noFill/>
+          <a:extLst>
+            <a:ext uri="{909E8E84-426E-40DD-AFC4-6F175D3DCCD1}">
+              <a14:hiddenFill xmlns:a14="http://schemas.microsoft.com/office/drawing/2010/main">
+                <a:solidFill>
+                  <a:srgbClr val="FFFFFF"/>
+                </a:solidFill>
+              </a14:hiddenFill>
+            </a:ext>
+          </a:extLst>
+        </p:spPr>
+      </p:pic>
     </p:spTree>
     <p:extLst>
       <p:ext uri="{BB962C8B-B14F-4D97-AF65-F5344CB8AC3E}">
-        <p14:creationId xmlns:p14="http://schemas.microsoft.com/office/powerpoint/2010/main" val="178791051"/>
+        <p14:creationId xmlns:p14="http://schemas.microsoft.com/office/powerpoint/2010/main" val="2156336481"/>
       </p:ext>
     </p:extLst>
   </p:cSld>
@@ -19127,7 +19593,7 @@
           <p:cNvPr id="3" name="Cím 2">
             <a:extLst>
               <a:ext uri="{FF2B5EF4-FFF2-40B4-BE49-F238E27FC236}">
-                <a16:creationId xmlns:a16="http://schemas.microsoft.com/office/drawing/2014/main" id="{9FE87413-B453-75F6-439A-866B15D85D04}"/>
+                <a16:creationId xmlns:a16="http://schemas.microsoft.com/office/drawing/2014/main" id="{316E6E34-E1E6-F5E0-C3BA-A3070D15111D}"/>
               </a:ext>
             </a:extLst>
           </p:cNvPr>
@@ -19145,111 +19611,7 @@
           <a:p>
             <a:r>
               <a:rPr lang="hu-HU" dirty="0"/>
-              <a:t>Modellek</a:t>
-            </a:r>
-          </a:p>
-        </p:txBody>
-      </p:sp>
-      <p:sp>
-        <p:nvSpPr>
-          <p:cNvPr id="4" name="Tartalom helye 3">
-            <a:extLst>
-              <a:ext uri="{FF2B5EF4-FFF2-40B4-BE49-F238E27FC236}">
-                <a16:creationId xmlns:a16="http://schemas.microsoft.com/office/drawing/2014/main" id="{FC7F6145-4BCD-339F-A95C-AF19A104E516}"/>
-              </a:ext>
-            </a:extLst>
-          </p:cNvPr>
-          <p:cNvSpPr>
-            <a:spLocks noGrp="1"/>
-          </p:cNvSpPr>
-          <p:nvPr>
-            <p:ph idx="13"/>
-          </p:nvPr>
-        </p:nvSpPr>
-        <p:spPr>
-          <a:xfrm>
-            <a:off x="156518" y="1621411"/>
-            <a:ext cx="8777575" cy="2917210"/>
-          </a:xfrm>
-        </p:spPr>
-        <p:txBody>
-          <a:bodyPr/>
-          <a:lstStyle/>
-          <a:p>
-            <a:pPr marL="457200" indent="-457200">
-              <a:buAutoNum type="arabicPeriod"/>
-            </a:pPr>
-            <a:r>
-              <a:rPr lang="hu-HU" sz="2400" dirty="0" err="1"/>
-              <a:t>RandomForestRegressor</a:t>
-            </a:r>
-            <a:endParaRPr lang="hu-HU" sz="2400" dirty="0"/>
-          </a:p>
-          <a:p>
-            <a:pPr marL="457200" indent="-457200">
-              <a:buAutoNum type="arabicPeriod"/>
-            </a:pPr>
-            <a:r>
-              <a:rPr lang="hu-HU" sz="2400" dirty="0" err="1"/>
-              <a:t>LinearRegression</a:t>
-            </a:r>
-            <a:endParaRPr lang="hu-HU" sz="2400" dirty="0"/>
-          </a:p>
-          <a:p>
-            <a:pPr marL="457200" indent="-457200">
-              <a:buAutoNum type="arabicPeriod"/>
-            </a:pPr>
-            <a:r>
-              <a:rPr lang="hu-HU" sz="2400" dirty="0" err="1"/>
-              <a:t>Keras</a:t>
-            </a:r>
-            <a:r>
-              <a:rPr lang="hu-HU" sz="2400" dirty="0"/>
-              <a:t> </a:t>
-            </a:r>
-            <a:r>
-              <a:rPr lang="hu-HU" sz="2400" dirty="0" err="1"/>
-              <a:t>Sequential</a:t>
-            </a:r>
-            <a:r>
-              <a:rPr lang="hu-HU" sz="2400" dirty="0"/>
-              <a:t> Model</a:t>
-            </a:r>
-          </a:p>
-          <a:p>
-            <a:pPr marL="457200" indent="-457200">
-              <a:buAutoNum type="arabicPeriod"/>
-            </a:pPr>
-            <a:r>
-              <a:rPr lang="hu-HU" sz="2400" dirty="0" err="1"/>
-              <a:t>Ensemble</a:t>
-            </a:r>
-            <a:r>
-              <a:rPr lang="hu-HU" sz="2400" dirty="0"/>
-              <a:t> módszer</a:t>
-            </a:r>
-          </a:p>
-          <a:p>
-            <a:pPr marL="457200" indent="-457200">
-              <a:buAutoNum type="arabicPeriod"/>
-            </a:pPr>
-            <a:endParaRPr lang="hu-HU" sz="2400" dirty="0"/>
-          </a:p>
-          <a:p>
-            <a:r>
-              <a:rPr lang="hu-HU" sz="2400" b="1" dirty="0"/>
-              <a:t>Végső modell: </a:t>
-            </a:r>
-            <a:r>
-              <a:rPr lang="hu-HU" sz="2400" dirty="0" err="1"/>
-              <a:t>RandomForestRegressor</a:t>
-            </a:r>
-            <a:endParaRPr lang="hu-HU" sz="2400" dirty="0"/>
-          </a:p>
-          <a:p>
-            <a:r>
-              <a:rPr lang="hu-HU" dirty="0"/>
-              <a:t>	</a:t>
+              <a:t>CPU Márkák gyakorisága</a:t>
             </a:r>
           </a:p>
         </p:txBody>
@@ -19259,7 +19621,7 @@
           <p:cNvPr id="5" name="Dia számának helye 4">
             <a:extLst>
               <a:ext uri="{FF2B5EF4-FFF2-40B4-BE49-F238E27FC236}">
-                <a16:creationId xmlns:a16="http://schemas.microsoft.com/office/drawing/2014/main" id="{75D72553-5CF4-45E8-41BE-D460CA7660A6}"/>
+                <a16:creationId xmlns:a16="http://schemas.microsoft.com/office/drawing/2014/main" id="{75DB4E39-6117-E1B8-712A-73F4D89375DB}"/>
               </a:ext>
             </a:extLst>
           </p:cNvPr>
@@ -19287,10 +19649,57 @@
           </a:p>
         </p:txBody>
       </p:sp>
+      <p:pic>
+        <p:nvPicPr>
+          <p:cNvPr id="5122" name="Picture 2">
+            <a:extLst>
+              <a:ext uri="{FF2B5EF4-FFF2-40B4-BE49-F238E27FC236}">
+                <a16:creationId xmlns:a16="http://schemas.microsoft.com/office/drawing/2014/main" id="{A38603FD-D61B-38E7-49F3-773BF043AE4A}"/>
+              </a:ext>
+            </a:extLst>
+          </p:cNvPr>
+          <p:cNvPicPr>
+            <a:picLocks noChangeAspect="1" noChangeArrowheads="1"/>
+          </p:cNvPicPr>
+          <p:nvPr/>
+        </p:nvPicPr>
+        <p:blipFill>
+          <a:blip r:embed="rId2">
+            <a:extLst>
+              <a:ext uri="{28A0092B-C50C-407E-A947-70E740481C1C}">
+                <a14:useLocalDpi xmlns:a14="http://schemas.microsoft.com/office/drawing/2010/main" val="0"/>
+              </a:ext>
+            </a:extLst>
+          </a:blip>
+          <a:srcRect/>
+          <a:stretch>
+            <a:fillRect/>
+          </a:stretch>
+        </p:blipFill>
+        <p:spPr bwMode="auto">
+          <a:xfrm>
+            <a:off x="690880" y="1652053"/>
+            <a:ext cx="7762240" cy="4630392"/>
+          </a:xfrm>
+          <a:prstGeom prst="rect">
+            <a:avLst/>
+          </a:prstGeom>
+          <a:noFill/>
+          <a:extLst>
+            <a:ext uri="{909E8E84-426E-40DD-AFC4-6F175D3DCCD1}">
+              <a14:hiddenFill xmlns:a14="http://schemas.microsoft.com/office/drawing/2010/main">
+                <a:solidFill>
+                  <a:srgbClr val="FFFFFF"/>
+                </a:solidFill>
+              </a14:hiddenFill>
+            </a:ext>
+          </a:extLst>
+        </p:spPr>
+      </p:pic>
     </p:spTree>
     <p:extLst>
       <p:ext uri="{BB962C8B-B14F-4D97-AF65-F5344CB8AC3E}">
-        <p14:creationId xmlns:p14="http://schemas.microsoft.com/office/powerpoint/2010/main" val="1212176153"/>
+        <p14:creationId xmlns:p14="http://schemas.microsoft.com/office/powerpoint/2010/main" val="2601261748"/>
       </p:ext>
     </p:extLst>
   </p:cSld>
@@ -19319,161 +19728,10 @@
       </p:grpSpPr>
       <p:sp>
         <p:nvSpPr>
-          <p:cNvPr id="4" name="Tartalom helye 3">
-            <a:extLst>
-              <a:ext uri="{FF2B5EF4-FFF2-40B4-BE49-F238E27FC236}">
-                <a16:creationId xmlns:a16="http://schemas.microsoft.com/office/drawing/2014/main" id="{6ED6BC19-0D84-A2D1-AC91-96E4490D4940}"/>
-              </a:ext>
-            </a:extLst>
-          </p:cNvPr>
-          <p:cNvSpPr>
-            <a:spLocks noGrp="1"/>
-          </p:cNvSpPr>
-          <p:nvPr>
-            <p:ph sz="half" idx="1"/>
-          </p:nvPr>
-        </p:nvSpPr>
-        <p:spPr>
-          <a:xfrm>
-            <a:off x="156519" y="1621410"/>
-            <a:ext cx="8506714" cy="4326332"/>
-          </a:xfrm>
-        </p:spPr>
-        <p:txBody>
-          <a:bodyPr>
-            <a:normAutofit/>
-          </a:bodyPr>
-          <a:lstStyle/>
-          <a:p>
-            <a:r>
-              <a:rPr lang="hu-HU" sz="2400" dirty="0"/>
-              <a:t>Legjobb paraméterek keresése </a:t>
-            </a:r>
-            <a:r>
-              <a:rPr lang="hu-HU" sz="2400" dirty="0" err="1"/>
-              <a:t>RandomSearchCV</a:t>
-            </a:r>
-            <a:r>
-              <a:rPr lang="hu-HU" sz="2400" dirty="0"/>
-              <a:t>-vel</a:t>
-            </a:r>
-          </a:p>
-          <a:p>
-            <a:r>
-              <a:rPr lang="hu-HU" sz="2400" dirty="0"/>
-              <a:t>Legjobb paraméterek</a:t>
-            </a:r>
-            <a:br>
-              <a:rPr lang="hu-HU" sz="2400" dirty="0"/>
-            </a:br>
-            <a:r>
-              <a:rPr lang="hu-HU" sz="2400" b="0" i="0" dirty="0">
-                <a:effectLst/>
-              </a:rPr>
-              <a:t>{'</a:t>
-            </a:r>
-            <a:r>
-              <a:rPr lang="hu-HU" sz="2400" b="0" i="0" dirty="0" err="1">
-                <a:effectLst/>
-              </a:rPr>
-              <a:t>n_estimators</a:t>
-            </a:r>
-            <a:r>
-              <a:rPr lang="hu-HU" sz="2400" b="0" i="0" dirty="0">
-                <a:effectLst/>
-              </a:rPr>
-              <a:t>': 200, </a:t>
-            </a:r>
-            <a:br>
-              <a:rPr lang="hu-HU" sz="2400" b="0" i="0" dirty="0">
-                <a:effectLst/>
-              </a:rPr>
-            </a:br>
-            <a:r>
-              <a:rPr lang="hu-HU" sz="2400" b="0" i="0" dirty="0">
-                <a:effectLst/>
-              </a:rPr>
-              <a:t> '</a:t>
-            </a:r>
-            <a:r>
-              <a:rPr lang="hu-HU" sz="2400" b="0" i="0" dirty="0" err="1">
-                <a:effectLst/>
-              </a:rPr>
-              <a:t>min_samples_split</a:t>
-            </a:r>
-            <a:r>
-              <a:rPr lang="hu-HU" sz="2400" b="0" i="0" dirty="0">
-                <a:effectLst/>
-              </a:rPr>
-              <a:t>': 5,</a:t>
-            </a:r>
-            <a:br>
-              <a:rPr lang="hu-HU" sz="2400" b="0" i="0" dirty="0">
-                <a:effectLst/>
-              </a:rPr>
-            </a:br>
-            <a:r>
-              <a:rPr lang="hu-HU" sz="2400" b="0" i="0" dirty="0">
-                <a:effectLst/>
-              </a:rPr>
-              <a:t> '</a:t>
-            </a:r>
-            <a:r>
-              <a:rPr lang="hu-HU" sz="2400" b="0" i="0" dirty="0" err="1">
-                <a:effectLst/>
-              </a:rPr>
-              <a:t>min_samples_leaf</a:t>
-            </a:r>
-            <a:r>
-              <a:rPr lang="hu-HU" sz="2400" b="0" i="0" dirty="0">
-                <a:effectLst/>
-              </a:rPr>
-              <a:t>': 2,</a:t>
-            </a:r>
-            <a:br>
-              <a:rPr lang="hu-HU" sz="2400" b="0" i="0" dirty="0">
-                <a:effectLst/>
-              </a:rPr>
-            </a:br>
-            <a:r>
-              <a:rPr lang="hu-HU" sz="2400" b="0" i="0" dirty="0">
-                <a:effectLst/>
-              </a:rPr>
-              <a:t> '</a:t>
-            </a:r>
-            <a:r>
-              <a:rPr lang="hu-HU" sz="2400" b="0" i="0" dirty="0" err="1">
-                <a:effectLst/>
-              </a:rPr>
-              <a:t>max_depth</a:t>
-            </a:r>
-            <a:r>
-              <a:rPr lang="hu-HU" sz="2400" b="0" i="0" dirty="0">
-                <a:effectLst/>
-              </a:rPr>
-              <a:t>': </a:t>
-            </a:r>
-            <a:r>
-              <a:rPr lang="hu-HU" sz="2400" b="0" i="0" dirty="0" err="1">
-                <a:effectLst/>
-              </a:rPr>
-              <a:t>None</a:t>
-            </a:r>
-            <a:r>
-              <a:rPr lang="hu-HU" sz="2400" b="0" i="0" dirty="0">
-                <a:effectLst/>
-              </a:rPr>
-              <a:t>}</a:t>
-            </a:r>
-          </a:p>
-        </p:txBody>
-      </p:sp>
-      <p:sp>
-        <p:nvSpPr>
           <p:cNvPr id="3" name="Cím 2">
             <a:extLst>
               <a:ext uri="{FF2B5EF4-FFF2-40B4-BE49-F238E27FC236}">
-                <a16:creationId xmlns:a16="http://schemas.microsoft.com/office/drawing/2014/main" id="{ABBAFB88-0BE1-7A82-F004-318CE41E8D8A}"/>
+                <a16:creationId xmlns:a16="http://schemas.microsoft.com/office/drawing/2014/main" id="{74C4911B-A77F-7FBC-26A5-7488F8AE08AE}"/>
               </a:ext>
             </a:extLst>
           </p:cNvPr>
@@ -19484,23 +19742,15 @@
             <p:ph type="ctrTitle"/>
           </p:nvPr>
         </p:nvSpPr>
-        <p:spPr>
-          <a:xfrm>
-            <a:off x="156519" y="840261"/>
-            <a:ext cx="8777575" cy="601362"/>
-          </a:xfrm>
-        </p:spPr>
-        <p:txBody>
-          <a:bodyPr anchor="b">
-            <a:normAutofit/>
-          </a:bodyPr>
+        <p:spPr/>
+        <p:txBody>
+          <a:bodyPr/>
           <a:lstStyle/>
           <a:p>
             <a:r>
-              <a:rPr lang="hu-HU" dirty="0" err="1"/>
-              <a:t>RandomForestRegressor</a:t>
-            </a:r>
-            <a:endParaRPr lang="hu-HU" dirty="0"/>
+              <a:rPr lang="hu-HU" dirty="0"/>
+              <a:t>Memória típusok</a:t>
+            </a:r>
           </a:p>
         </p:txBody>
       </p:sp>
@@ -19509,7 +19759,7 @@
           <p:cNvPr id="5" name="Dia számának helye 4">
             <a:extLst>
               <a:ext uri="{FF2B5EF4-FFF2-40B4-BE49-F238E27FC236}">
-                <a16:creationId xmlns:a16="http://schemas.microsoft.com/office/drawing/2014/main" id="{3AE5F26E-9102-93D5-8B35-EC06B8085D43}"/>
+                <a16:creationId xmlns:a16="http://schemas.microsoft.com/office/drawing/2014/main" id="{E886EDD1-D64F-1015-185C-AF209458E2F3}"/>
               </a:ext>
             </a:extLst>
           </p:cNvPr>
@@ -19520,36 +19770,14 @@
             <p:ph type="sldNum" sz="quarter" idx="12"/>
           </p:nvPr>
         </p:nvSpPr>
-        <p:spPr>
-          <a:xfrm>
-            <a:off x="6876694" y="6492875"/>
-            <a:ext cx="2057400" cy="365125"/>
-          </a:xfrm>
-        </p:spPr>
-        <p:txBody>
-          <a:bodyPr>
-            <a:normAutofit/>
-          </a:bodyPr>
+        <p:spPr/>
+        <p:txBody>
+          <a:bodyPr/>
           <a:lstStyle/>
           <a:p>
-            <a:pPr>
-              <a:lnSpc>
-                <a:spcPct val="90000"/>
-              </a:lnSpc>
-              <a:spcAft>
-                <a:spcPts val="600"/>
-              </a:spcAft>
-            </a:pPr>
             <a:fld id="{C7F6CC59-61C1-4407-B4E9-D5A9FC9455DF}" type="slidenum">
               <a:rPr lang="hu-HU" smtClean="0"/>
-              <a:pPr>
-                <a:lnSpc>
-                  <a:spcPct val="90000"/>
-                </a:lnSpc>
-                <a:spcAft>
-                  <a:spcPts val="600"/>
-                </a:spcAft>
-              </a:pPr>
+              <a:pPr/>
               <a:t>8</a:t>
             </a:fld>
             <a:r>
@@ -19559,10 +19787,57 @@
           </a:p>
         </p:txBody>
       </p:sp>
+      <p:pic>
+        <p:nvPicPr>
+          <p:cNvPr id="4098" name="Picture 2">
+            <a:extLst>
+              <a:ext uri="{FF2B5EF4-FFF2-40B4-BE49-F238E27FC236}">
+                <a16:creationId xmlns:a16="http://schemas.microsoft.com/office/drawing/2014/main" id="{A9B981B0-98EE-BBC3-3056-767D8D2E2B77}"/>
+              </a:ext>
+            </a:extLst>
+          </p:cNvPr>
+          <p:cNvPicPr>
+            <a:picLocks noChangeAspect="1" noChangeArrowheads="1"/>
+          </p:cNvPicPr>
+          <p:nvPr/>
+        </p:nvPicPr>
+        <p:blipFill>
+          <a:blip r:embed="rId2">
+            <a:extLst>
+              <a:ext uri="{28A0092B-C50C-407E-A947-70E740481C1C}">
+                <a14:useLocalDpi xmlns:a14="http://schemas.microsoft.com/office/drawing/2010/main" val="0"/>
+              </a:ext>
+            </a:extLst>
+          </a:blip>
+          <a:srcRect/>
+          <a:stretch>
+            <a:fillRect/>
+          </a:stretch>
+        </p:blipFill>
+        <p:spPr bwMode="auto">
+          <a:xfrm>
+            <a:off x="532653" y="1575680"/>
+            <a:ext cx="8025305" cy="4783137"/>
+          </a:xfrm>
+          <a:prstGeom prst="rect">
+            <a:avLst/>
+          </a:prstGeom>
+          <a:noFill/>
+          <a:extLst>
+            <a:ext uri="{909E8E84-426E-40DD-AFC4-6F175D3DCCD1}">
+              <a14:hiddenFill xmlns:a14="http://schemas.microsoft.com/office/drawing/2010/main">
+                <a:solidFill>
+                  <a:srgbClr val="FFFFFF"/>
+                </a:solidFill>
+              </a14:hiddenFill>
+            </a:ext>
+          </a:extLst>
+        </p:spPr>
+      </p:pic>
     </p:spTree>
     <p:extLst>
       <p:ext uri="{BB962C8B-B14F-4D97-AF65-F5344CB8AC3E}">
-        <p14:creationId xmlns:p14="http://schemas.microsoft.com/office/powerpoint/2010/main" val="3127634779"/>
+        <p14:creationId xmlns:p14="http://schemas.microsoft.com/office/powerpoint/2010/main" val="3182815410"/>
       </p:ext>
     </p:extLst>
   </p:cSld>
@@ -19594,7 +19869,7 @@
           <p:cNvPr id="3" name="Cím 2">
             <a:extLst>
               <a:ext uri="{FF2B5EF4-FFF2-40B4-BE49-F238E27FC236}">
-                <a16:creationId xmlns:a16="http://schemas.microsoft.com/office/drawing/2014/main" id="{F2501C88-7CA7-DDDE-CA79-8336E5F60933}"/>
+                <a16:creationId xmlns:a16="http://schemas.microsoft.com/office/drawing/2014/main" id="{447307C3-A6D1-007C-9016-FAE32A20F9FE}"/>
               </a:ext>
             </a:extLst>
           </p:cNvPr>
@@ -19612,8 +19887,220 @@
           <a:p>
             <a:r>
               <a:rPr lang="hu-HU" dirty="0"/>
-              <a:t>Linear Regression</a:t>
-            </a:r>
+              <a:t>Problémák</a:t>
+            </a:r>
+          </a:p>
+        </p:txBody>
+      </p:sp>
+      <p:sp>
+        <p:nvSpPr>
+          <p:cNvPr id="4" name="Tartalom helye 3">
+            <a:extLst>
+              <a:ext uri="{FF2B5EF4-FFF2-40B4-BE49-F238E27FC236}">
+                <a16:creationId xmlns:a16="http://schemas.microsoft.com/office/drawing/2014/main" id="{66D07408-FABA-C281-E04E-57F6AC7EE582}"/>
+              </a:ext>
+            </a:extLst>
+          </p:cNvPr>
+          <p:cNvSpPr>
+            <a:spLocks noGrp="1"/>
+          </p:cNvSpPr>
+          <p:nvPr>
+            <p:ph idx="13"/>
+          </p:nvPr>
+        </p:nvSpPr>
+        <p:spPr/>
+        <p:txBody>
+          <a:bodyPr/>
+          <a:lstStyle/>
+          <a:p>
+            <a:r>
+              <a:rPr lang="hu-HU" dirty="0"/>
+              <a:t>Sok elgépelt adat</a:t>
+            </a:r>
+          </a:p>
+          <a:p>
+            <a:r>
+              <a:rPr lang="hu-HU" dirty="0" err="1"/>
+              <a:t>LabelEncoder</a:t>
+            </a:r>
+            <a:r>
+              <a:rPr lang="hu-HU" dirty="0"/>
+              <a:t>: 1 videokártya </a:t>
+            </a:r>
+            <a:r>
+              <a:rPr lang="hu-HU" b="0" i="0" dirty="0">
+                <a:solidFill>
+                  <a:srgbClr val="FFFFFF"/>
+                </a:solidFill>
+                <a:effectLst/>
+                <a:latin typeface="Google Sans"/>
+              </a:rPr>
+              <a:t>→ 3 különböző kód</a:t>
+            </a:r>
+            <a:endParaRPr lang="hu-HU" dirty="0"/>
+          </a:p>
+          <a:p>
+            <a:endParaRPr lang="hu-HU" dirty="0"/>
+          </a:p>
+          <a:p>
+            <a:r>
+              <a:rPr lang="hu-HU" dirty="0" err="1"/>
+              <a:t>GPU_Brand</a:t>
+            </a:r>
+            <a:r>
+              <a:rPr lang="hu-HU" dirty="0"/>
+              <a:t>:</a:t>
+            </a:r>
+            <a:br>
+              <a:rPr lang="hu-HU" dirty="0"/>
+            </a:br>
+            <a:r>
+              <a:rPr lang="hu-HU" dirty="0"/>
+              <a:t>	„</a:t>
+            </a:r>
+            <a:r>
+              <a:rPr lang="hu-HU" dirty="0" err="1"/>
+              <a:t>nvidia</a:t>
+            </a:r>
+            <a:r>
+              <a:rPr lang="hu-HU" dirty="0"/>
+              <a:t>, NVIDIA, </a:t>
+            </a:r>
+            <a:r>
+              <a:rPr lang="hu-HU" dirty="0" err="1"/>
+              <a:t>nividia</a:t>
+            </a:r>
+            <a:r>
+              <a:rPr lang="hu-HU" dirty="0"/>
+              <a:t>” </a:t>
+            </a:r>
+            <a:r>
+              <a:rPr lang="hu-HU" b="0" i="0" dirty="0">
+                <a:solidFill>
+                  <a:srgbClr val="FFFFFF"/>
+                </a:solidFill>
+                <a:effectLst/>
+                <a:latin typeface="Google Sans"/>
+              </a:rPr>
+              <a:t>→ </a:t>
+            </a:r>
+            <a:r>
+              <a:rPr lang="hu-HU" b="0" i="0" dirty="0" err="1">
+                <a:solidFill>
+                  <a:srgbClr val="FFFFFF"/>
+                </a:solidFill>
+                <a:effectLst/>
+                <a:latin typeface="Google Sans"/>
+              </a:rPr>
+              <a:t>nvidia</a:t>
+            </a:r>
+            <a:endParaRPr lang="hu-HU" b="0" i="0" dirty="0">
+              <a:solidFill>
+                <a:srgbClr val="FFFFFF"/>
+              </a:solidFill>
+              <a:effectLst/>
+              <a:latin typeface="Google Sans"/>
+            </a:endParaRPr>
+          </a:p>
+          <a:p>
+            <a:r>
+              <a:rPr lang="hu-HU" dirty="0">
+                <a:solidFill>
+                  <a:srgbClr val="FFFFFF"/>
+                </a:solidFill>
+                <a:latin typeface="Google Sans"/>
+              </a:rPr>
+              <a:t>GPU:</a:t>
+            </a:r>
+          </a:p>
+          <a:p>
+            <a:r>
+              <a:rPr lang="hu-HU" dirty="0">
+                <a:solidFill>
+                  <a:srgbClr val="FFFFFF"/>
+                </a:solidFill>
+                <a:latin typeface="Google Sans"/>
+              </a:rPr>
+              <a:t>	„</a:t>
+            </a:r>
+            <a:r>
+              <a:rPr lang="hu-HU" dirty="0" err="1">
+                <a:solidFill>
+                  <a:srgbClr val="FFFFFF"/>
+                </a:solidFill>
+                <a:latin typeface="Google Sans"/>
+              </a:rPr>
+              <a:t>GeForce</a:t>
+            </a:r>
+            <a:r>
+              <a:rPr lang="hu-HU" dirty="0">
+                <a:solidFill>
+                  <a:srgbClr val="FFFFFF"/>
+                </a:solidFill>
+                <a:latin typeface="Google Sans"/>
+              </a:rPr>
+              <a:t> 1050ti, </a:t>
+            </a:r>
+            <a:r>
+              <a:rPr lang="hu-HU" dirty="0" err="1">
+                <a:solidFill>
+                  <a:srgbClr val="FFFFFF"/>
+                </a:solidFill>
+                <a:latin typeface="Google Sans"/>
+              </a:rPr>
+              <a:t>Geforce</a:t>
+            </a:r>
+            <a:r>
+              <a:rPr lang="hu-HU" dirty="0">
+                <a:solidFill>
+                  <a:srgbClr val="FFFFFF"/>
+                </a:solidFill>
+                <a:latin typeface="Google Sans"/>
+              </a:rPr>
+              <a:t> 1050 Ti, 1050 ti” </a:t>
+            </a:r>
+            <a:r>
+              <a:rPr lang="hu-HU" b="0" i="0" dirty="0">
+                <a:solidFill>
+                  <a:srgbClr val="FFFFFF"/>
+                </a:solidFill>
+                <a:effectLst/>
+                <a:latin typeface="Google Sans"/>
+              </a:rPr>
+              <a:t>→ </a:t>
+            </a:r>
+            <a:r>
+              <a:rPr lang="hu-HU" b="0" i="0" dirty="0" err="1">
+                <a:solidFill>
+                  <a:srgbClr val="FFFFFF"/>
+                </a:solidFill>
+                <a:effectLst/>
+                <a:latin typeface="Google Sans"/>
+              </a:rPr>
+              <a:t>geforce</a:t>
+            </a:r>
+            <a:r>
+              <a:rPr lang="hu-HU" b="0" i="0" dirty="0">
+                <a:solidFill>
+                  <a:srgbClr val="FFFFFF"/>
+                </a:solidFill>
+                <a:effectLst/>
+                <a:latin typeface="Google Sans"/>
+              </a:rPr>
+              <a:t> 1050 ti</a:t>
+            </a:r>
+          </a:p>
+          <a:p>
+            <a:r>
+              <a:rPr lang="hu-HU" dirty="0">
+                <a:solidFill>
+                  <a:srgbClr val="FFFFFF"/>
+                </a:solidFill>
+                <a:latin typeface="Google Sans"/>
+              </a:rPr>
+              <a:t>…</a:t>
+            </a:r>
+            <a:endParaRPr lang="hu-HU" dirty="0"/>
           </a:p>
         </p:txBody>
       </p:sp>
@@ -19622,7 +20109,7 @@
           <p:cNvPr id="5" name="Dia számának helye 4">
             <a:extLst>
               <a:ext uri="{FF2B5EF4-FFF2-40B4-BE49-F238E27FC236}">
-                <a16:creationId xmlns:a16="http://schemas.microsoft.com/office/drawing/2014/main" id="{172F6259-34C2-AADB-448A-258F709536AC}"/>
+                <a16:creationId xmlns:a16="http://schemas.microsoft.com/office/drawing/2014/main" id="{CC7F544D-EC07-065F-7539-C265B0DA1594}"/>
               </a:ext>
             </a:extLst>
           </p:cNvPr>
@@ -19650,82 +20137,10 @@
           </a:p>
         </p:txBody>
       </p:sp>
-      <p:sp>
-        <p:nvSpPr>
-          <p:cNvPr id="6" name="Tartalom helye 5">
-            <a:extLst>
-              <a:ext uri="{FF2B5EF4-FFF2-40B4-BE49-F238E27FC236}">
-                <a16:creationId xmlns:a16="http://schemas.microsoft.com/office/drawing/2014/main" id="{C158B926-4C07-438E-308C-65D87A5DBAAF}"/>
-              </a:ext>
-            </a:extLst>
-          </p:cNvPr>
-          <p:cNvSpPr>
-            <a:spLocks noGrp="1"/>
-          </p:cNvSpPr>
-          <p:nvPr>
-            <p:ph idx="13"/>
-          </p:nvPr>
-        </p:nvSpPr>
-        <p:spPr>
-          <a:xfrm>
-            <a:off x="156518" y="1621409"/>
-            <a:ext cx="8777575" cy="4140563"/>
-          </a:xfrm>
-        </p:spPr>
-        <p:txBody>
-          <a:bodyPr/>
-          <a:lstStyle/>
-          <a:p>
-            <a:pPr marL="342900" indent="-342900">
-              <a:buFont typeface="Arial" panose="020B0604020202020204" pitchFamily="34" charset="0"/>
-              <a:buChar char="•"/>
-            </a:pPr>
-            <a:r>
-              <a:rPr lang="hu-HU" sz="2400" dirty="0"/>
-              <a:t>Nem igényel </a:t>
-            </a:r>
-            <a:r>
-              <a:rPr lang="hu-HU" sz="2400" dirty="0" err="1"/>
-              <a:t>hiperparaméter-tuningot</a:t>
-            </a:r>
-            <a:endParaRPr lang="hu-HU" sz="2400" dirty="0"/>
-          </a:p>
-          <a:p>
-            <a:pPr marL="342900" indent="-342900">
-              <a:buFont typeface="Arial" panose="020B0604020202020204" pitchFamily="34" charset="0"/>
-              <a:buChar char="•"/>
-            </a:pPr>
-            <a:r>
-              <a:rPr lang="hu-HU" sz="2400" dirty="0"/>
-              <a:t>Egyszerű modell</a:t>
-            </a:r>
-          </a:p>
-          <a:p>
-            <a:pPr marL="342900" indent="-342900">
-              <a:buFont typeface="Arial" panose="020B0604020202020204" pitchFamily="34" charset="0"/>
-              <a:buChar char="•"/>
-            </a:pPr>
-            <a:r>
-              <a:rPr lang="hu-HU" sz="2400" dirty="0"/>
-              <a:t>Skálázás szükséges</a:t>
-            </a:r>
-          </a:p>
-          <a:p>
-            <a:pPr marL="342900" indent="-342900">
-              <a:buFont typeface="Arial" panose="020B0604020202020204" pitchFamily="34" charset="0"/>
-              <a:buChar char="•"/>
-            </a:pPr>
-            <a:r>
-              <a:rPr lang="hu-HU" sz="2400" dirty="0"/>
-              <a:t>Nem teljesített a legjobban</a:t>
-            </a:r>
-          </a:p>
-        </p:txBody>
-      </p:sp>
     </p:spTree>
     <p:extLst>
       <p:ext uri="{BB962C8B-B14F-4D97-AF65-F5344CB8AC3E}">
-        <p14:creationId xmlns:p14="http://schemas.microsoft.com/office/powerpoint/2010/main" val="1743313231"/>
+        <p14:creationId xmlns:p14="http://schemas.microsoft.com/office/powerpoint/2010/main" val="178791051"/>
       </p:ext>
     </p:extLst>
   </p:cSld>
@@ -20519,21 +20934,6 @@
 </file>
 
 <file path=customXml/item1.xml><?xml version="1.0" encoding="utf-8"?>
-<p:properties xmlns:p="http://schemas.microsoft.com/office/2006/metadata/properties" xmlns:xsi="http://www.w3.org/2001/XMLSchema-instance" xmlns:pc="http://schemas.microsoft.com/office/infopath/2007/PartnerControls">
-  <documentManagement/>
-</p:properties>
-</file>
-
-<file path=customXml/item2.xml><?xml version="1.0" encoding="utf-8"?>
-<?mso-contentType ?>
-<FormTemplates xmlns="http://schemas.microsoft.com/sharepoint/v3/contenttype/forms">
-  <Display>DocumentLibraryForm</Display>
-  <Edit>DocumentLibraryForm</Edit>
-  <New>DocumentLibraryForm</New>
-</FormTemplates>
-</file>
-
-<file path=customXml/item3.xml><?xml version="1.0" encoding="utf-8"?>
 <ct:contentTypeSchema xmlns:ct="http://schemas.microsoft.com/office/2006/metadata/contentType" xmlns:ma="http://schemas.microsoft.com/office/2006/metadata/properties/metaAttributes" ct:_="" ma:_="" ma:contentTypeName="Dokumentum" ma:contentTypeID="0x0101000119D549A551764F9CD289D588F50CD1" ma:contentTypeVersion="4" ma:contentTypeDescription="Új dokumentum létrehozása." ma:contentTypeScope="" ma:versionID="d39ce6c3b1ff87abdd97d79a55525858">
   <xsd:schema xmlns:xsd="http://www.w3.org/2001/XMLSchema" xmlns:xs="http://www.w3.org/2001/XMLSchema" xmlns:p="http://schemas.microsoft.com/office/2006/metadata/properties" xmlns:ns2="e16a8d59-5ec1-4305-a348-1ba75ecba124" targetNamespace="http://schemas.microsoft.com/office/2006/metadata/properties" ma:root="true" ma:fieldsID="a614fd17b796607c2fe8cd7af1845322" ns2:_="">
     <xsd:import namespace="e16a8d59-5ec1-4305-a348-1ba75ecba124"/>
@@ -20677,31 +21077,22 @@
 </ct:contentTypeSchema>
 </file>
 
-<file path=customXml/itemProps1.xml><?xml version="1.0" encoding="utf-8"?>
-<ds:datastoreItem xmlns:ds="http://schemas.openxmlformats.org/officeDocument/2006/customXml" ds:itemID="{9B92DE76-62B5-49FE-880F-0A3FBC60AB87}">
-  <ds:schemaRefs>
-    <ds:schemaRef ds:uri="http://schemas.microsoft.com/office/2006/documentManagement/types"/>
-    <ds:schemaRef ds:uri="http://www.w3.org/XML/1998/namespace"/>
-    <ds:schemaRef ds:uri="http://purl.org/dc/elements/1.1/"/>
-    <ds:schemaRef ds:uri="http://schemas.openxmlformats.org/package/2006/metadata/core-properties"/>
-    <ds:schemaRef ds:uri="http://purl.org/dc/dcmitype/"/>
-    <ds:schemaRef ds:uri="http://schemas.microsoft.com/office/2006/metadata/properties"/>
-    <ds:schemaRef ds:uri="http://schemas.microsoft.com/office/infopath/2007/PartnerControls"/>
-    <ds:schemaRef ds:uri="e16a8d59-5ec1-4305-a348-1ba75ecba124"/>
-    <ds:schemaRef ds:uri="http://purl.org/dc/terms/"/>
-  </ds:schemaRefs>
-</ds:datastoreItem>
+<file path=customXml/item2.xml><?xml version="1.0" encoding="utf-8"?>
+<?mso-contentType ?>
+<FormTemplates xmlns="http://schemas.microsoft.com/sharepoint/v3/contenttype/forms">
+  <Display>DocumentLibraryForm</Display>
+  <Edit>DocumentLibraryForm</Edit>
+  <New>DocumentLibraryForm</New>
+</FormTemplates>
 </file>
 
-<file path=customXml/itemProps2.xml><?xml version="1.0" encoding="utf-8"?>
-<ds:datastoreItem xmlns:ds="http://schemas.openxmlformats.org/officeDocument/2006/customXml" ds:itemID="{1BBA3A4B-F75D-46B7-A527-11F0509996D9}">
-  <ds:schemaRefs>
-    <ds:schemaRef ds:uri="http://schemas.microsoft.com/sharepoint/v3/contenttype/forms"/>
-  </ds:schemaRefs>
-</ds:datastoreItem>
+<file path=customXml/item3.xml><?xml version="1.0" encoding="utf-8"?>
+<p:properties xmlns:p="http://schemas.microsoft.com/office/2006/metadata/properties" xmlns:xsi="http://www.w3.org/2001/XMLSchema-instance" xmlns:pc="http://schemas.microsoft.com/office/infopath/2007/PartnerControls">
+  <documentManagement/>
+</p:properties>
 </file>
 
-<file path=customXml/itemProps3.xml><?xml version="1.0" encoding="utf-8"?>
+<file path=customXml/itemProps1.xml><?xml version="1.0" encoding="utf-8"?>
 <ds:datastoreItem xmlns:ds="http://schemas.openxmlformats.org/officeDocument/2006/customXml" ds:itemID="{E059BDB0-AF58-43F2-8237-52F8B9D1E964}">
   <ds:schemaRefs>
     <ds:schemaRef ds:uri="e16a8d59-5ec1-4305-a348-1ba75ecba124"/>
@@ -20717,4 +21108,28 @@
     <ds:schemaRef ds:uri="http://www.w3.org/2001/XMLSchema"/>
   </ds:schemaRefs>
 </ds:datastoreItem>
+</file>
+
+<file path=customXml/itemProps2.xml><?xml version="1.0" encoding="utf-8"?>
+<ds:datastoreItem xmlns:ds="http://schemas.openxmlformats.org/officeDocument/2006/customXml" ds:itemID="{1BBA3A4B-F75D-46B7-A527-11F0509996D9}">
+  <ds:schemaRefs>
+    <ds:schemaRef ds:uri="http://schemas.microsoft.com/sharepoint/v3/contenttype/forms"/>
+  </ds:schemaRefs>
+</ds:datastoreItem>
+</file>
+
+<file path=customXml/itemProps3.xml><?xml version="1.0" encoding="utf-8"?>
+<ds:datastoreItem xmlns:ds="http://schemas.openxmlformats.org/officeDocument/2006/customXml" ds:itemID="{9B92DE76-62B5-49FE-880F-0A3FBC60AB87}">
+  <ds:schemaRefs>
+    <ds:schemaRef ds:uri="http://schemas.microsoft.com/office/2006/documentManagement/types"/>
+    <ds:schemaRef ds:uri="http://www.w3.org/XML/1998/namespace"/>
+    <ds:schemaRef ds:uri="http://purl.org/dc/elements/1.1/"/>
+    <ds:schemaRef ds:uri="http://schemas.openxmlformats.org/package/2006/metadata/core-properties"/>
+    <ds:schemaRef ds:uri="http://purl.org/dc/dcmitype/"/>
+    <ds:schemaRef ds:uri="http://schemas.microsoft.com/office/2006/metadata/properties"/>
+    <ds:schemaRef ds:uri="http://schemas.microsoft.com/office/infopath/2007/PartnerControls"/>
+    <ds:schemaRef ds:uri="e16a8d59-5ec1-4305-a348-1ba75ecba124"/>
+    <ds:schemaRef ds:uri="http://purl.org/dc/terms/"/>
+  </ds:schemaRefs>
+</ds:datastoreItem>
 </file>